--- a/temp/presentation.pptx
+++ b/temp/presentation.pptx
@@ -26,6 +26,18 @@
     <p:sldId id="274" r:id="rId25"/>
     <p:sldId id="275" r:id="rId26"/>
     <p:sldId id="276" r:id="rId27"/>
+    <p:sldId id="277" r:id="rId28"/>
+    <p:sldId id="278" r:id="rId29"/>
+    <p:sldId id="279" r:id="rId30"/>
+    <p:sldId id="280" r:id="rId31"/>
+    <p:sldId id="281" r:id="rId32"/>
+    <p:sldId id="282" r:id="rId33"/>
+    <p:sldId id="283" r:id="rId34"/>
+    <p:sldId id="284" r:id="rId35"/>
+    <p:sldId id="285" r:id="rId36"/>
+    <p:sldId id="286" r:id="rId37"/>
+    <p:sldId id="287" r:id="rId38"/>
+    <p:sldId id="288" r:id="rId39"/>
   </p:sldIdLst>
   <p:sldSz cx="12188952" cy="6858000" type="screen4x3"/>
   <p:notesSz cx="6858000" cy="9144000"/>
@@ -3146,7 +3158,7 @@
                 </a:solidFill>
                 <a:latin typeface="Georgia"/>
               </a:rPr>
-              <a:t>Linear Regression: Understanding &amp; Implementation</a:t>
+              <a:t>Introduction to Neural Networks: Understanding the Building Blocks of AI</a:t>
             </a:r>
           </a:p>
         </p:txBody>
@@ -3181,7 +3193,7 @@
                 </a:solidFill>
                 <a:latin typeface="Open Sans"/>
               </a:rPr>
-              <a:t>Linear regression is a powerful and widely used statistical and machine learning technique for predicting continuous outcomes. It operates by finding ...</a:t>
+              <a:t>This presentation provides a foundational understanding of neural networks, covering the core concepts of perceptrons, activation functions, and backp...</a:t>
             </a:r>
           </a:p>
         </p:txBody>
@@ -3216,7 +3228,7 @@
                 </a:solidFill>
                 <a:latin typeface="Open Sans"/>
               </a:rPr>
-              <a:t>Presented by Senior Technical Documentation Architect</a:t>
+              <a:t>Presented by Senior Technical Documentation Architect and Data Structure Specialist</a:t>
             </a:r>
           </a:p>
         </p:txBody>
@@ -3277,7 +3289,7 @@
                 </a:solidFill>
                 <a:latin typeface="Open Sans"/>
               </a:rPr>
-              <a:t>Linear Regression: Understanding &amp; Implementation | TeachFlow</a:t>
+              <a:t>Introduction to Neural Networks: Understanding the Building Blocks of AI | TeachFlow</a:t>
             </a:r>
           </a:p>
         </p:txBody>
@@ -3390,7 +3402,7 @@
                 </a:solidFill>
                 <a:latin typeface="Georgia"/>
               </a:rPr>
-              <a:t>Implementing Linear Regression: The Scikit-learn Workflow</a:t>
+              <a:t>The Step Function</a:t>
             </a:r>
           </a:p>
         </p:txBody>
@@ -3433,7 +3445,7 @@
                 </a:solidFill>
                 <a:latin typeface="Open Sans"/>
               </a:rPr>
-              <a:t>1. Data Preparation</a:t>
+              <a:t>Function:</a:t>
             </a:r>
             <a:r>
               <a:rPr sz="1600" b="0">
@@ -3442,7 +3454,7 @@
                 </a:solidFill>
                 <a:latin typeface="Open Sans"/>
               </a:rPr>
-              <a:t> (Conceptual)</a:t>
+              <a:t> Takes the calculated weighted sum as input.</a:t>
             </a:r>
           </a:p>
           <a:p>
@@ -3461,7 +3473,16 @@
                 </a:solidFill>
                 <a:latin typeface="Open Sans"/>
               </a:rPr>
-              <a:t>2. Importing Necessary Tools</a:t>
+              <a:t>Decision Rule:</a:t>
+            </a:r>
+            <a:r>
+              <a:rPr sz="1600" b="0">
+                <a:solidFill>
+                  <a:srgbClr val="010000"/>
+                </a:solidFill>
+                <a:latin typeface="Open Sans"/>
+              </a:rPr>
+              <a:t> If the weighted sum is greater than or equal to a predefined threshold, the output is 1 (activated). Otherwise, the output is 0 (not activated).</a:t>
             </a:r>
           </a:p>
           <a:p>
@@ -3480,7 +3501,7 @@
                 </a:solidFill>
                 <a:latin typeface="Open Sans"/>
               </a:rPr>
-              <a:t>3. Creating &amp; Training the Model</a:t>
+              <a:t>Synonym:</a:t>
             </a:r>
             <a:r>
               <a:rPr sz="1600" b="0">
@@ -3489,35 +3510,7 @@
                 </a:solidFill>
                 <a:latin typeface="Open Sans"/>
               </a:rPr>
-              <a:t> (`.fit()` method)</a:t>
-            </a:r>
-          </a:p>
-          <a:p>
-            <a:pPr>
-              <a:spcBef>
-                <a:spcPts val="400"/>
-              </a:spcBef>
-              <a:spcAft>
-                <a:spcPts val="400"/>
-              </a:spcAft>
-            </a:pPr>
-            <a:r>
-              <a:rPr sz="1600" b="1">
-                <a:solidFill>
-                  <a:srgbClr val="010000"/>
-                </a:solidFill>
-                <a:latin typeface="Open Sans"/>
-              </a:rPr>
-              <a:t>4. Making Predictions</a:t>
-            </a:r>
-            <a:r>
-              <a:rPr sz="1600" b="0">
-                <a:solidFill>
-                  <a:srgbClr val="010000"/>
-                </a:solidFill>
-                <a:latin typeface="Open Sans"/>
-              </a:rPr>
-              <a:t> (`.predict()` method)</a:t>
+              <a:t> This is the Perceptron's 'activation function' – its simple way of making a binary decision.</a:t>
             </a:r>
           </a:p>
         </p:txBody>
@@ -3578,7 +3571,7 @@
                 </a:solidFill>
                 <a:latin typeface="Open Sans"/>
               </a:rPr>
-              <a:t>Linear Regression: Understanding &amp; Implementation | TeachFlow</a:t>
+              <a:t>Introduction to Neural Networks: Understanding the Building Blocks of AI | TeachFlow</a:t>
             </a:r>
           </a:p>
         </p:txBody>
@@ -3691,7 +3684,7 @@
                 </a:solidFill>
                 <a:latin typeface="Georgia"/>
               </a:rPr>
-              <a:t>Step 1: Data Preparation - Train &amp; Test Split</a:t>
+              <a:t>Perceptron's Limitation</a:t>
             </a:r>
           </a:p>
         </p:txBody>
@@ -3734,7 +3727,7 @@
                 </a:solidFill>
                 <a:latin typeface="Open Sans"/>
               </a:rPr>
-              <a:t>`X_train`, `y_train`:</a:t>
+              <a:t>Linear Separability:</a:t>
             </a:r>
             <a:r>
               <a:rPr sz="1600" b="0">
@@ -3743,7 +3736,7 @@
                 </a:solidFill>
                 <a:latin typeface="Open Sans"/>
               </a:rPr>
-              <a:t> The portion of data used to train the model, allowing it to learn the relationships.</a:t>
+              <a:t> Perceptrons can only solve problems where data can be separated by a single straight line (linearly separable data).</a:t>
             </a:r>
           </a:p>
           <a:p>
@@ -3762,7 +3755,7 @@
                 </a:solidFill>
                 <a:latin typeface="Open Sans"/>
               </a:rPr>
-              <a:t>`X_test`, `y_test`:</a:t>
+              <a:t>The XOR Gate:</a:t>
             </a:r>
             <a:r>
               <a:rPr sz="1600" b="0">
@@ -3771,7 +3764,35 @@
                 </a:solidFill>
                 <a:latin typeface="Open Sans"/>
               </a:rPr>
-              <a:t> The portion of data the model has not seen before, used to evaluate its prediction accuracy.</a:t>
+              <a:t> The Exclusive OR (XOR) logic function is a classic example of a problem that is NOT linearly separable.</a:t>
+            </a:r>
+          </a:p>
+          <a:p>
+            <a:pPr>
+              <a:spcBef>
+                <a:spcPts val="400"/>
+              </a:spcBef>
+              <a:spcAft>
+                <a:spcPts val="400"/>
+              </a:spcAft>
+            </a:pPr>
+            <a:r>
+              <a:rPr sz="1600" b="1">
+                <a:solidFill>
+                  <a:srgbClr val="010000"/>
+                </a:solidFill>
+                <a:latin typeface="Open Sans"/>
+              </a:rPr>
+              <a:t>Implication:</a:t>
+            </a:r>
+            <a:r>
+              <a:rPr sz="1600" b="0">
+                <a:solidFill>
+                  <a:srgbClr val="010000"/>
+                </a:solidFill>
+                <a:latin typeface="Open Sans"/>
+              </a:rPr>
+              <a:t> This highlights a fundamental limitation: single perceptrons are insufficient for complex, real-world data patterns.</a:t>
             </a:r>
           </a:p>
         </p:txBody>
@@ -3779,68 +3800,6 @@
       <p:sp>
         <p:nvSpPr>
           <p:cNvPr id="5" name="TextBox 4"/>
-          <p:cNvSpPr txBox="1"/>
-          <p:nvPr/>
-        </p:nvSpPr>
-        <p:spPr>
-          <a:xfrm>
-            <a:off x="731520" y="4114800"/>
-            <a:ext cx="9601200" cy="731520"/>
-          </a:xfrm>
-          <a:prstGeom prst="rect">
-            <a:avLst/>
-          </a:prstGeom>
-          <a:noFill/>
-        </p:spPr>
-        <p:txBody>
-          <a:bodyPr wrap="square" anchor="t" tIns="91440" bIns="91440">
-            <a:spAutoFit/>
-          </a:bodyPr>
-          <a:lstStyle/>
-          <a:p>
-            <a:pPr algn="l"/>
-            <a:r>
-              <a:rPr sz="1600" b="0">
-                <a:solidFill>
-                  <a:srgbClr val="010000"/>
-                </a:solidFill>
-                <a:latin typeface="Open Sans"/>
-              </a:rPr>
-              <a:t>Purpose:</a:t>
-            </a:r>
-            <a:r>
-              <a:rPr sz="1600" b="0">
-                <a:solidFill>
-                  <a:srgbClr val="010000"/>
-                </a:solidFill>
-                <a:latin typeface="Open Sans"/>
-              </a:rPr>
-              <a:t> This split is crucial to prevent </a:t>
-            </a:r>
-            <a:r>
-              <a:rPr sz="1600" b="0">
-                <a:solidFill>
-                  <a:srgbClr val="010000"/>
-                </a:solidFill>
-                <a:latin typeface="Open Sans"/>
-              </a:rPr>
-              <a:t>overfitting</a:t>
-            </a:r>
-            <a:r>
-              <a:rPr sz="1600" b="0">
-                <a:solidFill>
-                  <a:srgbClr val="010000"/>
-                </a:solidFill>
-                <a:latin typeface="Open Sans"/>
-              </a:rPr>
-              <a:t> and ensure the model can generalize well to new, unseen data.</a:t>
-            </a:r>
-          </a:p>
-        </p:txBody>
-      </p:sp>
-      <p:sp>
-        <p:nvSpPr>
-          <p:cNvPr id="6" name="TextBox 5"/>
           <p:cNvSpPr txBox="1"/>
           <p:nvPr/>
         </p:nvSpPr>
@@ -3866,7 +3825,7 @@
       </p:sp>
       <p:sp>
         <p:nvSpPr>
-          <p:cNvPr id="7" name="TextBox 6"/>
+          <p:cNvPr id="6" name="TextBox 5"/>
           <p:cNvSpPr txBox="1"/>
           <p:nvPr/>
         </p:nvSpPr>
@@ -3894,14 +3853,14 @@
                 </a:solidFill>
                 <a:latin typeface="Open Sans"/>
               </a:rPr>
-              <a:t>Linear Regression: Understanding &amp; Implementation | TeachFlow</a:t>
-            </a:r>
-          </a:p>
-        </p:txBody>
-      </p:sp>
-      <p:sp>
-        <p:nvSpPr>
-          <p:cNvPr id="8" name="TextBox 7"/>
+              <a:t>Introduction to Neural Networks: Understanding the Building Blocks of AI | TeachFlow</a:t>
+            </a:r>
+          </a:p>
+        </p:txBody>
+      </p:sp>
+      <p:sp>
+        <p:nvSpPr>
+          <p:cNvPr id="7" name="TextBox 6"/>
           <p:cNvSpPr txBox="1"/>
           <p:nvPr/>
         </p:nvSpPr>
@@ -4007,7 +3966,7 @@
                 </a:solidFill>
                 <a:latin typeface="Georgia"/>
               </a:rPr>
-              <a:t>Step 2: Importing Necessary Tools</a:t>
+              <a:t>Knowledge Check: Perceptrons</a:t>
             </a:r>
           </a:p>
         </p:txBody>
@@ -4021,7 +3980,7 @@
         <p:spPr>
           <a:xfrm>
             <a:off x="731520" y="1371600"/>
-            <a:ext cx="9601200" cy="3474720"/>
+            <a:ext cx="9601200" cy="3657600"/>
           </a:xfrm>
           <a:prstGeom prst="rect">
             <a:avLst/>
@@ -4033,8 +3992,25 @@
             <a:spAutoFit/>
           </a:bodyPr>
           <a:lstStyle/>
-          <a:p>
-            <a:pPr algn="l"/>
+          <a:p/>
+          <a:p>
+            <a:pPr>
+              <a:spcBef>
+                <a:spcPts val="0"/>
+              </a:spcBef>
+              <a:spcAft>
+                <a:spcPts val="400"/>
+              </a:spcAft>
+            </a:pPr>
+            <a:r>
+              <a:rPr sz="1600" b="1">
+                <a:solidFill>
+                  <a:srgbClr val="010000"/>
+                </a:solidFill>
+                <a:latin typeface="Open Sans"/>
+              </a:rPr>
+              <a:t>Question 1:</a:t>
+            </a:r>
             <a:r>
               <a:rPr sz="1600" b="0">
                 <a:solidFill>
@@ -4042,10 +4018,85 @@
                 </a:solidFill>
                 <a:latin typeface="Open Sans"/>
               </a:rPr>
-              <a:t>```python
-import numpy as np
-from sklearn.linear_model import LinearRegression
-```</a:t>
+              <a:t> Which component determines the 'importance' of an input in a perceptron?</a:t>
+            </a:r>
+          </a:p>
+          <a:p>
+            <a:pPr>
+              <a:spcBef>
+                <a:spcPts val="400"/>
+              </a:spcBef>
+              <a:spcAft>
+                <a:spcPts val="400"/>
+              </a:spcAft>
+            </a:pPr>
+            <a:r>
+              <a:rPr sz="1600" b="0">
+                <a:solidFill>
+                  <a:srgbClr val="010000"/>
+                </a:solidFill>
+                <a:latin typeface="Open Sans"/>
+              </a:rPr>
+              <a:t>A) Bias
+B) Weight
+C) Input
+D) Step Function</a:t>
+            </a:r>
+          </a:p>
+          <a:p>
+            <a:pPr>
+              <a:spcBef>
+                <a:spcPts val="400"/>
+              </a:spcBef>
+              <a:spcAft>
+                <a:spcPts val="400"/>
+              </a:spcAft>
+            </a:pPr>
+            <a:r>
+              <a:rPr sz="1600" b="1">
+                <a:solidFill>
+                  <a:srgbClr val="010000"/>
+                </a:solidFill>
+                <a:latin typeface="Open Sans"/>
+              </a:rPr>
+              <a:t>Question 2:</a:t>
+            </a:r>
+            <a:r>
+              <a:rPr sz="1600" b="0">
+                <a:solidFill>
+                  <a:srgbClr val="010000"/>
+                </a:solidFill>
+                <a:latin typeface="Open Sans"/>
+              </a:rPr>
+              <a:t> True or False: A single perceptron can solve any complex classification problem.</a:t>
+            </a:r>
+          </a:p>
+          <a:p>
+            <a:pPr>
+              <a:spcBef>
+                <a:spcPts val="400"/>
+              </a:spcBef>
+              <a:spcAft>
+                <a:spcPts val="400"/>
+              </a:spcAft>
+            </a:pPr>
+            <a:r>
+              <a:rPr sz="1600" b="1">
+                <a:solidFill>
+                  <a:srgbClr val="010000"/>
+                </a:solidFill>
+                <a:latin typeface="Open Sans"/>
+              </a:rPr>
+              <a:t>Question 3 (Discussion):</a:t>
+            </a:r>
+            <a:r>
+              <a:rPr sz="1600" b="0">
+                <a:solidFill>
+                  <a:srgbClr val="010000"/>
+                </a:solidFill>
+                <a:latin typeface="Open Sans"/>
+              </a:rPr>
+              <a:t> Why is understanding the XOR problem important for learning about neural networks?</a:t>
             </a:r>
           </a:p>
         </p:txBody>
@@ -4053,94 +4104,6 @@
       <p:sp>
         <p:nvSpPr>
           <p:cNvPr id="5" name="TextBox 4"/>
-          <p:cNvSpPr txBox="1"/>
-          <p:nvPr/>
-        </p:nvSpPr>
-        <p:spPr>
-          <a:xfrm>
-            <a:off x="731520" y="1965960"/>
-            <a:ext cx="9601200" cy="2880360"/>
-          </a:xfrm>
-          <a:prstGeom prst="rect">
-            <a:avLst/>
-          </a:prstGeom>
-          <a:noFill/>
-        </p:spPr>
-        <p:txBody>
-          <a:bodyPr wrap="square" anchor="t" tIns="91440" bIns="91440">
-            <a:spAutoFit/>
-          </a:bodyPr>
-          <a:lstStyle/>
-          <a:p>
-            <a:pPr algn="l"/>
-            <a:r>
-              <a:rPr sz="1600" b="0">
-                <a:solidFill>
-                  <a:srgbClr val="010000"/>
-                </a:solidFill>
-                <a:latin typeface="Open Sans"/>
-              </a:rPr>
-              <a:t>`numpy` (`np`):</a:t>
-            </a:r>
-            <a:r>
-              <a:rPr sz="1600" b="0">
-                <a:solidFill>
-                  <a:srgbClr val="010000"/>
-                </a:solidFill>
-                <a:latin typeface="Open Sans"/>
-              </a:rPr>
-              <a:t> A fundamental package for scientific computing in Python, providing support for large, multi-dimensional arrays.</a:t>
-            </a:r>
-          </a:p>
-        </p:txBody>
-      </p:sp>
-      <p:sp>
-        <p:nvSpPr>
-          <p:cNvPr id="6" name="TextBox 5"/>
-          <p:cNvSpPr txBox="1"/>
-          <p:nvPr/>
-        </p:nvSpPr>
-        <p:spPr>
-          <a:xfrm>
-            <a:off x="731520" y="2560320"/>
-            <a:ext cx="9601200" cy="2286000"/>
-          </a:xfrm>
-          <a:prstGeom prst="rect">
-            <a:avLst/>
-          </a:prstGeom>
-          <a:noFill/>
-        </p:spPr>
-        <p:txBody>
-          <a:bodyPr wrap="square" anchor="t" tIns="91440" bIns="91440">
-            <a:spAutoFit/>
-          </a:bodyPr>
-          <a:lstStyle/>
-          <a:p>
-            <a:pPr algn="l"/>
-            <a:r>
-              <a:rPr sz="1600" b="0">
-                <a:solidFill>
-                  <a:srgbClr val="010000"/>
-                </a:solidFill>
-                <a:latin typeface="Open Sans"/>
-              </a:rPr>
-              <a:t>`LinearRegression`:</a:t>
-            </a:r>
-            <a:r>
-              <a:rPr sz="1600" b="0">
-                <a:solidFill>
-                  <a:srgbClr val="010000"/>
-                </a:solidFill>
-                <a:latin typeface="Open Sans"/>
-              </a:rPr>
-              <a:t> The specific class from `scikit-learn` that implements the linear regression model.</a:t>
-            </a:r>
-          </a:p>
-        </p:txBody>
-      </p:sp>
-      <p:sp>
-        <p:nvSpPr>
-          <p:cNvPr id="7" name="TextBox 6"/>
           <p:cNvSpPr txBox="1"/>
           <p:nvPr/>
         </p:nvSpPr>
@@ -4166,7 +4129,7 @@
       </p:sp>
       <p:sp>
         <p:nvSpPr>
-          <p:cNvPr id="8" name="TextBox 7"/>
+          <p:cNvPr id="6" name="TextBox 5"/>
           <p:cNvSpPr txBox="1"/>
           <p:nvPr/>
         </p:nvSpPr>
@@ -4194,14 +4157,14 @@
                 </a:solidFill>
                 <a:latin typeface="Open Sans"/>
               </a:rPr>
-              <a:t>Linear Regression: Understanding &amp; Implementation | TeachFlow</a:t>
-            </a:r>
-          </a:p>
-        </p:txBody>
-      </p:sp>
-      <p:sp>
-        <p:nvSpPr>
-          <p:cNvPr id="9" name="TextBox 8"/>
+              <a:t>Introduction to Neural Networks: Understanding the Building Blocks of AI | TeachFlow</a:t>
+            </a:r>
+          </a:p>
+        </p:txBody>
+      </p:sp>
+      <p:sp>
+        <p:nvSpPr>
+          <p:cNvPr id="7" name="TextBox 6"/>
           <p:cNvSpPr txBox="1"/>
           <p:nvPr/>
         </p:nvSpPr>
@@ -4307,7 +4270,7 @@
                 </a:solidFill>
                 <a:latin typeface="Georgia"/>
               </a:rPr>
-              <a:t>Step 3: Creating &amp; Training the Model (`.fit()`)</a:t>
+              <a:t>Module 2: Activation Functions</a:t>
             </a:r>
           </a:p>
         </p:txBody>
@@ -4315,133 +4278,6 @@
       <p:sp>
         <p:nvSpPr>
           <p:cNvPr id="4" name="TextBox 3"/>
-          <p:cNvSpPr txBox="1"/>
-          <p:nvPr/>
-        </p:nvSpPr>
-        <p:spPr>
-          <a:xfrm>
-            <a:off x="731520" y="1371600"/>
-            <a:ext cx="9601200" cy="3474720"/>
-          </a:xfrm>
-          <a:prstGeom prst="rect">
-            <a:avLst/>
-          </a:prstGeom>
-          <a:noFill/>
-        </p:spPr>
-        <p:txBody>
-          <a:bodyPr wrap="square" anchor="t" tIns="91440" bIns="91440">
-            <a:spAutoFit/>
-          </a:bodyPr>
-          <a:lstStyle/>
-          <a:p>
-            <a:pPr algn="l"/>
-            <a:r>
-              <a:rPr sz="1600" b="0">
-                <a:solidFill>
-                  <a:srgbClr val="010000"/>
-                </a:solidFill>
-                <a:latin typeface="Open Sans"/>
-              </a:rPr>
-              <a:t>```python
-# Create and train model
-model = LinearRegression()
-model.fit(X_train, y_train)
-```</a:t>
-            </a:r>
-          </a:p>
-        </p:txBody>
-      </p:sp>
-      <p:sp>
-        <p:nvSpPr>
-          <p:cNvPr id="5" name="TextBox 4"/>
-          <p:cNvSpPr txBox="1"/>
-          <p:nvPr/>
-        </p:nvSpPr>
-        <p:spPr>
-          <a:xfrm>
-            <a:off x="731520" y="1965960"/>
-            <a:ext cx="9601200" cy="2880360"/>
-          </a:xfrm>
-          <a:prstGeom prst="rect">
-            <a:avLst/>
-          </a:prstGeom>
-          <a:noFill/>
-        </p:spPr>
-        <p:txBody>
-          <a:bodyPr wrap="square" anchor="t" tIns="91440" bIns="91440">
-            <a:spAutoFit/>
-          </a:bodyPr>
-          <a:lstStyle/>
-          <a:p>
-            <a:pPr algn="l"/>
-            <a:r>
-              <a:rPr sz="1600" b="0">
-                <a:solidFill>
-                  <a:srgbClr val="010000"/>
-                </a:solidFill>
-                <a:latin typeface="Open Sans"/>
-              </a:rPr>
-              <a:t>`model = LinearRegression()`:</a:t>
-            </a:r>
-            <a:r>
-              <a:rPr sz="1600" b="0">
-                <a:solidFill>
-                  <a:srgbClr val="010000"/>
-                </a:solidFill>
-                <a:latin typeface="Open Sans"/>
-              </a:rPr>
-              <a:t> This line creates an object (an instance) of the `LinearRegression` model. At this stage, it's an empty shell, ready to learn.</a:t>
-            </a:r>
-          </a:p>
-        </p:txBody>
-      </p:sp>
-      <p:sp>
-        <p:nvSpPr>
-          <p:cNvPr id="6" name="TextBox 5"/>
-          <p:cNvSpPr txBox="1"/>
-          <p:nvPr/>
-        </p:nvSpPr>
-        <p:spPr>
-          <a:xfrm>
-            <a:off x="731520" y="2788920"/>
-            <a:ext cx="9601200" cy="2057400"/>
-          </a:xfrm>
-          <a:prstGeom prst="rect">
-            <a:avLst/>
-          </a:prstGeom>
-          <a:noFill/>
-        </p:spPr>
-        <p:txBody>
-          <a:bodyPr wrap="square" anchor="t" tIns="91440" bIns="91440">
-            <a:spAutoFit/>
-          </a:bodyPr>
-          <a:lstStyle/>
-          <a:p>
-            <a:pPr algn="l"/>
-            <a:r>
-              <a:rPr sz="1600" b="0">
-                <a:solidFill>
-                  <a:srgbClr val="010000"/>
-                </a:solidFill>
-                <a:latin typeface="Open Sans"/>
-              </a:rPr>
-              <a:t>`model.fit(X_train, y_train)`:</a:t>
-            </a:r>
-            <a:r>
-              <a:rPr sz="1600" b="0">
-                <a:solidFill>
-                  <a:srgbClr val="010000"/>
-                </a:solidFill>
-                <a:latin typeface="Open Sans"/>
-              </a:rPr>
-              <a:t> This is the crucial training step. The model takes the training features (`X_train`) and their corresponding target values (`y_train`) and learns the underlying linear relationship. It calculates the optimal slopes (coefficients) and the intercept that minimize prediction errors.</a:t>
-            </a:r>
-          </a:p>
-        </p:txBody>
-      </p:sp>
-      <p:sp>
-        <p:nvSpPr>
-          <p:cNvPr id="7" name="TextBox 6"/>
           <p:cNvSpPr txBox="1"/>
           <p:nvPr/>
         </p:nvSpPr>
@@ -4467,7 +4303,7 @@
       </p:sp>
       <p:sp>
         <p:nvSpPr>
-          <p:cNvPr id="8" name="TextBox 7"/>
+          <p:cNvPr id="5" name="TextBox 4"/>
           <p:cNvSpPr txBox="1"/>
           <p:nvPr/>
         </p:nvSpPr>
@@ -4495,14 +4331,14 @@
                 </a:solidFill>
                 <a:latin typeface="Open Sans"/>
               </a:rPr>
-              <a:t>Linear Regression: Understanding &amp; Implementation | TeachFlow</a:t>
-            </a:r>
-          </a:p>
-        </p:txBody>
-      </p:sp>
-      <p:sp>
-        <p:nvSpPr>
-          <p:cNvPr id="9" name="TextBox 8"/>
+              <a:t>Introduction to Neural Networks: Understanding the Building Blocks of AI | TeachFlow</a:t>
+            </a:r>
+          </a:p>
+        </p:txBody>
+      </p:sp>
+      <p:sp>
+        <p:nvSpPr>
+          <p:cNvPr id="6" name="TextBox 5"/>
           <p:cNvSpPr txBox="1"/>
           <p:nvPr/>
         </p:nvSpPr>
@@ -4608,7 +4444,7 @@
                 </a:solidFill>
                 <a:latin typeface="Georgia"/>
               </a:rPr>
-              <a:t>Step 4: Making Predictions (`.predict()`)</a:t>
+              <a:t>Why Non-linearity?</a:t>
             </a:r>
           </a:p>
         </p:txBody>
@@ -4622,7 +4458,7 @@
         <p:spPr>
           <a:xfrm>
             <a:off x="731520" y="1371600"/>
-            <a:ext cx="9601200" cy="3474720"/>
+            <a:ext cx="9601200" cy="3657600"/>
           </a:xfrm>
           <a:prstGeom prst="rect">
             <a:avLst/>
@@ -4634,8 +4470,25 @@
             <a:spAutoFit/>
           </a:bodyPr>
           <a:lstStyle/>
-          <a:p>
-            <a:pPr algn="l"/>
+          <a:p/>
+          <a:p>
+            <a:pPr>
+              <a:spcBef>
+                <a:spcPts val="0"/>
+              </a:spcBef>
+              <a:spcAft>
+                <a:spcPts val="400"/>
+              </a:spcAft>
+            </a:pPr>
+            <a:r>
+              <a:rPr sz="1600" b="1">
+                <a:solidFill>
+                  <a:srgbClr val="010000"/>
+                </a:solidFill>
+                <a:latin typeface="Open Sans"/>
+              </a:rPr>
+              <a:t>Stacking Linear Functions:</a:t>
+            </a:r>
             <a:r>
               <a:rPr sz="1600" b="0">
                 <a:solidFill>
@@ -4643,10 +4496,63 @@
                 </a:solidFill>
                 <a:latin typeface="Open Sans"/>
               </a:rPr>
-              <a:t>```python
-# Make predictions
-predictions = model.predict(X_test)
-```</a:t>
+              <a:t> Combining multiple linear transformations (like perceptrons with only step functions) only results in another linear transformation. You can't learn anything more complex than a straight line.</a:t>
+            </a:r>
+          </a:p>
+          <a:p>
+            <a:pPr>
+              <a:spcBef>
+                <a:spcPts val="400"/>
+              </a:spcBef>
+              <a:spcAft>
+                <a:spcPts val="400"/>
+              </a:spcAft>
+            </a:pPr>
+            <a:r>
+              <a:rPr sz="1600" b="1">
+                <a:solidFill>
+                  <a:srgbClr val="010000"/>
+                </a:solidFill>
+                <a:latin typeface="Open Sans"/>
+              </a:rPr>
+              <a:t>Real-World Data:</a:t>
+            </a:r>
+            <a:r>
+              <a:rPr sz="1600" b="0">
+                <a:solidFill>
+                  <a:srgbClr val="010000"/>
+                </a:solidFill>
+                <a:latin typeface="Open Sans"/>
+              </a:rPr>
+              <a:t> Most real-world data (images, text, speech) is inherently non-linear and cannot be separated by simple lines.</a:t>
+            </a:r>
+          </a:p>
+          <a:p>
+            <a:pPr>
+              <a:spcBef>
+                <a:spcPts val="400"/>
+              </a:spcBef>
+              <a:spcAft>
+                <a:spcPts val="400"/>
+              </a:spcAft>
+            </a:pPr>
+            <a:r>
+              <a:rPr sz="1600" b="1">
+                <a:solidFill>
+                  <a:srgbClr val="010000"/>
+                </a:solidFill>
+                <a:latin typeface="Open Sans"/>
+              </a:rPr>
+              <a:t>Enabling Complexity:</a:t>
+            </a:r>
+            <a:r>
+              <a:rPr sz="1600" b="0">
+                <a:solidFill>
+                  <a:srgbClr val="010000"/>
+                </a:solidFill>
+                <a:latin typeface="Open Sans"/>
+              </a:rPr>
+              <a:t> Non-linear activation functions allow neural networks to model intricate, non-linear relationships and learn complex features.</a:t>
             </a:r>
           </a:p>
         </p:txBody>
@@ -4654,50 +4560,6 @@
       <p:sp>
         <p:nvSpPr>
           <p:cNvPr id="5" name="TextBox 4"/>
-          <p:cNvSpPr txBox="1"/>
-          <p:nvPr/>
-        </p:nvSpPr>
-        <p:spPr>
-          <a:xfrm>
-            <a:off x="731520" y="1737360"/>
-            <a:ext cx="9601200" cy="3108960"/>
-          </a:xfrm>
-          <a:prstGeom prst="rect">
-            <a:avLst/>
-          </a:prstGeom>
-          <a:noFill/>
-        </p:spPr>
-        <p:txBody>
-          <a:bodyPr wrap="square" anchor="t" tIns="91440" bIns="91440">
-            <a:spAutoFit/>
-          </a:bodyPr>
-          <a:lstStyle/>
-          <a:p>
-            <a:pPr algn="l"/>
-            <a:r>
-              <a:rPr sz="1600" b="0">
-                <a:solidFill>
-                  <a:srgbClr val="010000"/>
-                </a:solidFill>
-                <a:latin typeface="Open Sans"/>
-              </a:rPr>
-              <a:t>`predictions = model.predict(X_test)`:</a:t>
-            </a:r>
-            <a:r>
-              <a:rPr sz="1600" b="0">
-                <a:solidFill>
-                  <a:srgbClr val="010000"/>
-                </a:solidFill>
-                <a:latin typeface="Open Sans"/>
-              </a:rPr>
-              <a:t> This line uses the trained `model` to generate predictions for the input features in `X_test`. The `predictions` variable will contain the estimated continuous values based on the learned linear relationship. These predictions can then be compared to the actual `y_test` values to evaluate the model's performance.</a:t>
-            </a:r>
-          </a:p>
-        </p:txBody>
-      </p:sp>
-      <p:sp>
-        <p:nvSpPr>
-          <p:cNvPr id="6" name="TextBox 5"/>
           <p:cNvSpPr txBox="1"/>
           <p:nvPr/>
         </p:nvSpPr>
@@ -4723,7 +4585,7 @@
       </p:sp>
       <p:sp>
         <p:nvSpPr>
-          <p:cNvPr id="7" name="TextBox 6"/>
+          <p:cNvPr id="6" name="TextBox 5"/>
           <p:cNvSpPr txBox="1"/>
           <p:nvPr/>
         </p:nvSpPr>
@@ -4751,14 +4613,14 @@
                 </a:solidFill>
                 <a:latin typeface="Open Sans"/>
               </a:rPr>
-              <a:t>Linear Regression: Understanding &amp; Implementation | TeachFlow</a:t>
-            </a:r>
-          </a:p>
-        </p:txBody>
-      </p:sp>
-      <p:sp>
-        <p:nvSpPr>
-          <p:cNvPr id="8" name="TextBox 7"/>
+              <a:t>Introduction to Neural Networks: Understanding the Building Blocks of AI | TeachFlow</a:t>
+            </a:r>
+          </a:p>
+        </p:txBody>
+      </p:sp>
+      <p:sp>
+        <p:nvSpPr>
+          <p:cNvPr id="7" name="TextBox 6"/>
           <p:cNvSpPr txBox="1"/>
           <p:nvPr/>
         </p:nvSpPr>
@@ -4864,7 +4726,7 @@
                 </a:solidFill>
                 <a:latin typeface="Georgia"/>
               </a:rPr>
-              <a:t>Advantages of Linear Regression</a:t>
+              <a:t>Purpose of Activation Functions</a:t>
             </a:r>
           </a:p>
         </p:txBody>
@@ -4907,7 +4769,7 @@
                 </a:solidFill>
                 <a:latin typeface="Open Sans"/>
               </a:rPr>
-              <a:t>Interpretability:</a:t>
+              <a:t>Function:</a:t>
             </a:r>
             <a:r>
               <a:rPr sz="1600" b="0">
@@ -4916,7 +4778,7 @@
                 </a:solidFill>
                 <a:latin typeface="Open Sans"/>
               </a:rPr>
-              <a:t> The coefficients directly indicate the strength and direction of each variable's impact. (e.g., +$100 per sq ft). This clarity helps understand feature influence.</a:t>
+              <a:t> Determines if a neuron should be 'activated' (fire) and pass its output to the next layer in the network.</a:t>
             </a:r>
           </a:p>
           <a:p>
@@ -4935,7 +4797,7 @@
                 </a:solidFill>
                 <a:latin typeface="Open Sans"/>
               </a:rPr>
-              <a:t>Computational Efficiency:</a:t>
+              <a:t>Key Role:</a:t>
             </a:r>
             <a:r>
               <a:rPr sz="1600" b="0">
@@ -4944,7 +4806,7 @@
                 </a:solidFill>
                 <a:latin typeface="Open Sans"/>
               </a:rPr>
-              <a:t> Relatively simple mathematically, making them very fast to train and predict, even on large datasets.</a:t>
+              <a:t> Introduce non-linearity into the network's output, allowing it to learn and represent complex patterns that go beyond simple linear relationships.</a:t>
             </a:r>
           </a:p>
           <a:p>
@@ -4963,7 +4825,7 @@
                 </a:solidFill>
                 <a:latin typeface="Open Sans"/>
               </a:rPr>
-              <a:t>Baseline Model:</a:t>
+              <a:t>Location:</a:t>
             </a:r>
             <a:r>
               <a:rPr sz="1600" b="0">
@@ -4972,7 +4834,7 @@
                 </a:solidFill>
                 <a:latin typeface="Open Sans"/>
               </a:rPr>
-              <a:t> Due to simplicity and efficiency, it's an excellent starting point to establish a performance benchmark before exploring more complex algorithms.</a:t>
+              <a:t> Applied to the weighted sum of inputs in each neuron.</a:t>
             </a:r>
           </a:p>
         </p:txBody>
@@ -5033,7 +4895,7 @@
                 </a:solidFill>
                 <a:latin typeface="Open Sans"/>
               </a:rPr>
-              <a:t>Linear Regression: Understanding &amp; Implementation | TeachFlow</a:t>
+              <a:t>Introduction to Neural Networks: Understanding the Building Blocks of AI | TeachFlow</a:t>
             </a:r>
           </a:p>
         </p:txBody>
@@ -5146,7 +5008,7 @@
                 </a:solidFill>
                 <a:latin typeface="Georgia"/>
               </a:rPr>
-              <a:t>Limitation 1: Assumption of Linearity</a:t>
+              <a:t>Common Activation Function 1: Sigmoid</a:t>
             </a:r>
           </a:p>
         </p:txBody>
@@ -5183,31 +5045,22 @@
               </a:spcAft>
             </a:pPr>
             <a:r>
+              <a:rPr sz="1600" b="1">
+                <a:solidFill>
+                  <a:srgbClr val="010000"/>
+                </a:solidFill>
+                <a:latin typeface="Open Sans"/>
+              </a:rPr>
+              <a:t>Output Range:</a:t>
+            </a:r>
+            <a:r>
               <a:rPr sz="1600" b="0">
                 <a:solidFill>
                   <a:srgbClr val="010000"/>
                 </a:solidFill>
                 <a:latin typeface="Open Sans"/>
               </a:rPr>
-              <a:t>The most fundamental assumption: relationship between variables is </a:t>
-            </a:r>
-            <a:r>
-              <a:rPr sz="1600" b="1">
-                <a:solidFill>
-                  <a:srgbClr val="010000"/>
-                </a:solidFill>
-                <a:latin typeface="Open Sans"/>
-              </a:rPr>
-              <a:t>linear</a:t>
-            </a:r>
-            <a:r>
-              <a:rPr sz="1600" b="0">
-                <a:solidFill>
-                  <a:srgbClr val="010000"/>
-                </a:solidFill>
-                <a:latin typeface="Open Sans"/>
-              </a:rPr>
-              <a:t>.</a:t>
+              <a:t> Compresses any input value into a range between 0 and 1.</a:t>
             </a:r>
           </a:p>
           <a:p>
@@ -5220,14 +5073,33 @@
               </a:spcAft>
             </a:pPr>
             <a:r>
+              <a:rPr sz="1600" b="1">
+                <a:solidFill>
+                  <a:srgbClr val="010000"/>
+                </a:solidFill>
+                <a:latin typeface="Open Sans"/>
+              </a:rPr>
+              <a:t>Characteristics:</a:t>
+            </a:r>
+            <a:r>
               <a:rPr sz="1600" b="0">
                 <a:solidFill>
                   <a:srgbClr val="010000"/>
                 </a:solidFill>
                 <a:latin typeface="Open Sans"/>
               </a:rPr>
-              <a:t>If the true relationship is non-linear (e.g., exponential, quadratic), a linear model will not accurately capture the patterns, leading to </a:t>
-            </a:r>
+              <a:t> Smooth, continuous, and differentiable at all points (important for learning algorithms).</a:t>
+            </a:r>
+          </a:p>
+          <a:p>
+            <a:pPr>
+              <a:spcBef>
+                <a:spcPts val="400"/>
+              </a:spcBef>
+              <a:spcAft>
+                <a:spcPts val="400"/>
+              </a:spcAft>
+            </a:pPr>
             <a:r>
               <a:rPr sz="1600" b="1">
                 <a:solidFill>
@@ -5235,7 +5107,7 @@
                 </a:solidFill>
                 <a:latin typeface="Open Sans"/>
               </a:rPr>
-              <a:t>poor predictions</a:t>
+              <a:t>Use Case:</a:t>
             </a:r>
             <a:r>
               <a:rPr sz="1600" b="0">
@@ -5244,7 +5116,53 @@
                 </a:solidFill>
                 <a:latin typeface="Open Sans"/>
               </a:rPr>
-              <a:t>.</a:t>
+              <a:t> Historically popular for output layers where probabilities are needed.</a:t>
+            </a:r>
+          </a:p>
+          <a:p>
+            <a:pPr>
+              <a:spcBef>
+                <a:spcPts val="400"/>
+              </a:spcBef>
+              <a:spcAft>
+                <a:spcPts val="400"/>
+              </a:spcAft>
+            </a:pPr>
+            <a:r>
+              <a:rPr sz="1600" b="1">
+                <a:solidFill>
+                  <a:srgbClr val="010000"/>
+                </a:solidFill>
+                <a:latin typeface="Open Sans"/>
+              </a:rPr>
+              <a:t>Limitation:</a:t>
+            </a:r>
+            <a:r>
+              <a:rPr sz="1600" b="0">
+                <a:solidFill>
+                  <a:srgbClr val="010000"/>
+                </a:solidFill>
+                <a:latin typeface="Open Sans"/>
+              </a:rPr>
+              <a:t> </a:t>
+            </a:r>
+            <a:r>
+              <a:rPr sz="1600" b="1">
+                <a:solidFill>
+                  <a:srgbClr val="010000"/>
+                </a:solidFill>
+                <a:latin typeface="Open Sans"/>
+              </a:rPr>
+              <a:t>Vanishing Gradient Problem</a:t>
+            </a:r>
+            <a:r>
+              <a:rPr sz="1600" b="0">
+                <a:solidFill>
+                  <a:srgbClr val="010000"/>
+                </a:solidFill>
+                <a:latin typeface="Open Sans"/>
+              </a:rPr>
+              <a:t> – gradients become very small for inputs far from zero, slowing down learning in deep networks.</a:t>
             </a:r>
           </a:p>
         </p:txBody>
@@ -5305,7 +5223,7 @@
                 </a:solidFill>
                 <a:latin typeface="Open Sans"/>
               </a:rPr>
-              <a:t>Linear Regression: Understanding &amp; Implementation | TeachFlow</a:t>
+              <a:t>Introduction to Neural Networks: Understanding the Building Blocks of AI | TeachFlow</a:t>
             </a:r>
           </a:p>
         </p:txBody>
@@ -5418,7 +5336,7 @@
                 </a:solidFill>
                 <a:latin typeface="Georgia"/>
               </a:rPr>
-              <a:t>Limitation 2: Sensitivity to Outliers</a:t>
+              <a:t>Common Activation Function 2: ReLU</a:t>
             </a:r>
           </a:p>
         </p:txBody>
@@ -5461,7 +5379,7 @@
                 </a:solidFill>
                 <a:latin typeface="Open Sans"/>
               </a:rPr>
-              <a:t>Outliers:</a:t>
+              <a:t>Output:</a:t>
             </a:r>
             <a:r>
               <a:rPr sz="1600" b="0">
@@ -5470,7 +5388,7 @@
                 </a:solidFill>
                 <a:latin typeface="Open Sans"/>
               </a:rPr>
-              <a:t> Data points that significantly deviate from the general pattern of the data.</a:t>
+              <a:t> `max(0, input)` – If the input is positive, it outputs the input; otherwise, it outputs zero.</a:t>
             </a:r>
           </a:p>
           <a:p>
@@ -5489,7 +5407,7 @@
                 </a:solidFill>
                 <a:latin typeface="Open Sans"/>
               </a:rPr>
-              <a:t>Impact:</a:t>
+              <a:t>Characteristics:</a:t>
             </a:r>
             <a:r>
               <a:rPr sz="1600" b="0">
@@ -5498,8 +5416,18 @@
                 </a:solidFill>
                 <a:latin typeface="Open Sans"/>
               </a:rPr>
-              <a:t> A single outlier can disproportionately </a:t>
-            </a:r>
+              <a:t> Computationally very efficient, and helps mitigate the vanishing gradient problem compared to Sigmoid/Tanh.</a:t>
+            </a:r>
+          </a:p>
+          <a:p>
+            <a:pPr>
+              <a:spcBef>
+                <a:spcPts val="400"/>
+              </a:spcBef>
+              <a:spcAft>
+                <a:spcPts val="400"/>
+              </a:spcAft>
+            </a:pPr>
             <a:r>
               <a:rPr sz="1600" b="1">
                 <a:solidFill>
@@ -5507,7 +5435,7 @@
                 </a:solidFill>
                 <a:latin typeface="Open Sans"/>
               </a:rPr>
-              <a:t>pull the line of best fit</a:t>
+              <a:t>Use Case:</a:t>
             </a:r>
             <a:r>
               <a:rPr sz="1600" b="0">
@@ -5516,7 +5444,53 @@
                 </a:solidFill>
                 <a:latin typeface="Open Sans"/>
               </a:rPr>
-              <a:t> towards itself, skewing the model's coefficients and leading to inaccurate predictions for the majority of the data.</a:t>
+              <a:t> Currently the most popular choice for hidden layers in deep neural networks.</a:t>
+            </a:r>
+          </a:p>
+          <a:p>
+            <a:pPr>
+              <a:spcBef>
+                <a:spcPts val="400"/>
+              </a:spcBef>
+              <a:spcAft>
+                <a:spcPts val="400"/>
+              </a:spcAft>
+            </a:pPr>
+            <a:r>
+              <a:rPr sz="1600" b="1">
+                <a:solidFill>
+                  <a:srgbClr val="010000"/>
+                </a:solidFill>
+                <a:latin typeface="Open Sans"/>
+              </a:rPr>
+              <a:t>Limitation:</a:t>
+            </a:r>
+            <a:r>
+              <a:rPr sz="1600" b="0">
+                <a:solidFill>
+                  <a:srgbClr val="010000"/>
+                </a:solidFill>
+                <a:latin typeface="Open Sans"/>
+              </a:rPr>
+              <a:t> </a:t>
+            </a:r>
+            <a:r>
+              <a:rPr sz="1600" b="1">
+                <a:solidFill>
+                  <a:srgbClr val="010000"/>
+                </a:solidFill>
+                <a:latin typeface="Open Sans"/>
+              </a:rPr>
+              <a:t>Dying ReLU Problem</a:t>
+            </a:r>
+            <a:r>
+              <a:rPr sz="1600" b="0">
+                <a:solidFill>
+                  <a:srgbClr val="010000"/>
+                </a:solidFill>
+                <a:latin typeface="Open Sans"/>
+              </a:rPr>
+              <a:t> – neurons can become 'dead' or inactive if their input always remains negative, causing them to never activate.</a:t>
             </a:r>
           </a:p>
         </p:txBody>
@@ -5577,7 +5551,7 @@
                 </a:solidFill>
                 <a:latin typeface="Open Sans"/>
               </a:rPr>
-              <a:t>Linear Regression: Understanding &amp; Implementation | TeachFlow</a:t>
+              <a:t>Introduction to Neural Networks: Understanding the Building Blocks of AI | TeachFlow</a:t>
             </a:r>
           </a:p>
         </p:txBody>
@@ -5690,7 +5664,7 @@
                 </a:solidFill>
                 <a:latin typeface="Georgia"/>
               </a:rPr>
-              <a:t>Limitation 3: Multicollinearity</a:t>
+              <a:t>Common Activation Function 3: Tanh</a:t>
             </a:r>
           </a:p>
         </p:txBody>
@@ -5733,7 +5707,7 @@
                 </a:solidFill>
                 <a:latin typeface="Open Sans"/>
               </a:rPr>
-              <a:t>Definition:</a:t>
+              <a:t>Output Range:</a:t>
             </a:r>
             <a:r>
               <a:rPr sz="1600" b="0">
@@ -5742,7 +5716,7 @@
                 </a:solidFill>
                 <a:latin typeface="Open Sans"/>
               </a:rPr>
-              <a:t> Occurs when two or more independent variables in the model are highly correlated with each other. (e.g., 'house size in sq ft' and 'number of rooms' are often correlated).</a:t>
+              <a:t> Compresses any input value into a range between -1 and 1.</a:t>
             </a:r>
           </a:p>
           <a:p>
@@ -5761,7 +5735,7 @@
                 </a:solidFill>
                 <a:latin typeface="Open Sans"/>
               </a:rPr>
-              <a:t>Impact:</a:t>
+              <a:t>Characteristics:</a:t>
             </a:r>
             <a:r>
               <a:rPr sz="1600" b="0">
@@ -5770,8 +5744,18 @@
                 </a:solidFill>
                 <a:latin typeface="Open Sans"/>
               </a:rPr>
-              <a:t> Can make it difficult to determine the </a:t>
-            </a:r>
+              <a:t> Similar to Sigmoid, but its output is zero-centered, which can sometimes aid in training.</a:t>
+            </a:r>
+          </a:p>
+          <a:p>
+            <a:pPr>
+              <a:spcBef>
+                <a:spcPts val="400"/>
+              </a:spcBef>
+              <a:spcAft>
+                <a:spcPts val="400"/>
+              </a:spcAft>
+            </a:pPr>
             <a:r>
               <a:rPr sz="1600" b="1">
                 <a:solidFill>
@@ -5779,7 +5763,7 @@
                 </a:solidFill>
                 <a:latin typeface="Open Sans"/>
               </a:rPr>
-              <a:t>individual impact</a:t>
+              <a:t>Use Case:</a:t>
             </a:r>
             <a:r>
               <a:rPr sz="1600" b="0">
@@ -5788,8 +5772,18 @@
                 </a:solidFill>
                 <a:latin typeface="Open Sans"/>
               </a:rPr>
-              <a:t> of each correlated independent variable on the dependent variable, leading to </a:t>
-            </a:r>
+              <a:t> Sometimes preferred over Sigmoid in hidden layers due to its zero-centered output.</a:t>
+            </a:r>
+          </a:p>
+          <a:p>
+            <a:pPr>
+              <a:spcBef>
+                <a:spcPts val="400"/>
+              </a:spcBef>
+              <a:spcAft>
+                <a:spcPts val="400"/>
+              </a:spcAft>
+            </a:pPr>
             <a:r>
               <a:rPr sz="1600" b="1">
                 <a:solidFill>
@@ -5797,7 +5791,7 @@
                 </a:solidFill>
                 <a:latin typeface="Open Sans"/>
               </a:rPr>
-              <a:t>unstable and less reliable coefficient estimates</a:t>
+              <a:t>Limitation:</a:t>
             </a:r>
             <a:r>
               <a:rPr sz="1600" b="0">
@@ -5806,7 +5800,25 @@
                 </a:solidFill>
                 <a:latin typeface="Open Sans"/>
               </a:rPr>
-              <a:t>.</a:t>
+              <a:t> Still susceptible to the </a:t>
+            </a:r>
+            <a:r>
+              <a:rPr sz="1600" b="1">
+                <a:solidFill>
+                  <a:srgbClr val="010000"/>
+                </a:solidFill>
+                <a:latin typeface="Open Sans"/>
+              </a:rPr>
+              <a:t>Vanishing Gradient Problem</a:t>
+            </a:r>
+            <a:r>
+              <a:rPr sz="1600" b="0">
+                <a:solidFill>
+                  <a:srgbClr val="010000"/>
+                </a:solidFill>
+                <a:latin typeface="Open Sans"/>
+              </a:rPr>
+              <a:t>, similar to Sigmoid.</a:t>
             </a:r>
           </a:p>
         </p:txBody>
@@ -5867,7 +5879,7 @@
                 </a:solidFill>
                 <a:latin typeface="Open Sans"/>
               </a:rPr>
-              <a:t>Linear Regression: Understanding &amp; Implementation | TeachFlow</a:t>
+              <a:t>Introduction to Neural Networks: Understanding the Building Blocks of AI | TeachFlow</a:t>
             </a:r>
           </a:p>
         </p:txBody>
@@ -5980,138 +5992,500 @@
                 </a:solidFill>
                 <a:latin typeface="Georgia"/>
               </a:rPr>
-              <a:t>Knowledge Check #2: Application &amp; Evaluation</a:t>
-            </a:r>
-          </a:p>
-        </p:txBody>
-      </p:sp>
-      <p:sp>
-        <p:nvSpPr>
-          <p:cNvPr id="4" name="TextBox 3"/>
-          <p:cNvSpPr txBox="1"/>
-          <p:nvPr/>
-        </p:nvSpPr>
-        <p:spPr>
-          <a:xfrm>
-            <a:off x="731520" y="1371600"/>
-            <a:ext cx="9601200" cy="3474720"/>
-          </a:xfrm>
-          <a:prstGeom prst="rect">
-            <a:avLst/>
-          </a:prstGeom>
-          <a:noFill/>
-        </p:spPr>
-        <p:txBody>
-          <a:bodyPr wrap="square" anchor="t" tIns="91440" bIns="91440">
-            <a:spAutoFit/>
-          </a:bodyPr>
-          <a:lstStyle/>
-          <a:p>
-            <a:pPr algn="l"/>
-            <a:r>
-              <a:rPr sz="1600" b="0">
-                <a:solidFill>
-                  <a:srgbClr val="010000"/>
-                </a:solidFill>
-                <a:latin typeface="Open Sans"/>
-              </a:rPr>
-              <a:t>Question 1:</a:t>
-            </a:r>
-            <a:r>
-              <a:rPr sz="1600" b="0">
-                <a:solidFill>
-                  <a:srgbClr val="010000"/>
-                </a:solidFill>
-                <a:latin typeface="Open Sans"/>
-              </a:rPr>
-              <a:t> You are predicting sales based on advertising spend. If the relationship between advertising spend and sales is clearly </a:t>
-            </a:r>
-            <a:r>
-              <a:rPr sz="1600" b="0">
-                <a:solidFill>
-                  <a:srgbClr val="010000"/>
-                </a:solidFill>
-                <a:latin typeface="Open Sans"/>
-              </a:rPr>
-              <a:t>S-shaped</a:t>
-            </a:r>
-            <a:r>
-              <a:rPr sz="1600" b="0">
-                <a:solidFill>
-                  <a:srgbClr val="010000"/>
-                </a:solidFill>
-                <a:latin typeface="Open Sans"/>
-              </a:rPr>
-              <a:t> (non-linear), is Linear Regression a good choice? Why or why not?</a:t>
-            </a:r>
-          </a:p>
-        </p:txBody>
-      </p:sp>
+              <a:t>Activation Functions</a:t>
+            </a:r>
+          </a:p>
+        </p:txBody>
+      </p:sp>
+      <p:graphicFrame>
+        <p:nvGraphicFramePr>
+          <p:cNvPr id="4" name="Table 3"/>
+          <p:cNvGraphicFramePr>
+            <a:graphicFrameLocks noGrp="1"/>
+          </p:cNvGraphicFramePr>
+          <p:nvPr/>
+        </p:nvGraphicFramePr>
+        <p:xfrm>
+          <a:off x="731520" y="1371600"/>
+          <a:ext cx="9601200" cy="1600200"/>
+        </p:xfrm>
+        <a:graphic>
+          <a:graphicData uri="http://schemas.openxmlformats.org/drawingml/2006/table">
+            <a:tbl>
+              <a:tblPr firstRow="1" bandRow="1">
+                <a:tableStyleId>{5C22544A-7EE6-4342-B048-85BDC9FD1C3A}</a:tableStyleId>
+              </a:tblPr>
+              <a:tblGrid>
+                <a:gridCol w="2400300"/>
+                <a:gridCol w="2400300"/>
+                <a:gridCol w="2400300"/>
+                <a:gridCol w="2400300"/>
+              </a:tblGrid>
+              <a:tr h="320040">
+                <a:tc>
+                  <a:txBody>
+                    <a:bodyPr wrap="square" lIns="45720" rIns="45720" anchor="ctr"/>
+                    <a:lstStyle/>
+                    <a:p/>
+                    <a:p>
+                      <a:pPr algn="ctr"/>
+                      <a:r>
+                        <a:rPr sz="1400" b="1">
+                          <a:solidFill>
+                            <a:srgbClr val="FCF2F2"/>
+                          </a:solidFill>
+                          <a:latin typeface="Georgia"/>
+                        </a:rPr>
+                        <a:t>Feature</a:t>
+                      </a:r>
+                    </a:p>
+                  </a:txBody>
+                  <a:tcPr>
+                    <a:solidFill>
+                      <a:srgbClr val="8B0000"/>
+                    </a:solidFill>
+                  </a:tcPr>
+                </a:tc>
+                <a:tc>
+                  <a:txBody>
+                    <a:bodyPr wrap="square" lIns="45720" rIns="45720" anchor="ctr"/>
+                    <a:lstStyle/>
+                    <a:p/>
+                    <a:p>
+                      <a:pPr algn="ctr"/>
+                      <a:r>
+                        <a:rPr sz="1400" b="1">
+                          <a:solidFill>
+                            <a:srgbClr val="FCF2F2"/>
+                          </a:solidFill>
+                          <a:latin typeface="Georgia"/>
+                        </a:rPr>
+                        <a:t>Sigmoid</a:t>
+                      </a:r>
+                    </a:p>
+                  </a:txBody>
+                  <a:tcPr>
+                    <a:solidFill>
+                      <a:srgbClr val="8B0000"/>
+                    </a:solidFill>
+                  </a:tcPr>
+                </a:tc>
+                <a:tc>
+                  <a:txBody>
+                    <a:bodyPr wrap="square" lIns="45720" rIns="45720" anchor="ctr"/>
+                    <a:lstStyle/>
+                    <a:p/>
+                    <a:p>
+                      <a:pPr algn="ctr"/>
+                      <a:r>
+                        <a:rPr sz="1400" b="1">
+                          <a:solidFill>
+                            <a:srgbClr val="FCF2F2"/>
+                          </a:solidFill>
+                          <a:latin typeface="Georgia"/>
+                        </a:rPr>
+                        <a:t>ReLU</a:t>
+                      </a:r>
+                    </a:p>
+                  </a:txBody>
+                  <a:tcPr>
+                    <a:solidFill>
+                      <a:srgbClr val="8B0000"/>
+                    </a:solidFill>
+                  </a:tcPr>
+                </a:tc>
+                <a:tc>
+                  <a:txBody>
+                    <a:bodyPr wrap="square" lIns="45720" rIns="45720" anchor="ctr"/>
+                    <a:lstStyle/>
+                    <a:p/>
+                    <a:p>
+                      <a:pPr algn="ctr"/>
+                      <a:r>
+                        <a:rPr sz="1400" b="1">
+                          <a:solidFill>
+                            <a:srgbClr val="FCF2F2"/>
+                          </a:solidFill>
+                          <a:latin typeface="Georgia"/>
+                        </a:rPr>
+                        <a:t>Tanh</a:t>
+                      </a:r>
+                    </a:p>
+                  </a:txBody>
+                  <a:tcPr>
+                    <a:solidFill>
+                      <a:srgbClr val="8B0000"/>
+                    </a:solidFill>
+                  </a:tcPr>
+                </a:tc>
+              </a:tr>
+              <a:tr h="320040">
+                <a:tc>
+                  <a:txBody>
+                    <a:bodyPr wrap="square" lIns="45720" rIns="45720" anchor="ctr"/>
+                    <a:lstStyle/>
+                    <a:p/>
+                    <a:p>
+                      <a:pPr algn="l"/>
+                      <a:r>
+                        <a:rPr sz="1100" b="0">
+                          <a:solidFill>
+                            <a:srgbClr val="010000"/>
+                          </a:solidFill>
+                          <a:latin typeface="Open Sans"/>
+                        </a:rPr>
+                        <a:t>Output Range</a:t>
+                      </a:r>
+                    </a:p>
+                  </a:txBody>
+                  <a:tcPr/>
+                </a:tc>
+                <a:tc>
+                  <a:txBody>
+                    <a:bodyPr wrap="square" lIns="45720" rIns="45720" anchor="ctr"/>
+                    <a:lstStyle/>
+                    <a:p/>
+                    <a:p>
+                      <a:pPr algn="l"/>
+                      <a:r>
+                        <a:rPr sz="1100" b="0">
+                          <a:solidFill>
+                            <a:srgbClr val="010000"/>
+                          </a:solidFill>
+                          <a:latin typeface="Open Sans"/>
+                        </a:rPr>
+                        <a:t>0 to 1</a:t>
+                      </a:r>
+                    </a:p>
+                  </a:txBody>
+                  <a:tcPr/>
+                </a:tc>
+                <a:tc>
+                  <a:txBody>
+                    <a:bodyPr wrap="square" lIns="45720" rIns="45720" anchor="ctr"/>
+                    <a:lstStyle/>
+                    <a:p/>
+                    <a:p>
+                      <a:pPr algn="l"/>
+                      <a:r>
+                        <a:rPr sz="1100" b="0">
+                          <a:solidFill>
+                            <a:srgbClr val="010000"/>
+                          </a:solidFill>
+                          <a:latin typeface="Open Sans"/>
+                        </a:rPr>
+                        <a:t>0 to ∞</a:t>
+                      </a:r>
+                    </a:p>
+                  </a:txBody>
+                  <a:tcPr/>
+                </a:tc>
+                <a:tc>
+                  <a:txBody>
+                    <a:bodyPr wrap="square" lIns="45720" rIns="45720" anchor="ctr"/>
+                    <a:lstStyle/>
+                    <a:p/>
+                    <a:p>
+                      <a:pPr algn="l"/>
+                      <a:r>
+                        <a:rPr sz="1100" b="0">
+                          <a:solidFill>
+                            <a:srgbClr val="010000"/>
+                          </a:solidFill>
+                          <a:latin typeface="Open Sans"/>
+                        </a:rPr>
+                        <a:t>-1 to 1</a:t>
+                      </a:r>
+                    </a:p>
+                  </a:txBody>
+                  <a:tcPr/>
+                </a:tc>
+              </a:tr>
+              <a:tr h="320040">
+                <a:tc>
+                  <a:txBody>
+                    <a:bodyPr wrap="square" lIns="45720" rIns="45720" anchor="ctr"/>
+                    <a:lstStyle/>
+                    <a:p/>
+                    <a:p>
+                      <a:pPr algn="l"/>
+                      <a:r>
+                        <a:rPr sz="1100" b="0">
+                          <a:solidFill>
+                            <a:srgbClr val="010000"/>
+                          </a:solidFill>
+                          <a:latin typeface="Open Sans"/>
+                        </a:rPr>
+                        <a:t>Non-linear</a:t>
+                      </a:r>
+                    </a:p>
+                  </a:txBody>
+                  <a:tcPr>
+                    <a:solidFill>
+                      <a:srgbClr val="F9F9F9"/>
+                    </a:solidFill>
+                  </a:tcPr>
+                </a:tc>
+                <a:tc>
+                  <a:txBody>
+                    <a:bodyPr wrap="square" lIns="45720" rIns="45720" anchor="ctr"/>
+                    <a:lstStyle/>
+                    <a:p/>
+                    <a:p>
+                      <a:pPr algn="l"/>
+                      <a:r>
+                        <a:rPr sz="1100" b="0">
+                          <a:solidFill>
+                            <a:srgbClr val="010000"/>
+                          </a:solidFill>
+                          <a:latin typeface="Open Sans"/>
+                        </a:rPr>
+                        <a:t>Yes</a:t>
+                      </a:r>
+                    </a:p>
+                  </a:txBody>
+                  <a:tcPr>
+                    <a:solidFill>
+                      <a:srgbClr val="F9F9F9"/>
+                    </a:solidFill>
+                  </a:tcPr>
+                </a:tc>
+                <a:tc>
+                  <a:txBody>
+                    <a:bodyPr wrap="square" lIns="45720" rIns="45720" anchor="ctr"/>
+                    <a:lstStyle/>
+                    <a:p/>
+                    <a:p>
+                      <a:pPr algn="l"/>
+                      <a:r>
+                        <a:rPr sz="1100" b="0">
+                          <a:solidFill>
+                            <a:srgbClr val="010000"/>
+                          </a:solidFill>
+                          <a:latin typeface="Open Sans"/>
+                        </a:rPr>
+                        <a:t>Yes</a:t>
+                      </a:r>
+                    </a:p>
+                  </a:txBody>
+                  <a:tcPr>
+                    <a:solidFill>
+                      <a:srgbClr val="F9F9F9"/>
+                    </a:solidFill>
+                  </a:tcPr>
+                </a:tc>
+                <a:tc>
+                  <a:txBody>
+                    <a:bodyPr wrap="square" lIns="45720" rIns="45720" anchor="ctr"/>
+                    <a:lstStyle/>
+                    <a:p/>
+                    <a:p>
+                      <a:pPr algn="l"/>
+                      <a:r>
+                        <a:rPr sz="1100" b="0">
+                          <a:solidFill>
+                            <a:srgbClr val="010000"/>
+                          </a:solidFill>
+                          <a:latin typeface="Open Sans"/>
+                        </a:rPr>
+                        <a:t>Yes</a:t>
+                      </a:r>
+                    </a:p>
+                  </a:txBody>
+                  <a:tcPr>
+                    <a:solidFill>
+                      <a:srgbClr val="F9F9F9"/>
+                    </a:solidFill>
+                  </a:tcPr>
+                </a:tc>
+              </a:tr>
+              <a:tr h="320040">
+                <a:tc>
+                  <a:txBody>
+                    <a:bodyPr wrap="square" lIns="45720" rIns="45720" anchor="ctr"/>
+                    <a:lstStyle/>
+                    <a:p/>
+                    <a:p>
+                      <a:pPr algn="l"/>
+                      <a:r>
+                        <a:rPr sz="1100" b="0">
+                          <a:solidFill>
+                            <a:srgbClr val="010000"/>
+                          </a:solidFill>
+                          <a:latin typeface="Open Sans"/>
+                        </a:rPr>
+                        <a:t>Differentiable</a:t>
+                      </a:r>
+                    </a:p>
+                  </a:txBody>
+                  <a:tcPr/>
+                </a:tc>
+                <a:tc>
+                  <a:txBody>
+                    <a:bodyPr wrap="square" lIns="45720" rIns="45720" anchor="ctr"/>
+                    <a:lstStyle/>
+                    <a:p/>
+                    <a:p>
+                      <a:pPr algn="l"/>
+                      <a:r>
+                        <a:rPr sz="1100" b="0">
+                          <a:solidFill>
+                            <a:srgbClr val="010000"/>
+                          </a:solidFill>
+                          <a:latin typeface="Open Sans"/>
+                        </a:rPr>
+                        <a:t>Yes</a:t>
+                      </a:r>
+                    </a:p>
+                  </a:txBody>
+                  <a:tcPr/>
+                </a:tc>
+                <a:tc>
+                  <a:txBody>
+                    <a:bodyPr wrap="square" lIns="45720" rIns="45720" anchor="ctr"/>
+                    <a:lstStyle/>
+                    <a:p/>
+                    <a:p>
+                      <a:pPr algn="l"/>
+                      <a:r>
+                        <a:rPr sz="1100" b="0">
+                          <a:solidFill>
+                            <a:srgbClr val="010000"/>
+                          </a:solidFill>
+                          <a:latin typeface="Open Sans"/>
+                        </a:rPr>
+                        <a:t>Yes (mostly)</a:t>
+                      </a:r>
+                    </a:p>
+                  </a:txBody>
+                  <a:tcPr/>
+                </a:tc>
+                <a:tc>
+                  <a:txBody>
+                    <a:bodyPr wrap="square" lIns="45720" rIns="45720" anchor="ctr"/>
+                    <a:lstStyle/>
+                    <a:p/>
+                    <a:p>
+                      <a:pPr algn="l"/>
+                      <a:r>
+                        <a:rPr sz="1100" b="0">
+                          <a:solidFill>
+                            <a:srgbClr val="010000"/>
+                          </a:solidFill>
+                          <a:latin typeface="Open Sans"/>
+                        </a:rPr>
+                        <a:t>Yes</a:t>
+                      </a:r>
+                    </a:p>
+                  </a:txBody>
+                  <a:tcPr/>
+                </a:tc>
+              </a:tr>
+              <a:tr h="320040">
+                <a:tc>
+                  <a:txBody>
+                    <a:bodyPr wrap="square" lIns="45720" rIns="45720" anchor="ctr"/>
+                    <a:lstStyle/>
+                    <a:p/>
+                    <a:p>
+                      <a:pPr algn="l"/>
+                      <a:r>
+                        <a:rPr sz="1100" b="0">
+                          <a:solidFill>
+                            <a:srgbClr val="010000"/>
+                          </a:solidFill>
+                          <a:latin typeface="Open Sans"/>
+                        </a:rPr>
+                        <a:t>Common Issue</a:t>
+                      </a:r>
+                    </a:p>
+                  </a:txBody>
+                  <a:tcPr>
+                    <a:solidFill>
+                      <a:srgbClr val="F9F9F9"/>
+                    </a:solidFill>
+                  </a:tcPr>
+                </a:tc>
+                <a:tc>
+                  <a:txBody>
+                    <a:bodyPr wrap="square" lIns="45720" rIns="45720" anchor="ctr"/>
+                    <a:lstStyle/>
+                    <a:p/>
+                    <a:p>
+                      <a:pPr algn="l"/>
+                      <a:r>
+                        <a:rPr sz="1100" b="0">
+                          <a:solidFill>
+                            <a:srgbClr val="010000"/>
+                          </a:solidFill>
+                          <a:latin typeface="Open Sans"/>
+                        </a:rPr>
+                        <a:t>Vanishing Gradient</a:t>
+                      </a:r>
+                    </a:p>
+                  </a:txBody>
+                  <a:tcPr>
+                    <a:solidFill>
+                      <a:srgbClr val="F9F9F9"/>
+                    </a:solidFill>
+                  </a:tcPr>
+                </a:tc>
+                <a:tc>
+                  <a:txBody>
+                    <a:bodyPr wrap="square" lIns="45720" rIns="45720" anchor="ctr"/>
+                    <a:lstStyle/>
+                    <a:p/>
+                    <a:p>
+                      <a:pPr algn="l"/>
+                      <a:r>
+                        <a:rPr sz="1100" b="0">
+                          <a:solidFill>
+                            <a:srgbClr val="010000"/>
+                          </a:solidFill>
+                          <a:latin typeface="Open Sans"/>
+                        </a:rPr>
+                        <a:t>Dying ReLU</a:t>
+                      </a:r>
+                    </a:p>
+                  </a:txBody>
+                  <a:tcPr>
+                    <a:solidFill>
+                      <a:srgbClr val="F9F9F9"/>
+                    </a:solidFill>
+                  </a:tcPr>
+                </a:tc>
+                <a:tc>
+                  <a:txBody>
+                    <a:bodyPr wrap="square" lIns="45720" rIns="45720" anchor="ctr"/>
+                    <a:lstStyle/>
+                    <a:p/>
+                    <a:p>
+                      <a:pPr algn="l"/>
+                      <a:r>
+                        <a:rPr sz="1100" b="0">
+                          <a:solidFill>
+                            <a:srgbClr val="010000"/>
+                          </a:solidFill>
+                          <a:latin typeface="Open Sans"/>
+                        </a:rPr>
+                        <a:t>Vanishing Gradient</a:t>
+                      </a:r>
+                    </a:p>
+                  </a:txBody>
+                  <a:tcPr>
+                    <a:solidFill>
+                      <a:srgbClr val="F9F9F9"/>
+                    </a:solidFill>
+                  </a:tcPr>
+                </a:tc>
+              </a:tr>
+            </a:tbl>
+          </a:graphicData>
+        </a:graphic>
+      </p:graphicFrame>
       <p:sp>
         <p:nvSpPr>
           <p:cNvPr id="5" name="TextBox 4"/>
-          <p:cNvSpPr txBox="1"/>
-          <p:nvPr/>
-        </p:nvSpPr>
-        <p:spPr>
-          <a:xfrm>
-            <a:off x="731520" y="2194560"/>
-            <a:ext cx="9601200" cy="2651760"/>
-          </a:xfrm>
-          <a:prstGeom prst="rect">
-            <a:avLst/>
-          </a:prstGeom>
-          <a:noFill/>
-        </p:spPr>
-        <p:txBody>
-          <a:bodyPr wrap="square" anchor="t" tIns="91440" bIns="91440">
-            <a:spAutoFit/>
-          </a:bodyPr>
-          <a:lstStyle/>
-          <a:p>
-            <a:pPr algn="l"/>
-            <a:r>
-              <a:rPr sz="1600" b="0">
-                <a:solidFill>
-                  <a:srgbClr val="010000"/>
-                </a:solidFill>
-                <a:latin typeface="Open Sans"/>
-              </a:rPr>
-              <a:t>Question 2:</a:t>
-            </a:r>
-            <a:r>
-              <a:rPr sz="1600" b="0">
-                <a:solidFill>
-                  <a:srgbClr val="010000"/>
-                </a:solidFill>
-                <a:latin typeface="Open Sans"/>
-              </a:rPr>
-              <a:t> What is one key </a:t>
-            </a:r>
-            <a:r>
-              <a:rPr sz="1600" b="0">
-                <a:solidFill>
-                  <a:srgbClr val="010000"/>
-                </a:solidFill>
-                <a:latin typeface="Open Sans"/>
-              </a:rPr>
-              <a:t>advantage</a:t>
-            </a:r>
-            <a:r>
-              <a:rPr sz="1600" b="0">
-                <a:solidFill>
-                  <a:srgbClr val="010000"/>
-                </a:solidFill>
-                <a:latin typeface="Open Sans"/>
-              </a:rPr>
-              <a:t> of using Linear Regression as a predictive model?</a:t>
-            </a:r>
-          </a:p>
-        </p:txBody>
-      </p:sp>
-      <p:sp>
-        <p:nvSpPr>
-          <p:cNvPr id="6" name="TextBox 5"/>
           <p:cNvSpPr txBox="1"/>
           <p:nvPr/>
         </p:nvSpPr>
@@ -6137,7 +6511,7 @@
       </p:sp>
       <p:sp>
         <p:nvSpPr>
-          <p:cNvPr id="7" name="TextBox 6"/>
+          <p:cNvPr id="6" name="TextBox 5"/>
           <p:cNvSpPr txBox="1"/>
           <p:nvPr/>
         </p:nvSpPr>
@@ -6165,14 +6539,14 @@
                 </a:solidFill>
                 <a:latin typeface="Open Sans"/>
               </a:rPr>
-              <a:t>Linear Regression: Understanding &amp; Implementation | TeachFlow</a:t>
-            </a:r>
-          </a:p>
-        </p:txBody>
-      </p:sp>
-      <p:sp>
-        <p:nvSpPr>
-          <p:cNvPr id="8" name="TextBox 7"/>
+              <a:t>Introduction to Neural Networks: Understanding the Building Blocks of AI | TeachFlow</a:t>
+            </a:r>
+          </a:p>
+        </p:txBody>
+      </p:sp>
+      <p:sp>
+        <p:nvSpPr>
+          <p:cNvPr id="7" name="TextBox 6"/>
           <p:cNvSpPr txBox="1"/>
           <p:nvPr/>
         </p:nvSpPr>
@@ -6278,7 +6652,7 @@
                 </a:solidFill>
                 <a:latin typeface="Georgia"/>
               </a:rPr>
-              <a:t>Linear Regression: Unveiling Data Relationships &amp; Making Predictions</a:t>
+              <a:t>Introduction to Neural Networks</a:t>
             </a:r>
           </a:p>
         </p:txBody>
@@ -6286,41 +6660,6 @@
       <p:sp>
         <p:nvSpPr>
           <p:cNvPr id="4" name="TextBox 3"/>
-          <p:cNvSpPr txBox="1"/>
-          <p:nvPr/>
-        </p:nvSpPr>
-        <p:spPr>
-          <a:xfrm>
-            <a:off x="731520" y="1371600"/>
-            <a:ext cx="9601200" cy="3474720"/>
-          </a:xfrm>
-          <a:prstGeom prst="rect">
-            <a:avLst/>
-          </a:prstGeom>
-          <a:noFill/>
-        </p:spPr>
-        <p:txBody>
-          <a:bodyPr wrap="square" anchor="t" tIns="91440" bIns="91440">
-            <a:spAutoFit/>
-          </a:bodyPr>
-          <a:lstStyle/>
-          <a:p>
-            <a:pPr algn="l"/>
-            <a:r>
-              <a:rPr sz="1600" b="0">
-                <a:solidFill>
-                  <a:srgbClr val="010000"/>
-                </a:solidFill>
-                <a:latin typeface="Open Sans"/>
-              </a:rPr>
-              <a:t>A Journey into Predictive Modeling</a:t>
-            </a:r>
-          </a:p>
-        </p:txBody>
-      </p:sp>
-      <p:sp>
-        <p:nvSpPr>
-          <p:cNvPr id="5" name="TextBox 4"/>
           <p:cNvSpPr txBox="1"/>
           <p:nvPr/>
         </p:nvSpPr>
@@ -6346,7 +6685,7 @@
       </p:sp>
       <p:sp>
         <p:nvSpPr>
-          <p:cNvPr id="6" name="TextBox 5"/>
+          <p:cNvPr id="5" name="TextBox 4"/>
           <p:cNvSpPr txBox="1"/>
           <p:nvPr/>
         </p:nvSpPr>
@@ -6374,14 +6713,14 @@
                 </a:solidFill>
                 <a:latin typeface="Open Sans"/>
               </a:rPr>
-              <a:t>Linear Regression: Understanding &amp; Implementation | TeachFlow</a:t>
-            </a:r>
-          </a:p>
-        </p:txBody>
-      </p:sp>
-      <p:sp>
-        <p:nvSpPr>
-          <p:cNvPr id="7" name="TextBox 6"/>
+              <a:t>Introduction to Neural Networks: Understanding the Building Blocks of AI | TeachFlow</a:t>
+            </a:r>
+          </a:p>
+        </p:txBody>
+      </p:sp>
+      <p:sp>
+        <p:nvSpPr>
+          <p:cNvPr id="6" name="TextBox 5"/>
           <p:cNvSpPr txBox="1"/>
           <p:nvPr/>
         </p:nvSpPr>
@@ -6487,7 +6826,7 @@
                 </a:solidFill>
                 <a:latin typeface="Georgia"/>
               </a:rPr>
-              <a:t>Key Takeaways: Mastering Linear Regression</a:t>
+              <a:t>Knowledge Check: Activation Functions</a:t>
             </a:r>
           </a:p>
         </p:txBody>
@@ -6524,49 +6863,22 @@
               </a:spcAft>
             </a:pPr>
             <a:r>
+              <a:rPr sz="1600" b="1">
+                <a:solidFill>
+                  <a:srgbClr val="010000"/>
+                </a:solidFill>
+                <a:latin typeface="Open Sans"/>
+              </a:rPr>
+              <a:t>Question 1:</a:t>
+            </a:r>
+            <a:r>
               <a:rPr sz="1600" b="0">
                 <a:solidFill>
                   <a:srgbClr val="010000"/>
                 </a:solidFill>
                 <a:latin typeface="Open Sans"/>
               </a:rPr>
-              <a:t>Linear Regression models </a:t>
-            </a:r>
-            <a:r>
-              <a:rPr sz="1600" b="1">
-                <a:solidFill>
-                  <a:srgbClr val="010000"/>
-                </a:solidFill>
-                <a:latin typeface="Open Sans"/>
-              </a:rPr>
-              <a:t>linear relationships</a:t>
-            </a:r>
-            <a:r>
-              <a:rPr sz="1600" b="0">
-                <a:solidFill>
-                  <a:srgbClr val="010000"/>
-                </a:solidFill>
-                <a:latin typeface="Open Sans"/>
-              </a:rPr>
-              <a:t> for </a:t>
-            </a:r>
-            <a:r>
-              <a:rPr sz="1600" b="1">
-                <a:solidFill>
-                  <a:srgbClr val="010000"/>
-                </a:solidFill>
-                <a:latin typeface="Open Sans"/>
-              </a:rPr>
-              <a:t>continuous outcomes</a:t>
-            </a:r>
-            <a:r>
-              <a:rPr sz="1600" b="0">
-                <a:solidFill>
-                  <a:srgbClr val="010000"/>
-                </a:solidFill>
-                <a:latin typeface="Open Sans"/>
-              </a:rPr>
-              <a:t>.</a:t>
+              <a:t> What is the primary reason to use non-linear activation functions in a neural network?</a:t>
             </a:r>
           </a:p>
           <a:p>
@@ -6579,67 +6891,22 @@
               </a:spcAft>
             </a:pPr>
             <a:r>
+              <a:rPr sz="1600" b="1">
+                <a:solidFill>
+                  <a:srgbClr val="010000"/>
+                </a:solidFill>
+                <a:latin typeface="Open Sans"/>
+              </a:rPr>
+              <a:t>Question 2:</a:t>
+            </a:r>
+            <a:r>
               <a:rPr sz="1600" b="0">
                 <a:solidFill>
                   <a:srgbClr val="010000"/>
                 </a:solidFill>
                 <a:latin typeface="Open Sans"/>
               </a:rPr>
-              <a:t>Core concepts include </a:t>
-            </a:r>
-            <a:r>
-              <a:rPr sz="1600" b="1">
-                <a:solidFill>
-                  <a:srgbClr val="010000"/>
-                </a:solidFill>
-                <a:latin typeface="Open Sans"/>
-              </a:rPr>
-              <a:t>Independent (X)</a:t>
-            </a:r>
-            <a:r>
-              <a:rPr sz="1600" b="0">
-                <a:solidFill>
-                  <a:srgbClr val="010000"/>
-                </a:solidFill>
-                <a:latin typeface="Open Sans"/>
-              </a:rPr>
-              <a:t> and </a:t>
-            </a:r>
-            <a:r>
-              <a:rPr sz="1600" b="1">
-                <a:solidFill>
-                  <a:srgbClr val="010000"/>
-                </a:solidFill>
-                <a:latin typeface="Open Sans"/>
-              </a:rPr>
-              <a:t>Dependent (y)</a:t>
-            </a:r>
-            <a:r>
-              <a:rPr sz="1600" b="0">
-                <a:solidFill>
-                  <a:srgbClr val="010000"/>
-                </a:solidFill>
-                <a:latin typeface="Open Sans"/>
-              </a:rPr>
-              <a:t> variables, and the </a:t>
-            </a:r>
-            <a:r>
-              <a:rPr sz="1600" b="1">
-                <a:solidFill>
-                  <a:srgbClr val="010000"/>
-                </a:solidFill>
-                <a:latin typeface="Open Sans"/>
-              </a:rPr>
-              <a:t>'line of best fit'</a:t>
-            </a:r>
-            <a:r>
-              <a:rPr sz="1600" b="0">
-                <a:solidFill>
-                  <a:srgbClr val="010000"/>
-                </a:solidFill>
-                <a:latin typeface="Open Sans"/>
-              </a:rPr>
-              <a:t>.</a:t>
+              <a:t> Which activation function is most commonly used in hidden layers and why?</a:t>
             </a:r>
           </a:p>
           <a:p>
@@ -6652,213 +6919,22 @@
               </a:spcAft>
             </a:pPr>
             <a:r>
+              <a:rPr sz="1600" b="1">
+                <a:solidFill>
+                  <a:srgbClr val="010000"/>
+                </a:solidFill>
+                <a:latin typeface="Open Sans"/>
+              </a:rPr>
+              <a:t>Question 3 (Discussion):</a:t>
+            </a:r>
+            <a:r>
               <a:rPr sz="1600" b="0">
                 <a:solidFill>
                   <a:srgbClr val="010000"/>
                 </a:solidFill>
                 <a:latin typeface="Open Sans"/>
               </a:rPr>
-              <a:t>Implementation is straightforward using `scikit-learn`'s </a:t>
-            </a:r>
-            <a:r>
-              <a:rPr sz="1600" b="1">
-                <a:solidFill>
-                  <a:srgbClr val="010000"/>
-                </a:solidFill>
-                <a:latin typeface="Open Sans"/>
-              </a:rPr>
-              <a:t>`.fit()`</a:t>
-            </a:r>
-            <a:r>
-              <a:rPr sz="1600" b="0">
-                <a:solidFill>
-                  <a:srgbClr val="010000"/>
-                </a:solidFill>
-                <a:latin typeface="Open Sans"/>
-              </a:rPr>
-              <a:t> (training) and </a:t>
-            </a:r>
-            <a:r>
-              <a:rPr sz="1600" b="1">
-                <a:solidFill>
-                  <a:srgbClr val="010000"/>
-                </a:solidFill>
-                <a:latin typeface="Open Sans"/>
-              </a:rPr>
-              <a:t>`.predict()`</a:t>
-            </a:r>
-            <a:r>
-              <a:rPr sz="1600" b="0">
-                <a:solidFill>
-                  <a:srgbClr val="010000"/>
-                </a:solidFill>
-                <a:latin typeface="Open Sans"/>
-              </a:rPr>
-              <a:t> (prediction) methods.</a:t>
-            </a:r>
-          </a:p>
-          <a:p>
-            <a:pPr>
-              <a:spcBef>
-                <a:spcPts val="400"/>
-              </a:spcBef>
-              <a:spcAft>
-                <a:spcPts val="400"/>
-              </a:spcAft>
-            </a:pPr>
-            <a:r>
-              <a:rPr sz="1600" b="1">
-                <a:solidFill>
-                  <a:srgbClr val="010000"/>
-                </a:solidFill>
-                <a:latin typeface="Open Sans"/>
-              </a:rPr>
-              <a:t>Advantages:</a:t>
-            </a:r>
-            <a:r>
-              <a:rPr sz="1600" b="0">
-                <a:solidFill>
-                  <a:srgbClr val="010000"/>
-                </a:solidFill>
-                <a:latin typeface="Open Sans"/>
-              </a:rPr>
-              <a:t> Highly </a:t>
-            </a:r>
-            <a:r>
-              <a:rPr sz="1600" b="1">
-                <a:solidFill>
-                  <a:srgbClr val="010000"/>
-                </a:solidFill>
-                <a:latin typeface="Open Sans"/>
-              </a:rPr>
-              <a:t>interpretable</a:t>
-            </a:r>
-            <a:r>
-              <a:rPr sz="1600" b="0">
-                <a:solidFill>
-                  <a:srgbClr val="010000"/>
-                </a:solidFill>
-                <a:latin typeface="Open Sans"/>
-              </a:rPr>
-              <a:t>, computationally </a:t>
-            </a:r>
-            <a:r>
-              <a:rPr sz="1600" b="1">
-                <a:solidFill>
-                  <a:srgbClr val="010000"/>
-                </a:solidFill>
-                <a:latin typeface="Open Sans"/>
-              </a:rPr>
-              <a:t>efficient</a:t>
-            </a:r>
-            <a:r>
-              <a:rPr sz="1600" b="0">
-                <a:solidFill>
-                  <a:srgbClr val="010000"/>
-                </a:solidFill>
-                <a:latin typeface="Open Sans"/>
-              </a:rPr>
-              <a:t>, and serves as an excellent </a:t>
-            </a:r>
-            <a:r>
-              <a:rPr sz="1600" b="1">
-                <a:solidFill>
-                  <a:srgbClr val="010000"/>
-                </a:solidFill>
-                <a:latin typeface="Open Sans"/>
-              </a:rPr>
-              <a:t>baseline model</a:t>
-            </a:r>
-            <a:r>
-              <a:rPr sz="1600" b="0">
-                <a:solidFill>
-                  <a:srgbClr val="010000"/>
-                </a:solidFill>
-                <a:latin typeface="Open Sans"/>
-              </a:rPr>
-              <a:t>.</a:t>
-            </a:r>
-          </a:p>
-          <a:p>
-            <a:pPr>
-              <a:spcBef>
-                <a:spcPts val="400"/>
-              </a:spcBef>
-              <a:spcAft>
-                <a:spcPts val="400"/>
-              </a:spcAft>
-            </a:pPr>
-            <a:r>
-              <a:rPr sz="1600" b="1">
-                <a:solidFill>
-                  <a:srgbClr val="010000"/>
-                </a:solidFill>
-                <a:latin typeface="Open Sans"/>
-              </a:rPr>
-              <a:t>Limitations:</a:t>
-            </a:r>
-            <a:r>
-              <a:rPr sz="1600" b="0">
-                <a:solidFill>
-                  <a:srgbClr val="010000"/>
-                </a:solidFill>
-                <a:latin typeface="Open Sans"/>
-              </a:rPr>
-              <a:t> Assumes </a:t>
-            </a:r>
-            <a:r>
-              <a:rPr sz="1600" b="1">
-                <a:solidFill>
-                  <a:srgbClr val="010000"/>
-                </a:solidFill>
-                <a:latin typeface="Open Sans"/>
-              </a:rPr>
-              <a:t>linearity</a:t>
-            </a:r>
-            <a:r>
-              <a:rPr sz="1600" b="0">
-                <a:solidFill>
-                  <a:srgbClr val="010000"/>
-                </a:solidFill>
-                <a:latin typeface="Open Sans"/>
-              </a:rPr>
-              <a:t>, sensitive to </a:t>
-            </a:r>
-            <a:r>
-              <a:rPr sz="1600" b="1">
-                <a:solidFill>
-                  <a:srgbClr val="010000"/>
-                </a:solidFill>
-                <a:latin typeface="Open Sans"/>
-              </a:rPr>
-              <a:t>outliers</a:t>
-            </a:r>
-            <a:r>
-              <a:rPr sz="1600" b="0">
-                <a:solidFill>
-                  <a:srgbClr val="010000"/>
-                </a:solidFill>
-                <a:latin typeface="Open Sans"/>
-              </a:rPr>
-              <a:t>, and can be affected by </a:t>
-            </a:r>
-            <a:r>
-              <a:rPr sz="1600" b="1">
-                <a:solidFill>
-                  <a:srgbClr val="010000"/>
-                </a:solidFill>
-                <a:latin typeface="Open Sans"/>
-              </a:rPr>
-              <a:t>multicollinearity</a:t>
-            </a:r>
-            <a:r>
-              <a:rPr sz="1600" b="0">
-                <a:solidFill>
-                  <a:srgbClr val="010000"/>
-                </a:solidFill>
-                <a:latin typeface="Open Sans"/>
-              </a:rPr>
-              <a:t>.</a:t>
+              <a:t> If you needed an activation function whose output was centered around zero, which would you choose and why?</a:t>
             </a:r>
           </a:p>
         </p:txBody>
@@ -6919,7 +6995,7 @@
                 </a:solidFill>
                 <a:latin typeface="Open Sans"/>
               </a:rPr>
-              <a:t>Linear Regression: Understanding &amp; Implementation | TeachFlow</a:t>
+              <a:t>Introduction to Neural Networks: Understanding the Building Blocks of AI | TeachFlow</a:t>
             </a:r>
           </a:p>
         </p:txBody>
@@ -7032,7 +7108,7 @@
                 </a:solidFill>
                 <a:latin typeface="Georgia"/>
               </a:rPr>
-              <a:t>Thank You &amp; Further Exploration</a:t>
+              <a:t>Module 3: Backpropagation</a:t>
             </a:r>
           </a:p>
         </p:txBody>
@@ -7045,8 +7121,34 @@
         </p:nvSpPr>
         <p:spPr>
           <a:xfrm>
-            <a:off x="457200" y="1371600"/>
-            <a:ext cx="10058400" cy="914400"/>
+            <a:off x="457200" y="6217920"/>
+            <a:ext cx="11274552" cy="18288"/>
+          </a:xfrm>
+          <a:prstGeom prst="rect">
+            <a:avLst/>
+          </a:prstGeom>
+          <a:solidFill>
+            <a:srgbClr val="8B0000"/>
+          </a:solidFill>
+        </p:spPr>
+        <p:txBody>
+          <a:bodyPr wrap="none">
+            <a:spAutoFit/>
+          </a:bodyPr>
+          <a:lstStyle/>
+          <a:p/>
+        </p:txBody>
+      </p:sp>
+      <p:sp>
+        <p:nvSpPr>
+          <p:cNvPr id="5" name="TextBox 4"/>
+          <p:cNvSpPr txBox="1"/>
+          <p:nvPr/>
+        </p:nvSpPr>
+        <p:spPr>
+          <a:xfrm>
+            <a:off x="457200" y="6400800"/>
+            <a:ext cx="8229600" cy="365760"/>
           </a:xfrm>
           <a:prstGeom prst="rect">
             <a:avLst/>
@@ -7054,6 +7156,119 @@
           <a:noFill/>
         </p:spPr>
         <p:txBody>
+          <a:bodyPr wrap="none" anchor="ctr">
+            <a:spAutoFit/>
+          </a:bodyPr>
+          <a:lstStyle/>
+          <a:p>
+            <a:pPr algn="l"/>
+            <a:r>
+              <a:rPr sz="1000" b="0">
+                <a:solidFill>
+                  <a:srgbClr val="8B0000"/>
+                </a:solidFill>
+                <a:latin typeface="Open Sans"/>
+              </a:rPr>
+              <a:t>Introduction to Neural Networks: Understanding the Building Blocks of AI | TeachFlow</a:t>
+            </a:r>
+          </a:p>
+        </p:txBody>
+      </p:sp>
+      <p:sp>
+        <p:nvSpPr>
+          <p:cNvPr id="6" name="TextBox 5"/>
+          <p:cNvSpPr txBox="1"/>
+          <p:nvPr/>
+        </p:nvSpPr>
+        <p:spPr>
+          <a:xfrm>
+            <a:off x="11091672" y="6400800"/>
+            <a:ext cx="914400" cy="365760"/>
+          </a:xfrm>
+          <a:prstGeom prst="rect">
+            <a:avLst/>
+          </a:prstGeom>
+          <a:noFill/>
+        </p:spPr>
+        <p:txBody>
+          <a:bodyPr wrap="none" anchor="ctr">
+            <a:spAutoFit/>
+          </a:bodyPr>
+          <a:lstStyle/>
+          <a:p>
+            <a:pPr algn="r"/>
+            <a:r>
+              <a:rPr sz="1000" b="1">
+                <a:solidFill>
+                  <a:srgbClr val="8B0000"/>
+                </a:solidFill>
+                <a:latin typeface="Open Sans"/>
+              </a:rPr>
+              <a:t>21</a:t>
+            </a:r>
+          </a:p>
+        </p:txBody>
+      </p:sp>
+    </p:spTree>
+  </p:cSld>
+  <p:clrMapOvr>
+    <a:masterClrMapping/>
+  </p:clrMapOvr>
+</p:sld>
+</file>
+
+<file path=ppt/slides/slide22.xml><?xml version="1.0" encoding="utf-8"?>
+<p:sld xmlns:a="http://schemas.openxmlformats.org/drawingml/2006/main" xmlns:p="http://schemas.openxmlformats.org/presentationml/2006/main" xmlns:r="http://schemas.openxmlformats.org/officeDocument/2006/relationships">
+  <p:cSld>
+    <p:bg>
+      <p:bgPr>
+        <a:solidFill>
+          <a:srgbClr val="FAF7F7"/>
+        </a:solidFill>
+        <a:effectLst/>
+      </p:bgPr>
+    </p:bg>
+    <p:spTree>
+      <p:nvGrpSpPr>
+        <p:cNvPr id="1" name=""/>
+        <p:cNvGrpSpPr/>
+        <p:nvPr/>
+      </p:nvGrpSpPr>
+      <p:grpSpPr/>
+      <p:sp>
+        <p:nvSpPr>
+          <p:cNvPr id="2" name="Title 1"/>
+          <p:cNvSpPr>
+            <a:spLocks noGrp="1"/>
+          </p:cNvSpPr>
+          <p:nvPr>
+            <p:ph type="title"/>
+          </p:nvPr>
+        </p:nvSpPr>
+        <p:spPr/>
+        <p:txBody>
+          <a:bodyPr/>
+          <a:lstStyle/>
+          <a:p/>
+        </p:txBody>
+      </p:sp>
+      <p:sp>
+        <p:nvSpPr>
+          <p:cNvPr id="3" name="TextBox 2"/>
+          <p:cNvSpPr txBox="1"/>
+          <p:nvPr/>
+        </p:nvSpPr>
+        <p:spPr>
+          <a:xfrm>
+            <a:off x="457200" y="274320"/>
+            <a:ext cx="10058400" cy="1371600"/>
+          </a:xfrm>
+          <a:prstGeom prst="rect">
+            <a:avLst/>
+          </a:prstGeom>
+          <a:noFill/>
+        </p:spPr>
+        <p:txBody>
           <a:bodyPr wrap="square" anchor="t" tIns="91440" bIns="91440">
             <a:spAutoFit/>
           </a:bodyPr>
@@ -7061,27 +7276,27 @@
           <a:p>
             <a:pPr algn="l"/>
             <a:r>
-              <a:rPr sz="1600" b="1">
-                <a:solidFill>
-                  <a:srgbClr val="8B0000"/>
-                </a:solidFill>
-                <a:latin typeface="Open Sans"/>
-              </a:rPr>
-              <a:t>**Continue Your Learning Journey**</a:t>
-            </a:r>
-          </a:p>
-        </p:txBody>
-      </p:sp>
-      <p:sp>
-        <p:nvSpPr>
-          <p:cNvPr id="5" name="TextBox 4"/>
-          <p:cNvSpPr txBox="1"/>
-          <p:nvPr/>
-        </p:nvSpPr>
-        <p:spPr>
-          <a:xfrm>
-            <a:off x="731520" y="2103120"/>
-            <a:ext cx="9601200" cy="2926080"/>
+              <a:rPr sz="2400" b="1">
+                <a:solidFill>
+                  <a:srgbClr val="070000"/>
+                </a:solidFill>
+                <a:latin typeface="Georgia"/>
+              </a:rPr>
+              <a:t>Backpropagation: Learning from Mistakes</a:t>
+            </a:r>
+          </a:p>
+        </p:txBody>
+      </p:sp>
+      <p:sp>
+        <p:nvSpPr>
+          <p:cNvPr id="4" name="TextBox 3"/>
+          <p:cNvSpPr txBox="1"/>
+          <p:nvPr/>
+        </p:nvSpPr>
+        <p:spPr>
+          <a:xfrm>
+            <a:off x="731520" y="1371600"/>
+            <a:ext cx="9601200" cy="3657600"/>
           </a:xfrm>
           <a:prstGeom prst="rect">
             <a:avLst/>
@@ -7110,7 +7325,7 @@
                 </a:solidFill>
                 <a:latin typeface="Open Sans"/>
               </a:rPr>
-              <a:t>Practice with real datasets:</a:t>
+              <a:t>Analogy:</a:t>
             </a:r>
             <a:r>
               <a:rPr sz="1600" b="0">
@@ -7119,7 +7334,7 @@
                 </a:solidFill>
                 <a:latin typeface="Open Sans"/>
               </a:rPr>
-              <a:t> Apply what you've learned to datasets from `scikit-learn.datasets` or Kaggle.</a:t>
+              <a:t> Imagine a student taking a test. They make mistakes, then review their errors to understand what went wrong and improve for the next test.</a:t>
             </a:r>
           </a:p>
           <a:p>
@@ -7138,7 +7353,7 @@
                 </a:solidFill>
                 <a:latin typeface="Open Sans"/>
               </a:rPr>
-              <a:t>Explore evaluation metrics:</a:t>
+              <a:t>Purpose:</a:t>
             </a:r>
             <a:r>
               <a:rPr sz="1600" b="0">
@@ -7147,7 +7362,7 @@
                 </a:solidFill>
                 <a:latin typeface="Open Sans"/>
               </a:rPr>
-              <a:t> Dive deeper into metrics like Mean Absolute Error (MAE), Mean Squared Error (MSE), and R-squared.</a:t>
+              <a:t> Backpropagation is an algorithm that efficiently trains neural networks by systematically adjusting their internal parameters (weights and biases).</a:t>
             </a:r>
           </a:p>
           <a:p>
@@ -7166,7 +7381,7 @@
                 </a:solidFill>
                 <a:latin typeface="Open Sans"/>
               </a:rPr>
-              <a:t>Discover regularization techniques:</a:t>
+              <a:t>Key:</a:t>
             </a:r>
             <a:r>
               <a:rPr sz="1600" b="0">
@@ -7175,14 +7390,14 @@
                 </a:solidFill>
                 <a:latin typeface="Open Sans"/>
               </a:rPr>
-              <a:t> Learn about Ridge and Lasso regression to handle overfitting and multicollinearity.</a:t>
-            </a:r>
-          </a:p>
-        </p:txBody>
-      </p:sp>
-      <p:sp>
-        <p:nvSpPr>
-          <p:cNvPr id="6" name="TextBox 5"/>
+              <a:t> It propagates the 'error' or 'mistake' *backward* through the network to figure out how each parameter contributed to that error.</a:t>
+            </a:r>
+          </a:p>
+        </p:txBody>
+      </p:sp>
+      <p:sp>
+        <p:nvSpPr>
+          <p:cNvPr id="5" name="TextBox 4"/>
           <p:cNvSpPr txBox="1"/>
           <p:nvPr/>
         </p:nvSpPr>
@@ -7208,7 +7423,7 @@
       </p:sp>
       <p:sp>
         <p:nvSpPr>
-          <p:cNvPr id="7" name="TextBox 6"/>
+          <p:cNvPr id="6" name="TextBox 5"/>
           <p:cNvSpPr txBox="1"/>
           <p:nvPr/>
         </p:nvSpPr>
@@ -7236,14 +7451,14 @@
                 </a:solidFill>
                 <a:latin typeface="Open Sans"/>
               </a:rPr>
-              <a:t>Linear Regression: Understanding &amp; Implementation | TeachFlow</a:t>
-            </a:r>
-          </a:p>
-        </p:txBody>
-      </p:sp>
-      <p:sp>
-        <p:nvSpPr>
-          <p:cNvPr id="8" name="TextBox 7"/>
+              <a:t>Introduction to Neural Networks: Understanding the Building Blocks of AI | TeachFlow</a:t>
+            </a:r>
+          </a:p>
+        </p:txBody>
+      </p:sp>
+      <p:sp>
+        <p:nvSpPr>
+          <p:cNvPr id="7" name="TextBox 6"/>
           <p:cNvSpPr txBox="1"/>
           <p:nvPr/>
         </p:nvSpPr>
@@ -7271,7 +7486,1985 @@
                 </a:solidFill>
                 <a:latin typeface="Open Sans"/>
               </a:rPr>
-              <a:t>21</a:t>
+              <a:t>22</a:t>
+            </a:r>
+          </a:p>
+        </p:txBody>
+      </p:sp>
+    </p:spTree>
+  </p:cSld>
+  <p:clrMapOvr>
+    <a:masterClrMapping/>
+  </p:clrMapOvr>
+</p:sld>
+</file>
+
+<file path=ppt/slides/slide23.xml><?xml version="1.0" encoding="utf-8"?>
+<p:sld xmlns:a="http://schemas.openxmlformats.org/drawingml/2006/main" xmlns:p="http://schemas.openxmlformats.org/presentationml/2006/main" xmlns:r="http://schemas.openxmlformats.org/officeDocument/2006/relationships">
+  <p:cSld>
+    <p:bg>
+      <p:bgPr>
+        <a:solidFill>
+          <a:srgbClr val="FAF7F7"/>
+        </a:solidFill>
+        <a:effectLst/>
+      </p:bgPr>
+    </p:bg>
+    <p:spTree>
+      <p:nvGrpSpPr>
+        <p:cNvPr id="1" name=""/>
+        <p:cNvGrpSpPr/>
+        <p:nvPr/>
+      </p:nvGrpSpPr>
+      <p:grpSpPr/>
+      <p:sp>
+        <p:nvSpPr>
+          <p:cNvPr id="2" name="Title 1"/>
+          <p:cNvSpPr>
+            <a:spLocks noGrp="1"/>
+          </p:cNvSpPr>
+          <p:nvPr>
+            <p:ph type="title"/>
+          </p:nvPr>
+        </p:nvSpPr>
+        <p:spPr/>
+        <p:txBody>
+          <a:bodyPr/>
+          <a:lstStyle/>
+          <a:p/>
+        </p:txBody>
+      </p:sp>
+      <p:sp>
+        <p:nvSpPr>
+          <p:cNvPr id="3" name="TextBox 2"/>
+          <p:cNvSpPr txBox="1"/>
+          <p:nvPr/>
+        </p:nvSpPr>
+        <p:spPr>
+          <a:xfrm>
+            <a:off x="457200" y="274320"/>
+            <a:ext cx="10058400" cy="1371600"/>
+          </a:xfrm>
+          <a:prstGeom prst="rect">
+            <a:avLst/>
+          </a:prstGeom>
+          <a:noFill/>
+        </p:spPr>
+        <p:txBody>
+          <a:bodyPr wrap="square" anchor="t" tIns="91440" bIns="91440">
+            <a:spAutoFit/>
+          </a:bodyPr>
+          <a:lstStyle/>
+          <a:p>
+            <a:pPr algn="l"/>
+            <a:r>
+              <a:rPr sz="2400" b="1">
+                <a:solidFill>
+                  <a:srgbClr val="070000"/>
+                </a:solidFill>
+                <a:latin typeface="Georgia"/>
+              </a:rPr>
+              <a:t>Backpropagation Step 1</a:t>
+            </a:r>
+          </a:p>
+        </p:txBody>
+      </p:sp>
+      <p:sp>
+        <p:nvSpPr>
+          <p:cNvPr id="4" name="TextBox 3"/>
+          <p:cNvSpPr txBox="1"/>
+          <p:nvPr/>
+        </p:nvSpPr>
+        <p:spPr>
+          <a:xfrm>
+            <a:off x="731520" y="1371600"/>
+            <a:ext cx="9601200" cy="3657600"/>
+          </a:xfrm>
+          <a:prstGeom prst="rect">
+            <a:avLst/>
+          </a:prstGeom>
+          <a:noFill/>
+        </p:spPr>
+        <p:txBody>
+          <a:bodyPr wrap="square" anchor="t" tIns="91440" bIns="91440">
+            <a:spAutoFit/>
+          </a:bodyPr>
+          <a:lstStyle/>
+          <a:p/>
+          <a:p>
+            <a:pPr>
+              <a:spcBef>
+                <a:spcPts val="0"/>
+              </a:spcBef>
+              <a:spcAft>
+                <a:spcPts val="400"/>
+              </a:spcAft>
+            </a:pPr>
+            <a:r>
+              <a:rPr sz="1600" b="1">
+                <a:solidFill>
+                  <a:srgbClr val="010000"/>
+                </a:solidFill>
+                <a:latin typeface="Open Sans"/>
+              </a:rPr>
+              <a:t>Action:</a:t>
+            </a:r>
+            <a:r>
+              <a:rPr sz="1600" b="0">
+                <a:solidFill>
+                  <a:srgbClr val="010000"/>
+                </a:solidFill>
+                <a:latin typeface="Open Sans"/>
+              </a:rPr>
+              <a:t> Input data is fed into the network's first layer.</a:t>
+            </a:r>
+          </a:p>
+          <a:p>
+            <a:pPr>
+              <a:spcBef>
+                <a:spcPts val="400"/>
+              </a:spcBef>
+              <a:spcAft>
+                <a:spcPts val="400"/>
+              </a:spcAft>
+            </a:pPr>
+            <a:r>
+              <a:rPr sz="1600" b="1">
+                <a:solidFill>
+                  <a:srgbClr val="010000"/>
+                </a:solidFill>
+                <a:latin typeface="Open Sans"/>
+              </a:rPr>
+              <a:t>Flow:</a:t>
+            </a:r>
+            <a:r>
+              <a:rPr sz="1600" b="0">
+                <a:solidFill>
+                  <a:srgbClr val="010000"/>
+                </a:solidFill>
+                <a:latin typeface="Open Sans"/>
+              </a:rPr>
+              <a:t> Data then flows through each subsequent layer, with neurons calculating their weighted sums and applying activation functions.</a:t>
+            </a:r>
+          </a:p>
+          <a:p>
+            <a:pPr>
+              <a:spcBef>
+                <a:spcPts val="400"/>
+              </a:spcBef>
+              <a:spcAft>
+                <a:spcPts val="400"/>
+              </a:spcAft>
+            </a:pPr>
+            <a:r>
+              <a:rPr sz="1600" b="1">
+                <a:solidFill>
+                  <a:srgbClr val="010000"/>
+                </a:solidFill>
+                <a:latin typeface="Open Sans"/>
+              </a:rPr>
+              <a:t>Result:</a:t>
+            </a:r>
+            <a:r>
+              <a:rPr sz="1600" b="0">
+                <a:solidFill>
+                  <a:srgbClr val="010000"/>
+                </a:solidFill>
+                <a:latin typeface="Open Sans"/>
+              </a:rPr>
+              <a:t> A final output or prediction is generated by the network.</a:t>
+            </a:r>
+          </a:p>
+          <a:p>
+            <a:pPr>
+              <a:spcBef>
+                <a:spcPts val="400"/>
+              </a:spcBef>
+              <a:spcAft>
+                <a:spcPts val="400"/>
+              </a:spcAft>
+            </a:pPr>
+            <a:r>
+              <a:rPr sz="1600" b="1">
+                <a:solidFill>
+                  <a:srgbClr val="010000"/>
+                </a:solidFill>
+                <a:latin typeface="Open Sans"/>
+              </a:rPr>
+              <a:t>Connection:</a:t>
+            </a:r>
+            <a:r>
+              <a:rPr sz="1600" b="0">
+                <a:solidFill>
+                  <a:srgbClr val="010000"/>
+                </a:solidFill>
+                <a:latin typeface="Open Sans"/>
+              </a:rPr>
+              <a:t> This is exactly what we learned about with perceptrons and activation functions – the network processing information from input to output.</a:t>
+            </a:r>
+          </a:p>
+        </p:txBody>
+      </p:sp>
+      <p:sp>
+        <p:nvSpPr>
+          <p:cNvPr id="5" name="TextBox 4"/>
+          <p:cNvSpPr txBox="1"/>
+          <p:nvPr/>
+        </p:nvSpPr>
+        <p:spPr>
+          <a:xfrm>
+            <a:off x="457200" y="6217920"/>
+            <a:ext cx="11274552" cy="18288"/>
+          </a:xfrm>
+          <a:prstGeom prst="rect">
+            <a:avLst/>
+          </a:prstGeom>
+          <a:solidFill>
+            <a:srgbClr val="8B0000"/>
+          </a:solidFill>
+        </p:spPr>
+        <p:txBody>
+          <a:bodyPr wrap="none">
+            <a:spAutoFit/>
+          </a:bodyPr>
+          <a:lstStyle/>
+          <a:p/>
+        </p:txBody>
+      </p:sp>
+      <p:sp>
+        <p:nvSpPr>
+          <p:cNvPr id="6" name="TextBox 5"/>
+          <p:cNvSpPr txBox="1"/>
+          <p:nvPr/>
+        </p:nvSpPr>
+        <p:spPr>
+          <a:xfrm>
+            <a:off x="457200" y="6400800"/>
+            <a:ext cx="8229600" cy="365760"/>
+          </a:xfrm>
+          <a:prstGeom prst="rect">
+            <a:avLst/>
+          </a:prstGeom>
+          <a:noFill/>
+        </p:spPr>
+        <p:txBody>
+          <a:bodyPr wrap="none" anchor="ctr">
+            <a:spAutoFit/>
+          </a:bodyPr>
+          <a:lstStyle/>
+          <a:p>
+            <a:pPr algn="l"/>
+            <a:r>
+              <a:rPr sz="1000" b="0">
+                <a:solidFill>
+                  <a:srgbClr val="8B0000"/>
+                </a:solidFill>
+                <a:latin typeface="Open Sans"/>
+              </a:rPr>
+              <a:t>Introduction to Neural Networks: Understanding the Building Blocks of AI | TeachFlow</a:t>
+            </a:r>
+          </a:p>
+        </p:txBody>
+      </p:sp>
+      <p:sp>
+        <p:nvSpPr>
+          <p:cNvPr id="7" name="TextBox 6"/>
+          <p:cNvSpPr txBox="1"/>
+          <p:nvPr/>
+        </p:nvSpPr>
+        <p:spPr>
+          <a:xfrm>
+            <a:off x="11091672" y="6400800"/>
+            <a:ext cx="914400" cy="365760"/>
+          </a:xfrm>
+          <a:prstGeom prst="rect">
+            <a:avLst/>
+          </a:prstGeom>
+          <a:noFill/>
+        </p:spPr>
+        <p:txBody>
+          <a:bodyPr wrap="none" anchor="ctr">
+            <a:spAutoFit/>
+          </a:bodyPr>
+          <a:lstStyle/>
+          <a:p>
+            <a:pPr algn="r"/>
+            <a:r>
+              <a:rPr sz="1000" b="1">
+                <a:solidFill>
+                  <a:srgbClr val="8B0000"/>
+                </a:solidFill>
+                <a:latin typeface="Open Sans"/>
+              </a:rPr>
+              <a:t>23</a:t>
+            </a:r>
+          </a:p>
+        </p:txBody>
+      </p:sp>
+    </p:spTree>
+  </p:cSld>
+  <p:clrMapOvr>
+    <a:masterClrMapping/>
+  </p:clrMapOvr>
+</p:sld>
+</file>
+
+<file path=ppt/slides/slide24.xml><?xml version="1.0" encoding="utf-8"?>
+<p:sld xmlns:a="http://schemas.openxmlformats.org/drawingml/2006/main" xmlns:p="http://schemas.openxmlformats.org/presentationml/2006/main" xmlns:r="http://schemas.openxmlformats.org/officeDocument/2006/relationships">
+  <p:cSld>
+    <p:bg>
+      <p:bgPr>
+        <a:solidFill>
+          <a:srgbClr val="FAF7F7"/>
+        </a:solidFill>
+        <a:effectLst/>
+      </p:bgPr>
+    </p:bg>
+    <p:spTree>
+      <p:nvGrpSpPr>
+        <p:cNvPr id="1" name=""/>
+        <p:cNvGrpSpPr/>
+        <p:nvPr/>
+      </p:nvGrpSpPr>
+      <p:grpSpPr/>
+      <p:sp>
+        <p:nvSpPr>
+          <p:cNvPr id="2" name="Title 1"/>
+          <p:cNvSpPr>
+            <a:spLocks noGrp="1"/>
+          </p:cNvSpPr>
+          <p:nvPr>
+            <p:ph type="title"/>
+          </p:nvPr>
+        </p:nvSpPr>
+        <p:spPr/>
+        <p:txBody>
+          <a:bodyPr/>
+          <a:lstStyle/>
+          <a:p/>
+        </p:txBody>
+      </p:sp>
+      <p:sp>
+        <p:nvSpPr>
+          <p:cNvPr id="3" name="TextBox 2"/>
+          <p:cNvSpPr txBox="1"/>
+          <p:nvPr/>
+        </p:nvSpPr>
+        <p:spPr>
+          <a:xfrm>
+            <a:off x="457200" y="274320"/>
+            <a:ext cx="10058400" cy="1371600"/>
+          </a:xfrm>
+          <a:prstGeom prst="rect">
+            <a:avLst/>
+          </a:prstGeom>
+          <a:noFill/>
+        </p:spPr>
+        <p:txBody>
+          <a:bodyPr wrap="square" anchor="t" tIns="91440" bIns="91440">
+            <a:spAutoFit/>
+          </a:bodyPr>
+          <a:lstStyle/>
+          <a:p>
+            <a:pPr algn="l"/>
+            <a:r>
+              <a:rPr sz="2400" b="1">
+                <a:solidFill>
+                  <a:srgbClr val="070000"/>
+                </a:solidFill>
+                <a:latin typeface="Georgia"/>
+              </a:rPr>
+              <a:t>Backpropagation Step 2</a:t>
+            </a:r>
+          </a:p>
+        </p:txBody>
+      </p:sp>
+      <p:sp>
+        <p:nvSpPr>
+          <p:cNvPr id="4" name="TextBox 3"/>
+          <p:cNvSpPr txBox="1"/>
+          <p:nvPr/>
+        </p:nvSpPr>
+        <p:spPr>
+          <a:xfrm>
+            <a:off x="731520" y="1371600"/>
+            <a:ext cx="9601200" cy="3657600"/>
+          </a:xfrm>
+          <a:prstGeom prst="rect">
+            <a:avLst/>
+          </a:prstGeom>
+          <a:noFill/>
+        </p:spPr>
+        <p:txBody>
+          <a:bodyPr wrap="square" anchor="t" tIns="91440" bIns="91440">
+            <a:spAutoFit/>
+          </a:bodyPr>
+          <a:lstStyle/>
+          <a:p/>
+          <a:p>
+            <a:pPr>
+              <a:spcBef>
+                <a:spcPts val="0"/>
+              </a:spcBef>
+              <a:spcAft>
+                <a:spcPts val="400"/>
+              </a:spcAft>
+            </a:pPr>
+            <a:r>
+              <a:rPr sz="1600" b="1">
+                <a:solidFill>
+                  <a:srgbClr val="010000"/>
+                </a:solidFill>
+                <a:latin typeface="Open Sans"/>
+              </a:rPr>
+              <a:t>Loss Function:</a:t>
+            </a:r>
+            <a:r>
+              <a:rPr sz="1600" b="0">
+                <a:solidFill>
+                  <a:srgbClr val="010000"/>
+                </a:solidFill>
+                <a:latin typeface="Open Sans"/>
+              </a:rPr>
+              <a:t> After the forward pass, the network's prediction is compared to the actual, correct target value.</a:t>
+            </a:r>
+          </a:p>
+          <a:p>
+            <a:pPr>
+              <a:spcBef>
+                <a:spcPts val="400"/>
+              </a:spcBef>
+              <a:spcAft>
+                <a:spcPts val="400"/>
+              </a:spcAft>
+            </a:pPr>
+            <a:r>
+              <a:rPr sz="1600" b="1">
+                <a:solidFill>
+                  <a:srgbClr val="010000"/>
+                </a:solidFill>
+                <a:latin typeface="Open Sans"/>
+              </a:rPr>
+              <a:t>Quantifying Error:</a:t>
+            </a:r>
+            <a:r>
+              <a:rPr sz="1600" b="0">
+                <a:solidFill>
+                  <a:srgbClr val="010000"/>
+                </a:solidFill>
+                <a:latin typeface="Open Sans"/>
+              </a:rPr>
+              <a:t> A 'loss function' (or cost function) mathematically quantifies the difference between the prediction and the target.</a:t>
+            </a:r>
+          </a:p>
+          <a:p>
+            <a:pPr>
+              <a:spcBef>
+                <a:spcPts val="400"/>
+              </a:spcBef>
+              <a:spcAft>
+                <a:spcPts val="400"/>
+              </a:spcAft>
+            </a:pPr>
+            <a:r>
+              <a:rPr sz="1600" b="1">
+                <a:solidFill>
+                  <a:srgbClr val="010000"/>
+                </a:solidFill>
+                <a:latin typeface="Open Sans"/>
+              </a:rPr>
+              <a:t>Goal:</a:t>
+            </a:r>
+            <a:r>
+              <a:rPr sz="1600" b="0">
+                <a:solidFill>
+                  <a:srgbClr val="010000"/>
+                </a:solidFill>
+                <a:latin typeface="Open Sans"/>
+              </a:rPr>
+              <a:t> The higher the output of the loss function, the worse the network's prediction was. The goal is to minimize this loss.</a:t>
+            </a:r>
+          </a:p>
+        </p:txBody>
+      </p:sp>
+      <p:sp>
+        <p:nvSpPr>
+          <p:cNvPr id="5" name="TextBox 4"/>
+          <p:cNvSpPr txBox="1"/>
+          <p:nvPr/>
+        </p:nvSpPr>
+        <p:spPr>
+          <a:xfrm>
+            <a:off x="457200" y="6217920"/>
+            <a:ext cx="11274552" cy="18288"/>
+          </a:xfrm>
+          <a:prstGeom prst="rect">
+            <a:avLst/>
+          </a:prstGeom>
+          <a:solidFill>
+            <a:srgbClr val="8B0000"/>
+          </a:solidFill>
+        </p:spPr>
+        <p:txBody>
+          <a:bodyPr wrap="none">
+            <a:spAutoFit/>
+          </a:bodyPr>
+          <a:lstStyle/>
+          <a:p/>
+        </p:txBody>
+      </p:sp>
+      <p:sp>
+        <p:nvSpPr>
+          <p:cNvPr id="6" name="TextBox 5"/>
+          <p:cNvSpPr txBox="1"/>
+          <p:nvPr/>
+        </p:nvSpPr>
+        <p:spPr>
+          <a:xfrm>
+            <a:off x="457200" y="6400800"/>
+            <a:ext cx="8229600" cy="365760"/>
+          </a:xfrm>
+          <a:prstGeom prst="rect">
+            <a:avLst/>
+          </a:prstGeom>
+          <a:noFill/>
+        </p:spPr>
+        <p:txBody>
+          <a:bodyPr wrap="none" anchor="ctr">
+            <a:spAutoFit/>
+          </a:bodyPr>
+          <a:lstStyle/>
+          <a:p>
+            <a:pPr algn="l"/>
+            <a:r>
+              <a:rPr sz="1000" b="0">
+                <a:solidFill>
+                  <a:srgbClr val="8B0000"/>
+                </a:solidFill>
+                <a:latin typeface="Open Sans"/>
+              </a:rPr>
+              <a:t>Introduction to Neural Networks: Understanding the Building Blocks of AI | TeachFlow</a:t>
+            </a:r>
+          </a:p>
+        </p:txBody>
+      </p:sp>
+      <p:sp>
+        <p:nvSpPr>
+          <p:cNvPr id="7" name="TextBox 6"/>
+          <p:cNvSpPr txBox="1"/>
+          <p:nvPr/>
+        </p:nvSpPr>
+        <p:spPr>
+          <a:xfrm>
+            <a:off x="11091672" y="6400800"/>
+            <a:ext cx="914400" cy="365760"/>
+          </a:xfrm>
+          <a:prstGeom prst="rect">
+            <a:avLst/>
+          </a:prstGeom>
+          <a:noFill/>
+        </p:spPr>
+        <p:txBody>
+          <a:bodyPr wrap="none" anchor="ctr">
+            <a:spAutoFit/>
+          </a:bodyPr>
+          <a:lstStyle/>
+          <a:p>
+            <a:pPr algn="r"/>
+            <a:r>
+              <a:rPr sz="1000" b="1">
+                <a:solidFill>
+                  <a:srgbClr val="8B0000"/>
+                </a:solidFill>
+                <a:latin typeface="Open Sans"/>
+              </a:rPr>
+              <a:t>24</a:t>
+            </a:r>
+          </a:p>
+        </p:txBody>
+      </p:sp>
+    </p:spTree>
+  </p:cSld>
+  <p:clrMapOvr>
+    <a:masterClrMapping/>
+  </p:clrMapOvr>
+</p:sld>
+</file>
+
+<file path=ppt/slides/slide25.xml><?xml version="1.0" encoding="utf-8"?>
+<p:sld xmlns:a="http://schemas.openxmlformats.org/drawingml/2006/main" xmlns:p="http://schemas.openxmlformats.org/presentationml/2006/main" xmlns:r="http://schemas.openxmlformats.org/officeDocument/2006/relationships">
+  <p:cSld>
+    <p:bg>
+      <p:bgPr>
+        <a:solidFill>
+          <a:srgbClr val="FAF7F7"/>
+        </a:solidFill>
+        <a:effectLst/>
+      </p:bgPr>
+    </p:bg>
+    <p:spTree>
+      <p:nvGrpSpPr>
+        <p:cNvPr id="1" name=""/>
+        <p:cNvGrpSpPr/>
+        <p:nvPr/>
+      </p:nvGrpSpPr>
+      <p:grpSpPr/>
+      <p:sp>
+        <p:nvSpPr>
+          <p:cNvPr id="2" name="Title 1"/>
+          <p:cNvSpPr>
+            <a:spLocks noGrp="1"/>
+          </p:cNvSpPr>
+          <p:nvPr>
+            <p:ph type="title"/>
+          </p:nvPr>
+        </p:nvSpPr>
+        <p:spPr/>
+        <p:txBody>
+          <a:bodyPr/>
+          <a:lstStyle/>
+          <a:p/>
+        </p:txBody>
+      </p:sp>
+      <p:sp>
+        <p:nvSpPr>
+          <p:cNvPr id="3" name="TextBox 2"/>
+          <p:cNvSpPr txBox="1"/>
+          <p:nvPr/>
+        </p:nvSpPr>
+        <p:spPr>
+          <a:xfrm>
+            <a:off x="457200" y="274320"/>
+            <a:ext cx="10058400" cy="1371600"/>
+          </a:xfrm>
+          <a:prstGeom prst="rect">
+            <a:avLst/>
+          </a:prstGeom>
+          <a:noFill/>
+        </p:spPr>
+        <p:txBody>
+          <a:bodyPr wrap="square" anchor="t" tIns="91440" bIns="91440">
+            <a:spAutoFit/>
+          </a:bodyPr>
+          <a:lstStyle/>
+          <a:p>
+            <a:pPr algn="l"/>
+            <a:r>
+              <a:rPr sz="2400" b="1">
+                <a:solidFill>
+                  <a:srgbClr val="070000"/>
+                </a:solidFill>
+                <a:latin typeface="Georgia"/>
+              </a:rPr>
+              <a:t>Backpropagation Step 3</a:t>
+            </a:r>
+          </a:p>
+        </p:txBody>
+      </p:sp>
+      <p:sp>
+        <p:nvSpPr>
+          <p:cNvPr id="4" name="TextBox 3"/>
+          <p:cNvSpPr txBox="1"/>
+          <p:nvPr/>
+        </p:nvSpPr>
+        <p:spPr>
+          <a:xfrm>
+            <a:off x="731520" y="1371600"/>
+            <a:ext cx="9601200" cy="3657600"/>
+          </a:xfrm>
+          <a:prstGeom prst="rect">
+            <a:avLst/>
+          </a:prstGeom>
+          <a:noFill/>
+        </p:spPr>
+        <p:txBody>
+          <a:bodyPr wrap="square" anchor="t" tIns="91440" bIns="91440">
+            <a:spAutoFit/>
+          </a:bodyPr>
+          <a:lstStyle/>
+          <a:p/>
+          <a:p>
+            <a:pPr>
+              <a:spcBef>
+                <a:spcPts val="0"/>
+              </a:spcBef>
+              <a:spcAft>
+                <a:spcPts val="400"/>
+              </a:spcAft>
+            </a:pPr>
+            <a:r>
+              <a:rPr sz="1600" b="1">
+                <a:solidFill>
+                  <a:srgbClr val="010000"/>
+                </a:solidFill>
+                <a:latin typeface="Open Sans"/>
+              </a:rPr>
+              <a:t>Error Propagation:</a:t>
+            </a:r>
+            <a:r>
+              <a:rPr sz="1600" b="0">
+                <a:solidFill>
+                  <a:srgbClr val="010000"/>
+                </a:solidFill>
+                <a:latin typeface="Open Sans"/>
+              </a:rPr>
+              <a:t> The calculated error is propagated *backward* from the output layer, through the hidden layers, towards the input layer.</a:t>
+            </a:r>
+          </a:p>
+          <a:p>
+            <a:pPr>
+              <a:spcBef>
+                <a:spcPts val="400"/>
+              </a:spcBef>
+              <a:spcAft>
+                <a:spcPts val="400"/>
+              </a:spcAft>
+            </a:pPr>
+            <a:r>
+              <a:rPr sz="1600" b="1">
+                <a:solidFill>
+                  <a:srgbClr val="010000"/>
+                </a:solidFill>
+                <a:latin typeface="Open Sans"/>
+              </a:rPr>
+              <a:t>Gradients:</a:t>
+            </a:r>
+            <a:r>
+              <a:rPr sz="1600" b="0">
+                <a:solidFill>
+                  <a:srgbClr val="010000"/>
+                </a:solidFill>
+                <a:latin typeface="Open Sans"/>
+              </a:rPr>
+              <a:t> At each connection (weight) and neuron (bias), 'gradients' are calculated. A gradient tells us:</a:t>
+            </a:r>
+          </a:p>
+          <a:p>
+            <a:pPr>
+              <a:spcBef>
+                <a:spcPts val="400"/>
+              </a:spcBef>
+              <a:spcAft>
+                <a:spcPts val="400"/>
+              </a:spcAft>
+            </a:pPr>
+            <a:r>
+              <a:rPr sz="1600" b="1">
+                <a:solidFill>
+                  <a:srgbClr val="010000"/>
+                </a:solidFill>
+                <a:latin typeface="Open Sans"/>
+              </a:rPr>
+              <a:t>Direction:</a:t>
+            </a:r>
+            <a:r>
+              <a:rPr sz="1600" b="0">
+                <a:solidFill>
+                  <a:srgbClr val="010000"/>
+                </a:solidFill>
+                <a:latin typeface="Open Sans"/>
+              </a:rPr>
+              <a:t> How much the error would change if we slightly adjusted that weight or bias.</a:t>
+            </a:r>
+          </a:p>
+          <a:p>
+            <a:pPr>
+              <a:spcBef>
+                <a:spcPts val="400"/>
+              </a:spcBef>
+              <a:spcAft>
+                <a:spcPts val="400"/>
+              </a:spcAft>
+            </a:pPr>
+            <a:r>
+              <a:rPr sz="1600" b="1">
+                <a:solidFill>
+                  <a:srgbClr val="010000"/>
+                </a:solidFill>
+                <a:latin typeface="Open Sans"/>
+              </a:rPr>
+              <a:t>Magnitude:</a:t>
+            </a:r>
+            <a:r>
+              <a:rPr sz="1600" b="0">
+                <a:solidFill>
+                  <a:srgbClr val="010000"/>
+                </a:solidFill>
+                <a:latin typeface="Open Sans"/>
+              </a:rPr>
+              <a:t> The 'steepness' of that change, indicating how sensitive the error is to that parameter.</a:t>
+            </a:r>
+          </a:p>
+          <a:p>
+            <a:pPr>
+              <a:spcBef>
+                <a:spcPts val="400"/>
+              </a:spcBef>
+              <a:spcAft>
+                <a:spcPts val="400"/>
+              </a:spcAft>
+            </a:pPr>
+            <a:r>
+              <a:rPr sz="1600" b="1">
+                <a:solidFill>
+                  <a:srgbClr val="010000"/>
+                </a:solidFill>
+                <a:latin typeface="Open Sans"/>
+              </a:rPr>
+              <a:t>Calculus:</a:t>
+            </a:r>
+            <a:r>
+              <a:rPr sz="1600" b="0">
+                <a:solidFill>
+                  <a:srgbClr val="010000"/>
+                </a:solidFill>
+                <a:latin typeface="Open Sans"/>
+              </a:rPr>
+              <a:t> This process uses the 'chain rule' from calculus to efficiently distribute the error contribution to each parameter.</a:t>
+            </a:r>
+          </a:p>
+        </p:txBody>
+      </p:sp>
+      <p:sp>
+        <p:nvSpPr>
+          <p:cNvPr id="5" name="TextBox 4"/>
+          <p:cNvSpPr txBox="1"/>
+          <p:nvPr/>
+        </p:nvSpPr>
+        <p:spPr>
+          <a:xfrm>
+            <a:off x="457200" y="6217920"/>
+            <a:ext cx="11274552" cy="18288"/>
+          </a:xfrm>
+          <a:prstGeom prst="rect">
+            <a:avLst/>
+          </a:prstGeom>
+          <a:solidFill>
+            <a:srgbClr val="8B0000"/>
+          </a:solidFill>
+        </p:spPr>
+        <p:txBody>
+          <a:bodyPr wrap="none">
+            <a:spAutoFit/>
+          </a:bodyPr>
+          <a:lstStyle/>
+          <a:p/>
+        </p:txBody>
+      </p:sp>
+      <p:sp>
+        <p:nvSpPr>
+          <p:cNvPr id="6" name="TextBox 5"/>
+          <p:cNvSpPr txBox="1"/>
+          <p:nvPr/>
+        </p:nvSpPr>
+        <p:spPr>
+          <a:xfrm>
+            <a:off x="457200" y="6400800"/>
+            <a:ext cx="8229600" cy="365760"/>
+          </a:xfrm>
+          <a:prstGeom prst="rect">
+            <a:avLst/>
+          </a:prstGeom>
+          <a:noFill/>
+        </p:spPr>
+        <p:txBody>
+          <a:bodyPr wrap="none" anchor="ctr">
+            <a:spAutoFit/>
+          </a:bodyPr>
+          <a:lstStyle/>
+          <a:p>
+            <a:pPr algn="l"/>
+            <a:r>
+              <a:rPr sz="1000" b="0">
+                <a:solidFill>
+                  <a:srgbClr val="8B0000"/>
+                </a:solidFill>
+                <a:latin typeface="Open Sans"/>
+              </a:rPr>
+              <a:t>Introduction to Neural Networks: Understanding the Building Blocks of AI | TeachFlow</a:t>
+            </a:r>
+          </a:p>
+        </p:txBody>
+      </p:sp>
+      <p:sp>
+        <p:nvSpPr>
+          <p:cNvPr id="7" name="TextBox 6"/>
+          <p:cNvSpPr txBox="1"/>
+          <p:nvPr/>
+        </p:nvSpPr>
+        <p:spPr>
+          <a:xfrm>
+            <a:off x="11091672" y="6400800"/>
+            <a:ext cx="914400" cy="365760"/>
+          </a:xfrm>
+          <a:prstGeom prst="rect">
+            <a:avLst/>
+          </a:prstGeom>
+          <a:noFill/>
+        </p:spPr>
+        <p:txBody>
+          <a:bodyPr wrap="none" anchor="ctr">
+            <a:spAutoFit/>
+          </a:bodyPr>
+          <a:lstStyle/>
+          <a:p>
+            <a:pPr algn="r"/>
+            <a:r>
+              <a:rPr sz="1000" b="1">
+                <a:solidFill>
+                  <a:srgbClr val="8B0000"/>
+                </a:solidFill>
+                <a:latin typeface="Open Sans"/>
+              </a:rPr>
+              <a:t>25</a:t>
+            </a:r>
+          </a:p>
+        </p:txBody>
+      </p:sp>
+    </p:spTree>
+  </p:cSld>
+  <p:clrMapOvr>
+    <a:masterClrMapping/>
+  </p:clrMapOvr>
+</p:sld>
+</file>
+
+<file path=ppt/slides/slide26.xml><?xml version="1.0" encoding="utf-8"?>
+<p:sld xmlns:a="http://schemas.openxmlformats.org/drawingml/2006/main" xmlns:p="http://schemas.openxmlformats.org/presentationml/2006/main" xmlns:r="http://schemas.openxmlformats.org/officeDocument/2006/relationships">
+  <p:cSld>
+    <p:bg>
+      <p:bgPr>
+        <a:solidFill>
+          <a:srgbClr val="FAF7F7"/>
+        </a:solidFill>
+        <a:effectLst/>
+      </p:bgPr>
+    </p:bg>
+    <p:spTree>
+      <p:nvGrpSpPr>
+        <p:cNvPr id="1" name=""/>
+        <p:cNvGrpSpPr/>
+        <p:nvPr/>
+      </p:nvGrpSpPr>
+      <p:grpSpPr/>
+      <p:sp>
+        <p:nvSpPr>
+          <p:cNvPr id="2" name="Title 1"/>
+          <p:cNvSpPr>
+            <a:spLocks noGrp="1"/>
+          </p:cNvSpPr>
+          <p:nvPr>
+            <p:ph type="title"/>
+          </p:nvPr>
+        </p:nvSpPr>
+        <p:spPr/>
+        <p:txBody>
+          <a:bodyPr/>
+          <a:lstStyle/>
+          <a:p/>
+        </p:txBody>
+      </p:sp>
+      <p:sp>
+        <p:nvSpPr>
+          <p:cNvPr id="3" name="TextBox 2"/>
+          <p:cNvSpPr txBox="1"/>
+          <p:nvPr/>
+        </p:nvSpPr>
+        <p:spPr>
+          <a:xfrm>
+            <a:off x="457200" y="274320"/>
+            <a:ext cx="10058400" cy="1371600"/>
+          </a:xfrm>
+          <a:prstGeom prst="rect">
+            <a:avLst/>
+          </a:prstGeom>
+          <a:noFill/>
+        </p:spPr>
+        <p:txBody>
+          <a:bodyPr wrap="square" anchor="t" tIns="91440" bIns="91440">
+            <a:spAutoFit/>
+          </a:bodyPr>
+          <a:lstStyle/>
+          <a:p>
+            <a:pPr algn="l"/>
+            <a:r>
+              <a:rPr sz="2400" b="1">
+                <a:solidFill>
+                  <a:srgbClr val="070000"/>
+                </a:solidFill>
+                <a:latin typeface="Georgia"/>
+              </a:rPr>
+              <a:t>Backpropagation Step 4</a:t>
+            </a:r>
+          </a:p>
+        </p:txBody>
+      </p:sp>
+      <p:sp>
+        <p:nvSpPr>
+          <p:cNvPr id="4" name="TextBox 3"/>
+          <p:cNvSpPr txBox="1"/>
+          <p:nvPr/>
+        </p:nvSpPr>
+        <p:spPr>
+          <a:xfrm>
+            <a:off x="731520" y="1371600"/>
+            <a:ext cx="9601200" cy="3657600"/>
+          </a:xfrm>
+          <a:prstGeom prst="rect">
+            <a:avLst/>
+          </a:prstGeom>
+          <a:noFill/>
+        </p:spPr>
+        <p:txBody>
+          <a:bodyPr wrap="square" anchor="t" tIns="91440" bIns="91440">
+            <a:spAutoFit/>
+          </a:bodyPr>
+          <a:lstStyle/>
+          <a:p/>
+          <a:p>
+            <a:pPr>
+              <a:spcBef>
+                <a:spcPts val="0"/>
+              </a:spcBef>
+              <a:spcAft>
+                <a:spcPts val="400"/>
+              </a:spcAft>
+            </a:pPr>
+            <a:r>
+              <a:rPr sz="1600" b="1">
+                <a:solidFill>
+                  <a:srgbClr val="010000"/>
+                </a:solidFill>
+                <a:latin typeface="Open Sans"/>
+              </a:rPr>
+              <a:t>Adjustment:</a:t>
+            </a:r>
+            <a:r>
+              <a:rPr sz="1600" b="0">
+                <a:solidFill>
+                  <a:srgbClr val="010000"/>
+                </a:solidFill>
+                <a:latin typeface="Open Sans"/>
+              </a:rPr>
+              <a:t> Using the calculated gradients, the network's weights and biases are adjusted.</a:t>
+            </a:r>
+          </a:p>
+          <a:p>
+            <a:pPr>
+              <a:spcBef>
+                <a:spcPts val="400"/>
+              </a:spcBef>
+              <a:spcAft>
+                <a:spcPts val="400"/>
+              </a:spcAft>
+            </a:pPr>
+            <a:r>
+              <a:rPr sz="1600" b="1">
+                <a:solidFill>
+                  <a:srgbClr val="010000"/>
+                </a:solidFill>
+                <a:latin typeface="Open Sans"/>
+              </a:rPr>
+              <a:t>Optimization Algorithm:</a:t>
+            </a:r>
+            <a:r>
+              <a:rPr sz="1600" b="0">
+                <a:solidFill>
+                  <a:srgbClr val="010000"/>
+                </a:solidFill>
+                <a:latin typeface="Open Sans"/>
+              </a:rPr>
+              <a:t> An 'optimization algorithm' (e.g., Gradient Descent) uses these gradients to find the 'path of steepest descent' on the error landscape, moving towards lower error.</a:t>
+            </a:r>
+          </a:p>
+          <a:p>
+            <a:pPr>
+              <a:spcBef>
+                <a:spcPts val="400"/>
+              </a:spcBef>
+              <a:spcAft>
+                <a:spcPts val="400"/>
+              </a:spcAft>
+            </a:pPr>
+            <a:r>
+              <a:rPr sz="1600" b="1">
+                <a:solidFill>
+                  <a:srgbClr val="010000"/>
+                </a:solidFill>
+                <a:latin typeface="Open Sans"/>
+              </a:rPr>
+              <a:t>Learning Rate:</a:t>
+            </a:r>
+            <a:r>
+              <a:rPr sz="1600" b="0">
+                <a:solidFill>
+                  <a:srgbClr val="010000"/>
+                </a:solidFill>
+                <a:latin typeface="Open Sans"/>
+              </a:rPr>
+              <a:t> A crucial hyperparameter that controls the size of the steps taken during parameter updates.</a:t>
+            </a:r>
+          </a:p>
+          <a:p>
+            <a:pPr>
+              <a:spcBef>
+                <a:spcPts val="400"/>
+              </a:spcBef>
+              <a:spcAft>
+                <a:spcPts val="400"/>
+              </a:spcAft>
+            </a:pPr>
+            <a:r>
+              <a:rPr sz="1600" b="1">
+                <a:solidFill>
+                  <a:srgbClr val="010000"/>
+                </a:solidFill>
+                <a:latin typeface="Open Sans"/>
+              </a:rPr>
+              <a:t>Impact:</a:t>
+            </a:r>
+            <a:r>
+              <a:rPr sz="1600" b="0">
+                <a:solidFill>
+                  <a:srgbClr val="010000"/>
+                </a:solidFill>
+                <a:latin typeface="Open Sans"/>
+              </a:rPr>
+              <a:t> A too-high learning rate can cause overshooting; too low results in slow learning.</a:t>
+            </a:r>
+          </a:p>
+        </p:txBody>
+      </p:sp>
+      <p:sp>
+        <p:nvSpPr>
+          <p:cNvPr id="5" name="TextBox 4"/>
+          <p:cNvSpPr txBox="1"/>
+          <p:nvPr/>
+        </p:nvSpPr>
+        <p:spPr>
+          <a:xfrm>
+            <a:off x="457200" y="6217920"/>
+            <a:ext cx="11274552" cy="18288"/>
+          </a:xfrm>
+          <a:prstGeom prst="rect">
+            <a:avLst/>
+          </a:prstGeom>
+          <a:solidFill>
+            <a:srgbClr val="8B0000"/>
+          </a:solidFill>
+        </p:spPr>
+        <p:txBody>
+          <a:bodyPr wrap="none">
+            <a:spAutoFit/>
+          </a:bodyPr>
+          <a:lstStyle/>
+          <a:p/>
+        </p:txBody>
+      </p:sp>
+      <p:sp>
+        <p:nvSpPr>
+          <p:cNvPr id="6" name="TextBox 5"/>
+          <p:cNvSpPr txBox="1"/>
+          <p:nvPr/>
+        </p:nvSpPr>
+        <p:spPr>
+          <a:xfrm>
+            <a:off x="457200" y="6400800"/>
+            <a:ext cx="8229600" cy="365760"/>
+          </a:xfrm>
+          <a:prstGeom prst="rect">
+            <a:avLst/>
+          </a:prstGeom>
+          <a:noFill/>
+        </p:spPr>
+        <p:txBody>
+          <a:bodyPr wrap="none" anchor="ctr">
+            <a:spAutoFit/>
+          </a:bodyPr>
+          <a:lstStyle/>
+          <a:p>
+            <a:pPr algn="l"/>
+            <a:r>
+              <a:rPr sz="1000" b="0">
+                <a:solidFill>
+                  <a:srgbClr val="8B0000"/>
+                </a:solidFill>
+                <a:latin typeface="Open Sans"/>
+              </a:rPr>
+              <a:t>Introduction to Neural Networks: Understanding the Building Blocks of AI | TeachFlow</a:t>
+            </a:r>
+          </a:p>
+        </p:txBody>
+      </p:sp>
+      <p:sp>
+        <p:nvSpPr>
+          <p:cNvPr id="7" name="TextBox 6"/>
+          <p:cNvSpPr txBox="1"/>
+          <p:nvPr/>
+        </p:nvSpPr>
+        <p:spPr>
+          <a:xfrm>
+            <a:off x="11091672" y="6400800"/>
+            <a:ext cx="914400" cy="365760"/>
+          </a:xfrm>
+          <a:prstGeom prst="rect">
+            <a:avLst/>
+          </a:prstGeom>
+          <a:noFill/>
+        </p:spPr>
+        <p:txBody>
+          <a:bodyPr wrap="none" anchor="ctr">
+            <a:spAutoFit/>
+          </a:bodyPr>
+          <a:lstStyle/>
+          <a:p>
+            <a:pPr algn="r"/>
+            <a:r>
+              <a:rPr sz="1000" b="1">
+                <a:solidFill>
+                  <a:srgbClr val="8B0000"/>
+                </a:solidFill>
+                <a:latin typeface="Open Sans"/>
+              </a:rPr>
+              <a:t>26</a:t>
+            </a:r>
+          </a:p>
+        </p:txBody>
+      </p:sp>
+    </p:spTree>
+  </p:cSld>
+  <p:clrMapOvr>
+    <a:masterClrMapping/>
+  </p:clrMapOvr>
+</p:sld>
+</file>
+
+<file path=ppt/slides/slide27.xml><?xml version="1.0" encoding="utf-8"?>
+<p:sld xmlns:a="http://schemas.openxmlformats.org/drawingml/2006/main" xmlns:p="http://schemas.openxmlformats.org/presentationml/2006/main" xmlns:r="http://schemas.openxmlformats.org/officeDocument/2006/relationships">
+  <p:cSld>
+    <p:bg>
+      <p:bgPr>
+        <a:solidFill>
+          <a:srgbClr val="FAF7F7"/>
+        </a:solidFill>
+        <a:effectLst/>
+      </p:bgPr>
+    </p:bg>
+    <p:spTree>
+      <p:nvGrpSpPr>
+        <p:cNvPr id="1" name=""/>
+        <p:cNvGrpSpPr/>
+        <p:nvPr/>
+      </p:nvGrpSpPr>
+      <p:grpSpPr/>
+      <p:sp>
+        <p:nvSpPr>
+          <p:cNvPr id="2" name="Title 1"/>
+          <p:cNvSpPr>
+            <a:spLocks noGrp="1"/>
+          </p:cNvSpPr>
+          <p:nvPr>
+            <p:ph type="title"/>
+          </p:nvPr>
+        </p:nvSpPr>
+        <p:spPr/>
+        <p:txBody>
+          <a:bodyPr/>
+          <a:lstStyle/>
+          <a:p/>
+        </p:txBody>
+      </p:sp>
+      <p:sp>
+        <p:nvSpPr>
+          <p:cNvPr id="3" name="TextBox 2"/>
+          <p:cNvSpPr txBox="1"/>
+          <p:nvPr/>
+        </p:nvSpPr>
+        <p:spPr>
+          <a:xfrm>
+            <a:off x="457200" y="274320"/>
+            <a:ext cx="10058400" cy="1371600"/>
+          </a:xfrm>
+          <a:prstGeom prst="rect">
+            <a:avLst/>
+          </a:prstGeom>
+          <a:noFill/>
+        </p:spPr>
+        <p:txBody>
+          <a:bodyPr wrap="square" anchor="t" tIns="91440" bIns="91440">
+            <a:spAutoFit/>
+          </a:bodyPr>
+          <a:lstStyle/>
+          <a:p>
+            <a:pPr algn="l"/>
+            <a:r>
+              <a:rPr sz="2400" b="1">
+                <a:solidFill>
+                  <a:srgbClr val="070000"/>
+                </a:solidFill>
+                <a:latin typeface="Georgia"/>
+              </a:rPr>
+              <a:t>Iterative Learning</a:t>
+            </a:r>
+          </a:p>
+        </p:txBody>
+      </p:sp>
+      <p:sp>
+        <p:nvSpPr>
+          <p:cNvPr id="4" name="TextBox 3"/>
+          <p:cNvSpPr txBox="1"/>
+          <p:nvPr/>
+        </p:nvSpPr>
+        <p:spPr>
+          <a:xfrm>
+            <a:off x="731520" y="1371600"/>
+            <a:ext cx="9601200" cy="3657600"/>
+          </a:xfrm>
+          <a:prstGeom prst="rect">
+            <a:avLst/>
+          </a:prstGeom>
+          <a:noFill/>
+        </p:spPr>
+        <p:txBody>
+          <a:bodyPr wrap="square" anchor="t" tIns="91440" bIns="91440">
+            <a:spAutoFit/>
+          </a:bodyPr>
+          <a:lstStyle/>
+          <a:p/>
+          <a:p>
+            <a:pPr>
+              <a:spcBef>
+                <a:spcPts val="0"/>
+              </a:spcBef>
+              <a:spcAft>
+                <a:spcPts val="400"/>
+              </a:spcAft>
+            </a:pPr>
+            <a:r>
+              <a:rPr sz="1600" b="1">
+                <a:solidFill>
+                  <a:srgbClr val="010000"/>
+                </a:solidFill>
+                <a:latin typeface="Open Sans"/>
+              </a:rPr>
+              <a:t>Repetition:</a:t>
+            </a:r>
+            <a:r>
+              <a:rPr sz="1600" b="0">
+                <a:solidFill>
+                  <a:srgbClr val="010000"/>
+                </a:solidFill>
+                <a:latin typeface="Open Sans"/>
+              </a:rPr>
+              <a:t> The entire process (Forward Pass → Error Calculation → Backward Pass → Parameter Update) is repeated many times.</a:t>
+            </a:r>
+          </a:p>
+          <a:p>
+            <a:pPr>
+              <a:spcBef>
+                <a:spcPts val="400"/>
+              </a:spcBef>
+              <a:spcAft>
+                <a:spcPts val="400"/>
+              </a:spcAft>
+            </a:pPr>
+            <a:r>
+              <a:rPr sz="1600" b="1">
+                <a:solidFill>
+                  <a:srgbClr val="010000"/>
+                </a:solidFill>
+                <a:latin typeface="Open Sans"/>
+              </a:rPr>
+              <a:t>Epoch:</a:t>
+            </a:r>
+            <a:r>
+              <a:rPr sz="1600" b="0">
+                <a:solidFill>
+                  <a:srgbClr val="010000"/>
+                </a:solidFill>
+                <a:latin typeface="Open Sans"/>
+              </a:rPr>
+              <a:t> One complete pass of the entire training dataset through the network (both forward and backward passes).</a:t>
+            </a:r>
+          </a:p>
+          <a:p>
+            <a:pPr>
+              <a:spcBef>
+                <a:spcPts val="400"/>
+              </a:spcBef>
+              <a:spcAft>
+                <a:spcPts val="400"/>
+              </a:spcAft>
+            </a:pPr>
+            <a:r>
+              <a:rPr sz="1600" b="1">
+                <a:solidFill>
+                  <a:srgbClr val="010000"/>
+                </a:solidFill>
+                <a:latin typeface="Open Sans"/>
+              </a:rPr>
+              <a:t>Improvement:</a:t>
+            </a:r>
+            <a:r>
+              <a:rPr sz="1600" b="0">
+                <a:solidFill>
+                  <a:srgbClr val="010000"/>
+                </a:solidFill>
+                <a:latin typeface="Open Sans"/>
+              </a:rPr>
+              <a:t> Neural networks learn gradually, refining their understanding and improving their predictions with each successive epoch.</a:t>
+            </a:r>
+          </a:p>
+        </p:txBody>
+      </p:sp>
+      <p:sp>
+        <p:nvSpPr>
+          <p:cNvPr id="5" name="TextBox 4"/>
+          <p:cNvSpPr txBox="1"/>
+          <p:nvPr/>
+        </p:nvSpPr>
+        <p:spPr>
+          <a:xfrm>
+            <a:off x="457200" y="6217920"/>
+            <a:ext cx="11274552" cy="18288"/>
+          </a:xfrm>
+          <a:prstGeom prst="rect">
+            <a:avLst/>
+          </a:prstGeom>
+          <a:solidFill>
+            <a:srgbClr val="8B0000"/>
+          </a:solidFill>
+        </p:spPr>
+        <p:txBody>
+          <a:bodyPr wrap="none">
+            <a:spAutoFit/>
+          </a:bodyPr>
+          <a:lstStyle/>
+          <a:p/>
+        </p:txBody>
+      </p:sp>
+      <p:sp>
+        <p:nvSpPr>
+          <p:cNvPr id="6" name="TextBox 5"/>
+          <p:cNvSpPr txBox="1"/>
+          <p:nvPr/>
+        </p:nvSpPr>
+        <p:spPr>
+          <a:xfrm>
+            <a:off x="457200" y="6400800"/>
+            <a:ext cx="8229600" cy="365760"/>
+          </a:xfrm>
+          <a:prstGeom prst="rect">
+            <a:avLst/>
+          </a:prstGeom>
+          <a:noFill/>
+        </p:spPr>
+        <p:txBody>
+          <a:bodyPr wrap="none" anchor="ctr">
+            <a:spAutoFit/>
+          </a:bodyPr>
+          <a:lstStyle/>
+          <a:p>
+            <a:pPr algn="l"/>
+            <a:r>
+              <a:rPr sz="1000" b="0">
+                <a:solidFill>
+                  <a:srgbClr val="8B0000"/>
+                </a:solidFill>
+                <a:latin typeface="Open Sans"/>
+              </a:rPr>
+              <a:t>Introduction to Neural Networks: Understanding the Building Blocks of AI | TeachFlow</a:t>
+            </a:r>
+          </a:p>
+        </p:txBody>
+      </p:sp>
+      <p:sp>
+        <p:nvSpPr>
+          <p:cNvPr id="7" name="TextBox 6"/>
+          <p:cNvSpPr txBox="1"/>
+          <p:nvPr/>
+        </p:nvSpPr>
+        <p:spPr>
+          <a:xfrm>
+            <a:off x="11091672" y="6400800"/>
+            <a:ext cx="914400" cy="365760"/>
+          </a:xfrm>
+          <a:prstGeom prst="rect">
+            <a:avLst/>
+          </a:prstGeom>
+          <a:noFill/>
+        </p:spPr>
+        <p:txBody>
+          <a:bodyPr wrap="none" anchor="ctr">
+            <a:spAutoFit/>
+          </a:bodyPr>
+          <a:lstStyle/>
+          <a:p>
+            <a:pPr algn="r"/>
+            <a:r>
+              <a:rPr sz="1000" b="1">
+                <a:solidFill>
+                  <a:srgbClr val="8B0000"/>
+                </a:solidFill>
+                <a:latin typeface="Open Sans"/>
+              </a:rPr>
+              <a:t>27</a:t>
+            </a:r>
+          </a:p>
+        </p:txBody>
+      </p:sp>
+    </p:spTree>
+  </p:cSld>
+  <p:clrMapOvr>
+    <a:masterClrMapping/>
+  </p:clrMapOvr>
+</p:sld>
+</file>
+
+<file path=ppt/slides/slide28.xml><?xml version="1.0" encoding="utf-8"?>
+<p:sld xmlns:a="http://schemas.openxmlformats.org/drawingml/2006/main" xmlns:p="http://schemas.openxmlformats.org/presentationml/2006/main" xmlns:r="http://schemas.openxmlformats.org/officeDocument/2006/relationships">
+  <p:cSld>
+    <p:bg>
+      <p:bgPr>
+        <a:solidFill>
+          <a:srgbClr val="FAF7F7"/>
+        </a:solidFill>
+        <a:effectLst/>
+      </p:bgPr>
+    </p:bg>
+    <p:spTree>
+      <p:nvGrpSpPr>
+        <p:cNvPr id="1" name=""/>
+        <p:cNvGrpSpPr/>
+        <p:nvPr/>
+      </p:nvGrpSpPr>
+      <p:grpSpPr/>
+      <p:sp>
+        <p:nvSpPr>
+          <p:cNvPr id="2" name="Title 1"/>
+          <p:cNvSpPr>
+            <a:spLocks noGrp="1"/>
+          </p:cNvSpPr>
+          <p:nvPr>
+            <p:ph type="title"/>
+          </p:nvPr>
+        </p:nvSpPr>
+        <p:spPr/>
+        <p:txBody>
+          <a:bodyPr/>
+          <a:lstStyle/>
+          <a:p/>
+        </p:txBody>
+      </p:sp>
+      <p:sp>
+        <p:nvSpPr>
+          <p:cNvPr id="3" name="TextBox 2"/>
+          <p:cNvSpPr txBox="1"/>
+          <p:nvPr/>
+        </p:nvSpPr>
+        <p:spPr>
+          <a:xfrm>
+            <a:off x="457200" y="274320"/>
+            <a:ext cx="10058400" cy="1371600"/>
+          </a:xfrm>
+          <a:prstGeom prst="rect">
+            <a:avLst/>
+          </a:prstGeom>
+          <a:noFill/>
+        </p:spPr>
+        <p:txBody>
+          <a:bodyPr wrap="square" anchor="t" tIns="91440" bIns="91440">
+            <a:spAutoFit/>
+          </a:bodyPr>
+          <a:lstStyle/>
+          <a:p>
+            <a:pPr algn="l"/>
+            <a:r>
+              <a:rPr sz="2400" b="1">
+                <a:solidFill>
+                  <a:srgbClr val="070000"/>
+                </a:solidFill>
+                <a:latin typeface="Georgia"/>
+              </a:rPr>
+              <a:t>Visualizing Backpropagation Flow</a:t>
+            </a:r>
+          </a:p>
+        </p:txBody>
+      </p:sp>
+      <p:sp>
+        <p:nvSpPr>
+          <p:cNvPr id="4" name="TextBox 3"/>
+          <p:cNvSpPr txBox="1"/>
+          <p:nvPr/>
+        </p:nvSpPr>
+        <p:spPr>
+          <a:xfrm>
+            <a:off x="457200" y="6217920"/>
+            <a:ext cx="11274552" cy="18288"/>
+          </a:xfrm>
+          <a:prstGeom prst="rect">
+            <a:avLst/>
+          </a:prstGeom>
+          <a:solidFill>
+            <a:srgbClr val="8B0000"/>
+          </a:solidFill>
+        </p:spPr>
+        <p:txBody>
+          <a:bodyPr wrap="none">
+            <a:spAutoFit/>
+          </a:bodyPr>
+          <a:lstStyle/>
+          <a:p/>
+        </p:txBody>
+      </p:sp>
+      <p:sp>
+        <p:nvSpPr>
+          <p:cNvPr id="5" name="TextBox 4"/>
+          <p:cNvSpPr txBox="1"/>
+          <p:nvPr/>
+        </p:nvSpPr>
+        <p:spPr>
+          <a:xfrm>
+            <a:off x="457200" y="6400800"/>
+            <a:ext cx="8229600" cy="365760"/>
+          </a:xfrm>
+          <a:prstGeom prst="rect">
+            <a:avLst/>
+          </a:prstGeom>
+          <a:noFill/>
+        </p:spPr>
+        <p:txBody>
+          <a:bodyPr wrap="none" anchor="ctr">
+            <a:spAutoFit/>
+          </a:bodyPr>
+          <a:lstStyle/>
+          <a:p>
+            <a:pPr algn="l"/>
+            <a:r>
+              <a:rPr sz="1000" b="0">
+                <a:solidFill>
+                  <a:srgbClr val="8B0000"/>
+                </a:solidFill>
+                <a:latin typeface="Open Sans"/>
+              </a:rPr>
+              <a:t>Introduction to Neural Networks: Understanding the Building Blocks of AI | TeachFlow</a:t>
+            </a:r>
+          </a:p>
+        </p:txBody>
+      </p:sp>
+      <p:sp>
+        <p:nvSpPr>
+          <p:cNvPr id="6" name="TextBox 5"/>
+          <p:cNvSpPr txBox="1"/>
+          <p:nvPr/>
+        </p:nvSpPr>
+        <p:spPr>
+          <a:xfrm>
+            <a:off x="11091672" y="6400800"/>
+            <a:ext cx="914400" cy="365760"/>
+          </a:xfrm>
+          <a:prstGeom prst="rect">
+            <a:avLst/>
+          </a:prstGeom>
+          <a:noFill/>
+        </p:spPr>
+        <p:txBody>
+          <a:bodyPr wrap="none" anchor="ctr">
+            <a:spAutoFit/>
+          </a:bodyPr>
+          <a:lstStyle/>
+          <a:p>
+            <a:pPr algn="r"/>
+            <a:r>
+              <a:rPr sz="1000" b="1">
+                <a:solidFill>
+                  <a:srgbClr val="8B0000"/>
+                </a:solidFill>
+                <a:latin typeface="Open Sans"/>
+              </a:rPr>
+              <a:t>28</a:t>
+            </a:r>
+          </a:p>
+        </p:txBody>
+      </p:sp>
+    </p:spTree>
+  </p:cSld>
+  <p:clrMapOvr>
+    <a:masterClrMapping/>
+  </p:clrMapOvr>
+</p:sld>
+</file>
+
+<file path=ppt/slides/slide29.xml><?xml version="1.0" encoding="utf-8"?>
+<p:sld xmlns:a="http://schemas.openxmlformats.org/drawingml/2006/main" xmlns:p="http://schemas.openxmlformats.org/presentationml/2006/main" xmlns:r="http://schemas.openxmlformats.org/officeDocument/2006/relationships">
+  <p:cSld>
+    <p:bg>
+      <p:bgPr>
+        <a:solidFill>
+          <a:srgbClr val="FAF7F7"/>
+        </a:solidFill>
+        <a:effectLst/>
+      </p:bgPr>
+    </p:bg>
+    <p:spTree>
+      <p:nvGrpSpPr>
+        <p:cNvPr id="1" name=""/>
+        <p:cNvGrpSpPr/>
+        <p:nvPr/>
+      </p:nvGrpSpPr>
+      <p:grpSpPr/>
+      <p:sp>
+        <p:nvSpPr>
+          <p:cNvPr id="2" name="Title 1"/>
+          <p:cNvSpPr>
+            <a:spLocks noGrp="1"/>
+          </p:cNvSpPr>
+          <p:nvPr>
+            <p:ph type="title"/>
+          </p:nvPr>
+        </p:nvSpPr>
+        <p:spPr/>
+        <p:txBody>
+          <a:bodyPr/>
+          <a:lstStyle/>
+          <a:p/>
+        </p:txBody>
+      </p:sp>
+      <p:sp>
+        <p:nvSpPr>
+          <p:cNvPr id="3" name="TextBox 2"/>
+          <p:cNvSpPr txBox="1"/>
+          <p:nvPr/>
+        </p:nvSpPr>
+        <p:spPr>
+          <a:xfrm>
+            <a:off x="457200" y="274320"/>
+            <a:ext cx="10058400" cy="1371600"/>
+          </a:xfrm>
+          <a:prstGeom prst="rect">
+            <a:avLst/>
+          </a:prstGeom>
+          <a:noFill/>
+        </p:spPr>
+        <p:txBody>
+          <a:bodyPr wrap="square" anchor="t" tIns="91440" bIns="91440">
+            <a:spAutoFit/>
+          </a:bodyPr>
+          <a:lstStyle/>
+          <a:p>
+            <a:pPr algn="l"/>
+            <a:r>
+              <a:rPr sz="2400" b="1">
+                <a:solidFill>
+                  <a:srgbClr val="070000"/>
+                </a:solidFill>
+                <a:latin typeface="Georgia"/>
+              </a:rPr>
+              <a:t>Knowledge Check: Backpropagation</a:t>
+            </a:r>
+          </a:p>
+        </p:txBody>
+      </p:sp>
+      <p:sp>
+        <p:nvSpPr>
+          <p:cNvPr id="4" name="TextBox 3"/>
+          <p:cNvSpPr txBox="1"/>
+          <p:nvPr/>
+        </p:nvSpPr>
+        <p:spPr>
+          <a:xfrm>
+            <a:off x="731520" y="1371600"/>
+            <a:ext cx="9601200" cy="3657600"/>
+          </a:xfrm>
+          <a:prstGeom prst="rect">
+            <a:avLst/>
+          </a:prstGeom>
+          <a:noFill/>
+        </p:spPr>
+        <p:txBody>
+          <a:bodyPr wrap="square" anchor="t" tIns="91440" bIns="91440">
+            <a:spAutoFit/>
+          </a:bodyPr>
+          <a:lstStyle/>
+          <a:p/>
+          <a:p>
+            <a:pPr>
+              <a:spcBef>
+                <a:spcPts val="0"/>
+              </a:spcBef>
+              <a:spcAft>
+                <a:spcPts val="400"/>
+              </a:spcAft>
+            </a:pPr>
+            <a:r>
+              <a:rPr sz="1600" b="1">
+                <a:solidFill>
+                  <a:srgbClr val="010000"/>
+                </a:solidFill>
+                <a:latin typeface="Open Sans"/>
+              </a:rPr>
+              <a:t>Question 1:</a:t>
+            </a:r>
+            <a:r>
+              <a:rPr sz="1600" b="0">
+                <a:solidFill>
+                  <a:srgbClr val="010000"/>
+                </a:solidFill>
+                <a:latin typeface="Open Sans"/>
+              </a:rPr>
+              <a:t> What is the purpose of the 'loss function' in backpropagation?</a:t>
+            </a:r>
+          </a:p>
+          <a:p>
+            <a:pPr>
+              <a:spcBef>
+                <a:spcPts val="400"/>
+              </a:spcBef>
+              <a:spcAft>
+                <a:spcPts val="400"/>
+              </a:spcAft>
+            </a:pPr>
+            <a:r>
+              <a:rPr sz="1600" b="1">
+                <a:solidFill>
+                  <a:srgbClr val="010000"/>
+                </a:solidFill>
+                <a:latin typeface="Open Sans"/>
+              </a:rPr>
+              <a:t>Question 2:</a:t>
+            </a:r>
+            <a:r>
+              <a:rPr sz="1600" b="0">
+                <a:solidFill>
+                  <a:srgbClr val="010000"/>
+                </a:solidFill>
+                <a:latin typeface="Open Sans"/>
+              </a:rPr>
+              <a:t> If your learning rate is too high, what might happen to your network's training?</a:t>
+            </a:r>
+          </a:p>
+          <a:p>
+            <a:pPr>
+              <a:spcBef>
+                <a:spcPts val="400"/>
+              </a:spcBef>
+              <a:spcAft>
+                <a:spcPts val="400"/>
+              </a:spcAft>
+            </a:pPr>
+            <a:r>
+              <a:rPr sz="1600" b="1">
+                <a:solidFill>
+                  <a:srgbClr val="010000"/>
+                </a:solidFill>
+                <a:latin typeface="Open Sans"/>
+              </a:rPr>
+              <a:t>Question 3 (Discussion):</a:t>
+            </a:r>
+            <a:r>
+              <a:rPr sz="1600" b="0">
+                <a:solidFill>
+                  <a:srgbClr val="010000"/>
+                </a:solidFill>
+                <a:latin typeface="Open Sans"/>
+              </a:rPr>
+              <a:t> Why is it important for activation functions to be 'differentiable' for backpropagation to work effectively?</a:t>
+            </a:r>
+          </a:p>
+        </p:txBody>
+      </p:sp>
+      <p:sp>
+        <p:nvSpPr>
+          <p:cNvPr id="5" name="TextBox 4"/>
+          <p:cNvSpPr txBox="1"/>
+          <p:nvPr/>
+        </p:nvSpPr>
+        <p:spPr>
+          <a:xfrm>
+            <a:off x="457200" y="6217920"/>
+            <a:ext cx="11274552" cy="18288"/>
+          </a:xfrm>
+          <a:prstGeom prst="rect">
+            <a:avLst/>
+          </a:prstGeom>
+          <a:solidFill>
+            <a:srgbClr val="8B0000"/>
+          </a:solidFill>
+        </p:spPr>
+        <p:txBody>
+          <a:bodyPr wrap="none">
+            <a:spAutoFit/>
+          </a:bodyPr>
+          <a:lstStyle/>
+          <a:p/>
+        </p:txBody>
+      </p:sp>
+      <p:sp>
+        <p:nvSpPr>
+          <p:cNvPr id="6" name="TextBox 5"/>
+          <p:cNvSpPr txBox="1"/>
+          <p:nvPr/>
+        </p:nvSpPr>
+        <p:spPr>
+          <a:xfrm>
+            <a:off x="457200" y="6400800"/>
+            <a:ext cx="8229600" cy="365760"/>
+          </a:xfrm>
+          <a:prstGeom prst="rect">
+            <a:avLst/>
+          </a:prstGeom>
+          <a:noFill/>
+        </p:spPr>
+        <p:txBody>
+          <a:bodyPr wrap="none" anchor="ctr">
+            <a:spAutoFit/>
+          </a:bodyPr>
+          <a:lstStyle/>
+          <a:p>
+            <a:pPr algn="l"/>
+            <a:r>
+              <a:rPr sz="1000" b="0">
+                <a:solidFill>
+                  <a:srgbClr val="8B0000"/>
+                </a:solidFill>
+                <a:latin typeface="Open Sans"/>
+              </a:rPr>
+              <a:t>Introduction to Neural Networks: Understanding the Building Blocks of AI | TeachFlow</a:t>
+            </a:r>
+          </a:p>
+        </p:txBody>
+      </p:sp>
+      <p:sp>
+        <p:nvSpPr>
+          <p:cNvPr id="7" name="TextBox 6"/>
+          <p:cNvSpPr txBox="1"/>
+          <p:nvPr/>
+        </p:nvSpPr>
+        <p:spPr>
+          <a:xfrm>
+            <a:off x="11091672" y="6400800"/>
+            <a:ext cx="914400" cy="365760"/>
+          </a:xfrm>
+          <a:prstGeom prst="rect">
+            <a:avLst/>
+          </a:prstGeom>
+          <a:noFill/>
+        </p:spPr>
+        <p:txBody>
+          <a:bodyPr wrap="none" anchor="ctr">
+            <a:spAutoFit/>
+          </a:bodyPr>
+          <a:lstStyle/>
+          <a:p>
+            <a:pPr algn="r"/>
+            <a:r>
+              <a:rPr sz="1000" b="1">
+                <a:solidFill>
+                  <a:srgbClr val="8B0000"/>
+                </a:solidFill>
+                <a:latin typeface="Open Sans"/>
+              </a:rPr>
+              <a:t>29</a:t>
             </a:r>
           </a:p>
         </p:txBody>
@@ -7349,7 +9542,7 @@
                 </a:solidFill>
                 <a:latin typeface="Georgia"/>
               </a:rPr>
-              <a:t>Roadmap for Our Learning Journey</a:t>
+              <a:t>Welcome! Your Learning Journey Today</a:t>
             </a:r>
           </a:p>
         </p:txBody>
@@ -7362,43 +9555,8 @@
         </p:nvSpPr>
         <p:spPr>
           <a:xfrm>
-            <a:off x="457200" y="1371600"/>
-            <a:ext cx="10058400" cy="914400"/>
-          </a:xfrm>
-          <a:prstGeom prst="rect">
-            <a:avLst/>
-          </a:prstGeom>
-          <a:noFill/>
-        </p:spPr>
-        <p:txBody>
-          <a:bodyPr wrap="square" anchor="t" tIns="91440" bIns="91440">
-            <a:spAutoFit/>
-          </a:bodyPr>
-          <a:lstStyle/>
-          <a:p>
-            <a:pPr algn="l"/>
-            <a:r>
-              <a:rPr sz="1600" b="1">
-                <a:solidFill>
-                  <a:srgbClr val="8B0000"/>
-                </a:solidFill>
-                <a:latin typeface="Open Sans"/>
-              </a:rPr>
-              <a:t>**What We'll Cover Today**</a:t>
-            </a:r>
-          </a:p>
-        </p:txBody>
-      </p:sp>
-      <p:sp>
-        <p:nvSpPr>
-          <p:cNvPr id="5" name="TextBox 4"/>
-          <p:cNvSpPr txBox="1"/>
-          <p:nvPr/>
-        </p:nvSpPr>
-        <p:spPr>
-          <a:xfrm>
-            <a:off x="731520" y="2103120"/>
-            <a:ext cx="9601200" cy="2926080"/>
+            <a:off x="731520" y="1371600"/>
+            <a:ext cx="9601200" cy="3657600"/>
           </a:xfrm>
           <a:prstGeom prst="rect">
             <a:avLst/>
@@ -7421,13 +9579,22 @@
               </a:spcAft>
             </a:pPr>
             <a:r>
+              <a:rPr sz="1600" b="1">
+                <a:solidFill>
+                  <a:srgbClr val="010000"/>
+                </a:solidFill>
+                <a:latin typeface="Open Sans"/>
+              </a:rPr>
+              <a:t>Understand Perceptrons:</a:t>
+            </a:r>
+            <a:r>
               <a:rPr sz="1600" b="0">
                 <a:solidFill>
                   <a:srgbClr val="010000"/>
                 </a:solidFill>
                 <a:latin typeface="Open Sans"/>
               </a:rPr>
-              <a:t>What is Linear Regression?</a:t>
+              <a:t> The basic computational unit.</a:t>
             </a:r>
           </a:p>
           <a:p>
@@ -7440,13 +9607,22 @@
               </a:spcAft>
             </a:pPr>
             <a:r>
+              <a:rPr sz="1600" b="1">
+                <a:solidFill>
+                  <a:srgbClr val="010000"/>
+                </a:solidFill>
+                <a:latin typeface="Open Sans"/>
+              </a:rPr>
+              <a:t>Recognize Activation Functions:</a:t>
+            </a:r>
+            <a:r>
               <a:rPr sz="1600" b="0">
                 <a:solidFill>
                   <a:srgbClr val="010000"/>
                 </a:solidFill>
                 <a:latin typeface="Open Sans"/>
               </a:rPr>
-              <a:t>Core Concepts &amp; Terminology</a:t>
+              <a:t> How non-linearity is introduced.</a:t>
             </a:r>
           </a:p>
           <a:p>
@@ -7459,13 +9635,22 @@
               </a:spcAft>
             </a:pPr>
             <a:r>
+              <a:rPr sz="1600" b="1">
+                <a:solidFill>
+                  <a:srgbClr val="010000"/>
+                </a:solidFill>
+                <a:latin typeface="Open Sans"/>
+              </a:rPr>
+              <a:t>Demystify Backpropagation:</a:t>
+            </a:r>
+            <a:r>
               <a:rPr sz="1600" b="0">
                 <a:solidFill>
                   <a:srgbClr val="010000"/>
                 </a:solidFill>
                 <a:latin typeface="Open Sans"/>
               </a:rPr>
-              <a:t>Hands-on with Scikit-learn (Implementation)</a:t>
+              <a:t> The core learning algorithm.</a:t>
             </a:r>
           </a:p>
           <a:p>
@@ -7478,39 +9663,29 @@
               </a:spcAft>
             </a:pPr>
             <a:r>
+              <a:rPr sz="1600" b="1">
+                <a:solidFill>
+                  <a:srgbClr val="010000"/>
+                </a:solidFill>
+                <a:latin typeface="Open Sans"/>
+              </a:rPr>
+              <a:t>Why this matters:</a:t>
+            </a:r>
+            <a:r>
               <a:rPr sz="1600" b="0">
                 <a:solidFill>
                   <a:srgbClr val="010000"/>
                 </a:solidFill>
                 <a:latin typeface="Open Sans"/>
               </a:rPr>
-              <a:t>Advantages &amp; Limitations</a:t>
-            </a:r>
-          </a:p>
-          <a:p>
-            <a:pPr>
-              <a:spcBef>
-                <a:spcPts val="400"/>
-              </a:spcBef>
-              <a:spcAft>
-                <a:spcPts val="400"/>
-              </a:spcAft>
-            </a:pPr>
-            <a:r>
-              <a:rPr sz="1600" b="0">
-                <a:solidFill>
-                  <a:srgbClr val="010000"/>
-                </a:solidFill>
-                <a:latin typeface="Open Sans"/>
-              </a:rPr>
-              <a:t>Summary &amp; Next Steps</a:t>
-            </a:r>
-          </a:p>
-        </p:txBody>
-      </p:sp>
-      <p:sp>
-        <p:nvSpPr>
-          <p:cNvPr id="6" name="TextBox 5"/>
+              <a:t> Connecting concepts to real-world AI applications.</a:t>
+            </a:r>
+          </a:p>
+        </p:txBody>
+      </p:sp>
+      <p:sp>
+        <p:nvSpPr>
+          <p:cNvPr id="5" name="TextBox 4"/>
           <p:cNvSpPr txBox="1"/>
           <p:nvPr/>
         </p:nvSpPr>
@@ -7536,7 +9711,7 @@
       </p:sp>
       <p:sp>
         <p:nvSpPr>
-          <p:cNvPr id="7" name="TextBox 6"/>
+          <p:cNvPr id="6" name="TextBox 5"/>
           <p:cNvSpPr txBox="1"/>
           <p:nvPr/>
         </p:nvSpPr>
@@ -7564,14 +9739,14 @@
                 </a:solidFill>
                 <a:latin typeface="Open Sans"/>
               </a:rPr>
-              <a:t>Linear Regression: Understanding &amp; Implementation | TeachFlow</a:t>
-            </a:r>
-          </a:p>
-        </p:txBody>
-      </p:sp>
-      <p:sp>
-        <p:nvSpPr>
-          <p:cNvPr id="8" name="TextBox 7"/>
+              <a:t>Introduction to Neural Networks: Understanding the Building Blocks of AI | TeachFlow</a:t>
+            </a:r>
+          </a:p>
+        </p:txBody>
+      </p:sp>
+      <p:sp>
+        <p:nvSpPr>
+          <p:cNvPr id="7" name="TextBox 6"/>
           <p:cNvSpPr txBox="1"/>
           <p:nvPr/>
         </p:nvSpPr>
@@ -7600,6 +9775,1162 @@
                 <a:latin typeface="Open Sans"/>
               </a:rPr>
               <a:t>3</a:t>
+            </a:r>
+          </a:p>
+        </p:txBody>
+      </p:sp>
+    </p:spTree>
+  </p:cSld>
+  <p:clrMapOvr>
+    <a:masterClrMapping/>
+  </p:clrMapOvr>
+</p:sld>
+</file>
+
+<file path=ppt/slides/slide30.xml><?xml version="1.0" encoding="utf-8"?>
+<p:sld xmlns:a="http://schemas.openxmlformats.org/drawingml/2006/main" xmlns:p="http://schemas.openxmlformats.org/presentationml/2006/main" xmlns:r="http://schemas.openxmlformats.org/officeDocument/2006/relationships">
+  <p:cSld>
+    <p:bg>
+      <p:bgPr>
+        <a:solidFill>
+          <a:srgbClr val="FAF7F7"/>
+        </a:solidFill>
+        <a:effectLst/>
+      </p:bgPr>
+    </p:bg>
+    <p:spTree>
+      <p:nvGrpSpPr>
+        <p:cNvPr id="1" name=""/>
+        <p:cNvGrpSpPr/>
+        <p:nvPr/>
+      </p:nvGrpSpPr>
+      <p:grpSpPr/>
+      <p:sp>
+        <p:nvSpPr>
+          <p:cNvPr id="2" name="Title 1"/>
+          <p:cNvSpPr>
+            <a:spLocks noGrp="1"/>
+          </p:cNvSpPr>
+          <p:nvPr>
+            <p:ph type="title"/>
+          </p:nvPr>
+        </p:nvSpPr>
+        <p:spPr/>
+        <p:txBody>
+          <a:bodyPr/>
+          <a:lstStyle/>
+          <a:p/>
+        </p:txBody>
+      </p:sp>
+      <p:sp>
+        <p:nvSpPr>
+          <p:cNvPr id="3" name="TextBox 2"/>
+          <p:cNvSpPr txBox="1"/>
+          <p:nvPr/>
+        </p:nvSpPr>
+        <p:spPr>
+          <a:xfrm>
+            <a:off x="457200" y="274320"/>
+            <a:ext cx="10058400" cy="1371600"/>
+          </a:xfrm>
+          <a:prstGeom prst="rect">
+            <a:avLst/>
+          </a:prstGeom>
+          <a:noFill/>
+        </p:spPr>
+        <p:txBody>
+          <a:bodyPr wrap="square" anchor="t" tIns="91440" bIns="91440">
+            <a:spAutoFit/>
+          </a:bodyPr>
+          <a:lstStyle/>
+          <a:p>
+            <a:pPr algn="l"/>
+            <a:r>
+              <a:rPr sz="2400" b="1">
+                <a:solidFill>
+                  <a:srgbClr val="070000"/>
+                </a:solidFill>
+                <a:latin typeface="Georgia"/>
+              </a:rPr>
+              <a:t>Key Takeaways</a:t>
+            </a:r>
+          </a:p>
+        </p:txBody>
+      </p:sp>
+      <p:sp>
+        <p:nvSpPr>
+          <p:cNvPr id="4" name="TextBox 3"/>
+          <p:cNvSpPr txBox="1"/>
+          <p:nvPr/>
+        </p:nvSpPr>
+        <p:spPr>
+          <a:xfrm>
+            <a:off x="731520" y="1371600"/>
+            <a:ext cx="9601200" cy="3657600"/>
+          </a:xfrm>
+          <a:prstGeom prst="rect">
+            <a:avLst/>
+          </a:prstGeom>
+          <a:noFill/>
+        </p:spPr>
+        <p:txBody>
+          <a:bodyPr wrap="square" anchor="t" tIns="91440" bIns="91440">
+            <a:spAutoFit/>
+          </a:bodyPr>
+          <a:lstStyle/>
+          <a:p/>
+          <a:p>
+            <a:pPr>
+              <a:spcBef>
+                <a:spcPts val="0"/>
+              </a:spcBef>
+              <a:spcAft>
+                <a:spcPts val="400"/>
+              </a:spcAft>
+            </a:pPr>
+            <a:r>
+              <a:rPr sz="1600" b="1">
+                <a:solidFill>
+                  <a:srgbClr val="010000"/>
+                </a:solidFill>
+                <a:latin typeface="Open Sans"/>
+              </a:rPr>
+              <a:t>Perceptrons:</a:t>
+            </a:r>
+            <a:r>
+              <a:rPr sz="1600" b="0">
+                <a:solidFill>
+                  <a:srgbClr val="010000"/>
+                </a:solidFill>
+                <a:latin typeface="Open Sans"/>
+              </a:rPr>
+              <a:t> The basic computational unit, making binary decisions.</a:t>
+            </a:r>
+          </a:p>
+          <a:p>
+            <a:pPr>
+              <a:spcBef>
+                <a:spcPts val="400"/>
+              </a:spcBef>
+              <a:spcAft>
+                <a:spcPts val="400"/>
+              </a:spcAft>
+            </a:pPr>
+            <a:r>
+              <a:rPr sz="1600" b="1">
+                <a:solidFill>
+                  <a:srgbClr val="010000"/>
+                </a:solidFill>
+                <a:latin typeface="Open Sans"/>
+              </a:rPr>
+              <a:t>Activation Functions:</a:t>
+            </a:r>
+            <a:r>
+              <a:rPr sz="1600" b="0">
+                <a:solidFill>
+                  <a:srgbClr val="010000"/>
+                </a:solidFill>
+                <a:latin typeface="Open Sans"/>
+              </a:rPr>
+              <a:t> Essential for introducing non-linearity, enabling networks to learn complex patterns.</a:t>
+            </a:r>
+          </a:p>
+          <a:p>
+            <a:pPr>
+              <a:spcBef>
+                <a:spcPts val="400"/>
+              </a:spcBef>
+              <a:spcAft>
+                <a:spcPts val="400"/>
+              </a:spcAft>
+            </a:pPr>
+            <a:r>
+              <a:rPr sz="1600" b="1">
+                <a:solidFill>
+                  <a:srgbClr val="010000"/>
+                </a:solidFill>
+                <a:latin typeface="Open Sans"/>
+              </a:rPr>
+              <a:t>Backpropagation:</a:t>
+            </a:r>
+            <a:r>
+              <a:rPr sz="1600" b="0">
+                <a:solidFill>
+                  <a:srgbClr val="010000"/>
+                </a:solidFill>
+                <a:latin typeface="Open Sans"/>
+              </a:rPr>
+              <a:t> The powerful algorithm that allows neural networks to learn by iteratively adjusting their weights and biases based on calculated errors.</a:t>
+            </a:r>
+          </a:p>
+        </p:txBody>
+      </p:sp>
+      <p:sp>
+        <p:nvSpPr>
+          <p:cNvPr id="5" name="TextBox 4"/>
+          <p:cNvSpPr txBox="1"/>
+          <p:nvPr/>
+        </p:nvSpPr>
+        <p:spPr>
+          <a:xfrm>
+            <a:off x="457200" y="6217920"/>
+            <a:ext cx="11274552" cy="18288"/>
+          </a:xfrm>
+          <a:prstGeom prst="rect">
+            <a:avLst/>
+          </a:prstGeom>
+          <a:solidFill>
+            <a:srgbClr val="8B0000"/>
+          </a:solidFill>
+        </p:spPr>
+        <p:txBody>
+          <a:bodyPr wrap="none">
+            <a:spAutoFit/>
+          </a:bodyPr>
+          <a:lstStyle/>
+          <a:p/>
+        </p:txBody>
+      </p:sp>
+      <p:sp>
+        <p:nvSpPr>
+          <p:cNvPr id="6" name="TextBox 5"/>
+          <p:cNvSpPr txBox="1"/>
+          <p:nvPr/>
+        </p:nvSpPr>
+        <p:spPr>
+          <a:xfrm>
+            <a:off x="457200" y="6400800"/>
+            <a:ext cx="8229600" cy="365760"/>
+          </a:xfrm>
+          <a:prstGeom prst="rect">
+            <a:avLst/>
+          </a:prstGeom>
+          <a:noFill/>
+        </p:spPr>
+        <p:txBody>
+          <a:bodyPr wrap="none" anchor="ctr">
+            <a:spAutoFit/>
+          </a:bodyPr>
+          <a:lstStyle/>
+          <a:p>
+            <a:pPr algn="l"/>
+            <a:r>
+              <a:rPr sz="1000" b="0">
+                <a:solidFill>
+                  <a:srgbClr val="8B0000"/>
+                </a:solidFill>
+                <a:latin typeface="Open Sans"/>
+              </a:rPr>
+              <a:t>Introduction to Neural Networks: Understanding the Building Blocks of AI | TeachFlow</a:t>
+            </a:r>
+          </a:p>
+        </p:txBody>
+      </p:sp>
+      <p:sp>
+        <p:nvSpPr>
+          <p:cNvPr id="7" name="TextBox 6"/>
+          <p:cNvSpPr txBox="1"/>
+          <p:nvPr/>
+        </p:nvSpPr>
+        <p:spPr>
+          <a:xfrm>
+            <a:off x="11091672" y="6400800"/>
+            <a:ext cx="914400" cy="365760"/>
+          </a:xfrm>
+          <a:prstGeom prst="rect">
+            <a:avLst/>
+          </a:prstGeom>
+          <a:noFill/>
+        </p:spPr>
+        <p:txBody>
+          <a:bodyPr wrap="none" anchor="ctr">
+            <a:spAutoFit/>
+          </a:bodyPr>
+          <a:lstStyle/>
+          <a:p>
+            <a:pPr algn="r"/>
+            <a:r>
+              <a:rPr sz="1000" b="1">
+                <a:solidFill>
+                  <a:srgbClr val="8B0000"/>
+                </a:solidFill>
+                <a:latin typeface="Open Sans"/>
+              </a:rPr>
+              <a:t>30</a:t>
+            </a:r>
+          </a:p>
+        </p:txBody>
+      </p:sp>
+    </p:spTree>
+  </p:cSld>
+  <p:clrMapOvr>
+    <a:masterClrMapping/>
+  </p:clrMapOvr>
+</p:sld>
+</file>
+
+<file path=ppt/slides/slide31.xml><?xml version="1.0" encoding="utf-8"?>
+<p:sld xmlns:a="http://schemas.openxmlformats.org/drawingml/2006/main" xmlns:p="http://schemas.openxmlformats.org/presentationml/2006/main" xmlns:r="http://schemas.openxmlformats.org/officeDocument/2006/relationships">
+  <p:cSld>
+    <p:bg>
+      <p:bgPr>
+        <a:solidFill>
+          <a:srgbClr val="FAF7F7"/>
+        </a:solidFill>
+        <a:effectLst/>
+      </p:bgPr>
+    </p:bg>
+    <p:spTree>
+      <p:nvGrpSpPr>
+        <p:cNvPr id="1" name=""/>
+        <p:cNvGrpSpPr/>
+        <p:nvPr/>
+      </p:nvGrpSpPr>
+      <p:grpSpPr/>
+      <p:sp>
+        <p:nvSpPr>
+          <p:cNvPr id="2" name="Title 1"/>
+          <p:cNvSpPr>
+            <a:spLocks noGrp="1"/>
+          </p:cNvSpPr>
+          <p:nvPr>
+            <p:ph type="title"/>
+          </p:nvPr>
+        </p:nvSpPr>
+        <p:spPr/>
+        <p:txBody>
+          <a:bodyPr/>
+          <a:lstStyle/>
+          <a:p/>
+        </p:txBody>
+      </p:sp>
+      <p:sp>
+        <p:nvSpPr>
+          <p:cNvPr id="3" name="TextBox 2"/>
+          <p:cNvSpPr txBox="1"/>
+          <p:nvPr/>
+        </p:nvSpPr>
+        <p:spPr>
+          <a:xfrm>
+            <a:off x="457200" y="274320"/>
+            <a:ext cx="10058400" cy="1371600"/>
+          </a:xfrm>
+          <a:prstGeom prst="rect">
+            <a:avLst/>
+          </a:prstGeom>
+          <a:noFill/>
+        </p:spPr>
+        <p:txBody>
+          <a:bodyPr wrap="square" anchor="t" tIns="91440" bIns="91440">
+            <a:spAutoFit/>
+          </a:bodyPr>
+          <a:lstStyle/>
+          <a:p>
+            <a:pPr algn="l"/>
+            <a:r>
+              <a:rPr sz="2400" b="1">
+                <a:solidFill>
+                  <a:srgbClr val="070000"/>
+                </a:solidFill>
+                <a:latin typeface="Georgia"/>
+              </a:rPr>
+              <a:t>From Concepts to Real-World Impact</a:t>
+            </a:r>
+          </a:p>
+        </p:txBody>
+      </p:sp>
+      <p:sp>
+        <p:nvSpPr>
+          <p:cNvPr id="4" name="TextBox 3"/>
+          <p:cNvSpPr txBox="1"/>
+          <p:nvPr/>
+        </p:nvSpPr>
+        <p:spPr>
+          <a:xfrm>
+            <a:off x="731520" y="1371600"/>
+            <a:ext cx="9601200" cy="3657600"/>
+          </a:xfrm>
+          <a:prstGeom prst="rect">
+            <a:avLst/>
+          </a:prstGeom>
+          <a:noFill/>
+        </p:spPr>
+        <p:txBody>
+          <a:bodyPr wrap="square" anchor="t" tIns="91440" bIns="91440">
+            <a:spAutoFit/>
+          </a:bodyPr>
+          <a:lstStyle/>
+          <a:p/>
+          <a:p>
+            <a:pPr>
+              <a:spcBef>
+                <a:spcPts val="0"/>
+              </a:spcBef>
+              <a:spcAft>
+                <a:spcPts val="400"/>
+              </a:spcAft>
+            </a:pPr>
+            <a:r>
+              <a:rPr sz="1600" b="1">
+                <a:solidFill>
+                  <a:srgbClr val="010000"/>
+                </a:solidFill>
+                <a:latin typeface="Open Sans"/>
+              </a:rPr>
+              <a:t>Autonomous Driving:</a:t>
+            </a:r>
+            <a:r>
+              <a:rPr sz="1600" b="0">
+                <a:solidFill>
+                  <a:srgbClr val="010000"/>
+                </a:solidFill>
+                <a:latin typeface="Open Sans"/>
+              </a:rPr>
+              <a:t> Object detection and prediction.</a:t>
+            </a:r>
+          </a:p>
+          <a:p>
+            <a:pPr>
+              <a:spcBef>
+                <a:spcPts val="400"/>
+              </a:spcBef>
+              <a:spcAft>
+                <a:spcPts val="400"/>
+              </a:spcAft>
+            </a:pPr>
+            <a:r>
+              <a:rPr sz="1600" b="1">
+                <a:solidFill>
+                  <a:srgbClr val="010000"/>
+                </a:solidFill>
+                <a:latin typeface="Open Sans"/>
+              </a:rPr>
+              <a:t>Medical Diagnosis:</a:t>
+            </a:r>
+            <a:r>
+              <a:rPr sz="1600" b="0">
+                <a:solidFill>
+                  <a:srgbClr val="010000"/>
+                </a:solidFill>
+                <a:latin typeface="Open Sans"/>
+              </a:rPr>
+              <a:t> Analyzing images (X-rays, MRIs) for anomalies.</a:t>
+            </a:r>
+          </a:p>
+          <a:p>
+            <a:pPr>
+              <a:spcBef>
+                <a:spcPts val="400"/>
+              </a:spcBef>
+              <a:spcAft>
+                <a:spcPts val="400"/>
+              </a:spcAft>
+            </a:pPr>
+            <a:r>
+              <a:rPr sz="1600" b="1">
+                <a:solidFill>
+                  <a:srgbClr val="010000"/>
+                </a:solidFill>
+                <a:latin typeface="Open Sans"/>
+              </a:rPr>
+              <a:t>Financial Modeling:</a:t>
+            </a:r>
+            <a:r>
+              <a:rPr sz="1600" b="0">
+                <a:solidFill>
+                  <a:srgbClr val="010000"/>
+                </a:solidFill>
+                <a:latin typeface="Open Sans"/>
+              </a:rPr>
+              <a:t> Predicting market trends and risk assessment.</a:t>
+            </a:r>
+          </a:p>
+          <a:p>
+            <a:pPr>
+              <a:spcBef>
+                <a:spcPts val="400"/>
+              </a:spcBef>
+              <a:spcAft>
+                <a:spcPts val="400"/>
+              </a:spcAft>
+            </a:pPr>
+            <a:r>
+              <a:rPr sz="1600" b="1">
+                <a:solidFill>
+                  <a:srgbClr val="010000"/>
+                </a:solidFill>
+                <a:latin typeface="Open Sans"/>
+              </a:rPr>
+              <a:t>Speech &amp; Image Recognition:</a:t>
+            </a:r>
+            <a:r>
+              <a:rPr sz="1600" b="0">
+                <a:solidFill>
+                  <a:srgbClr val="010000"/>
+                </a:solidFill>
+                <a:latin typeface="Open Sans"/>
+              </a:rPr>
+              <a:t> Powering virtual assistants and facial recognition systems.</a:t>
+            </a:r>
+          </a:p>
+          <a:p>
+            <a:pPr>
+              <a:spcBef>
+                <a:spcPts val="400"/>
+              </a:spcBef>
+              <a:spcAft>
+                <a:spcPts val="400"/>
+              </a:spcAft>
+            </a:pPr>
+            <a:r>
+              <a:rPr sz="1600" b="1">
+                <a:solidFill>
+                  <a:srgbClr val="010000"/>
+                </a:solidFill>
+                <a:latin typeface="Open Sans"/>
+              </a:rPr>
+              <a:t>Your Foundation:</a:t>
+            </a:r>
+            <a:r>
+              <a:rPr sz="1600" b="0">
+                <a:solidFill>
+                  <a:srgbClr val="010000"/>
+                </a:solidFill>
+                <a:latin typeface="Open Sans"/>
+              </a:rPr>
+              <a:t> This knowledge is the bedrock for understanding and building modern AI applications.</a:t>
+            </a:r>
+          </a:p>
+        </p:txBody>
+      </p:sp>
+      <p:sp>
+        <p:nvSpPr>
+          <p:cNvPr id="5" name="TextBox 4"/>
+          <p:cNvSpPr txBox="1"/>
+          <p:nvPr/>
+        </p:nvSpPr>
+        <p:spPr>
+          <a:xfrm>
+            <a:off x="457200" y="6217920"/>
+            <a:ext cx="11274552" cy="18288"/>
+          </a:xfrm>
+          <a:prstGeom prst="rect">
+            <a:avLst/>
+          </a:prstGeom>
+          <a:solidFill>
+            <a:srgbClr val="8B0000"/>
+          </a:solidFill>
+        </p:spPr>
+        <p:txBody>
+          <a:bodyPr wrap="none">
+            <a:spAutoFit/>
+          </a:bodyPr>
+          <a:lstStyle/>
+          <a:p/>
+        </p:txBody>
+      </p:sp>
+      <p:sp>
+        <p:nvSpPr>
+          <p:cNvPr id="6" name="TextBox 5"/>
+          <p:cNvSpPr txBox="1"/>
+          <p:nvPr/>
+        </p:nvSpPr>
+        <p:spPr>
+          <a:xfrm>
+            <a:off x="457200" y="6400800"/>
+            <a:ext cx="8229600" cy="365760"/>
+          </a:xfrm>
+          <a:prstGeom prst="rect">
+            <a:avLst/>
+          </a:prstGeom>
+          <a:noFill/>
+        </p:spPr>
+        <p:txBody>
+          <a:bodyPr wrap="none" anchor="ctr">
+            <a:spAutoFit/>
+          </a:bodyPr>
+          <a:lstStyle/>
+          <a:p>
+            <a:pPr algn="l"/>
+            <a:r>
+              <a:rPr sz="1000" b="0">
+                <a:solidFill>
+                  <a:srgbClr val="8B0000"/>
+                </a:solidFill>
+                <a:latin typeface="Open Sans"/>
+              </a:rPr>
+              <a:t>Introduction to Neural Networks: Understanding the Building Blocks of AI | TeachFlow</a:t>
+            </a:r>
+          </a:p>
+        </p:txBody>
+      </p:sp>
+      <p:sp>
+        <p:nvSpPr>
+          <p:cNvPr id="7" name="TextBox 6"/>
+          <p:cNvSpPr txBox="1"/>
+          <p:nvPr/>
+        </p:nvSpPr>
+        <p:spPr>
+          <a:xfrm>
+            <a:off x="11091672" y="6400800"/>
+            <a:ext cx="914400" cy="365760"/>
+          </a:xfrm>
+          <a:prstGeom prst="rect">
+            <a:avLst/>
+          </a:prstGeom>
+          <a:noFill/>
+        </p:spPr>
+        <p:txBody>
+          <a:bodyPr wrap="none" anchor="ctr">
+            <a:spAutoFit/>
+          </a:bodyPr>
+          <a:lstStyle/>
+          <a:p>
+            <a:pPr algn="r"/>
+            <a:r>
+              <a:rPr sz="1000" b="1">
+                <a:solidFill>
+                  <a:srgbClr val="8B0000"/>
+                </a:solidFill>
+                <a:latin typeface="Open Sans"/>
+              </a:rPr>
+              <a:t>31</a:t>
+            </a:r>
+          </a:p>
+        </p:txBody>
+      </p:sp>
+    </p:spTree>
+  </p:cSld>
+  <p:clrMapOvr>
+    <a:masterClrMapping/>
+  </p:clrMapOvr>
+</p:sld>
+</file>
+
+<file path=ppt/slides/slide32.xml><?xml version="1.0" encoding="utf-8"?>
+<p:sld xmlns:a="http://schemas.openxmlformats.org/drawingml/2006/main" xmlns:p="http://schemas.openxmlformats.org/presentationml/2006/main" xmlns:r="http://schemas.openxmlformats.org/officeDocument/2006/relationships">
+  <p:cSld>
+    <p:bg>
+      <p:bgPr>
+        <a:solidFill>
+          <a:srgbClr val="FAF7F7"/>
+        </a:solidFill>
+        <a:effectLst/>
+      </p:bgPr>
+    </p:bg>
+    <p:spTree>
+      <p:nvGrpSpPr>
+        <p:cNvPr id="1" name=""/>
+        <p:cNvGrpSpPr/>
+        <p:nvPr/>
+      </p:nvGrpSpPr>
+      <p:grpSpPr/>
+      <p:sp>
+        <p:nvSpPr>
+          <p:cNvPr id="2" name="Title 1"/>
+          <p:cNvSpPr>
+            <a:spLocks noGrp="1"/>
+          </p:cNvSpPr>
+          <p:nvPr>
+            <p:ph type="title"/>
+          </p:nvPr>
+        </p:nvSpPr>
+        <p:spPr/>
+        <p:txBody>
+          <a:bodyPr/>
+          <a:lstStyle/>
+          <a:p/>
+        </p:txBody>
+      </p:sp>
+      <p:sp>
+        <p:nvSpPr>
+          <p:cNvPr id="3" name="TextBox 2"/>
+          <p:cNvSpPr txBox="1"/>
+          <p:nvPr/>
+        </p:nvSpPr>
+        <p:spPr>
+          <a:xfrm>
+            <a:off x="457200" y="274320"/>
+            <a:ext cx="10058400" cy="1371600"/>
+          </a:xfrm>
+          <a:prstGeom prst="rect">
+            <a:avLst/>
+          </a:prstGeom>
+          <a:noFill/>
+        </p:spPr>
+        <p:txBody>
+          <a:bodyPr wrap="square" anchor="t" tIns="91440" bIns="91440">
+            <a:spAutoFit/>
+          </a:bodyPr>
+          <a:lstStyle/>
+          <a:p>
+            <a:pPr algn="l"/>
+            <a:r>
+              <a:rPr sz="2400" b="1">
+                <a:solidFill>
+                  <a:srgbClr val="070000"/>
+                </a:solidFill>
+                <a:latin typeface="Georgia"/>
+              </a:rPr>
+              <a:t>Where to Go Next?</a:t>
+            </a:r>
+          </a:p>
+        </p:txBody>
+      </p:sp>
+      <p:sp>
+        <p:nvSpPr>
+          <p:cNvPr id="4" name="TextBox 3"/>
+          <p:cNvSpPr txBox="1"/>
+          <p:nvPr/>
+        </p:nvSpPr>
+        <p:spPr>
+          <a:xfrm>
+            <a:off x="731520" y="1371600"/>
+            <a:ext cx="9601200" cy="3657600"/>
+          </a:xfrm>
+          <a:prstGeom prst="rect">
+            <a:avLst/>
+          </a:prstGeom>
+          <a:noFill/>
+        </p:spPr>
+        <p:txBody>
+          <a:bodyPr wrap="square" anchor="t" tIns="91440" bIns="91440">
+            <a:spAutoFit/>
+          </a:bodyPr>
+          <a:lstStyle/>
+          <a:p/>
+          <a:p>
+            <a:pPr>
+              <a:spcBef>
+                <a:spcPts val="0"/>
+              </a:spcBef>
+              <a:spcAft>
+                <a:spcPts val="400"/>
+              </a:spcAft>
+            </a:pPr>
+            <a:r>
+              <a:rPr sz="1600" b="1">
+                <a:solidFill>
+                  <a:srgbClr val="010000"/>
+                </a:solidFill>
+                <a:latin typeface="Open Sans"/>
+              </a:rPr>
+              <a:t>Further Learning:</a:t>
+            </a:r>
+            <a:r>
+              <a:rPr sz="1600" b="0">
+                <a:solidFill>
+                  <a:srgbClr val="010000"/>
+                </a:solidFill>
+                <a:latin typeface="Open Sans"/>
+              </a:rPr>
+              <a:t> Explore online courses (Coursera, edX), specialized books, and academic papers.</a:t>
+            </a:r>
+          </a:p>
+          <a:p>
+            <a:pPr>
+              <a:spcBef>
+                <a:spcPts val="400"/>
+              </a:spcBef>
+              <a:spcAft>
+                <a:spcPts val="400"/>
+              </a:spcAft>
+            </a:pPr>
+            <a:r>
+              <a:rPr sz="1600" b="1">
+                <a:solidFill>
+                  <a:srgbClr val="010000"/>
+                </a:solidFill>
+                <a:latin typeface="Open Sans"/>
+              </a:rPr>
+              <a:t>Practice:</a:t>
+            </a:r>
+            <a:r>
+              <a:rPr sz="1600" b="0">
+                <a:solidFill>
+                  <a:srgbClr val="010000"/>
+                </a:solidFill>
+                <a:latin typeface="Open Sans"/>
+              </a:rPr>
+              <a:t> Try implementing a simple perceptron in Python, experiment with frameworks like TensorFlow or PyTorch.</a:t>
+            </a:r>
+          </a:p>
+          <a:p>
+            <a:pPr>
+              <a:spcBef>
+                <a:spcPts val="400"/>
+              </a:spcBef>
+              <a:spcAft>
+                <a:spcPts val="400"/>
+              </a:spcAft>
+            </a:pPr>
+            <a:r>
+              <a:rPr sz="1600" b="1">
+                <a:solidFill>
+                  <a:srgbClr val="010000"/>
+                </a:solidFill>
+                <a:latin typeface="Open Sans"/>
+              </a:rPr>
+              <a:t>Community:</a:t>
+            </a:r>
+            <a:r>
+              <a:rPr sz="1600" b="0">
+                <a:solidFill>
+                  <a:srgbClr val="010000"/>
+                </a:solidFill>
+                <a:latin typeface="Open Sans"/>
+              </a:rPr>
+              <a:t> Join AI/ML forums, attend local meetups, and connect with other enthusiasts and professionals.</a:t>
+            </a:r>
+          </a:p>
+        </p:txBody>
+      </p:sp>
+      <p:sp>
+        <p:nvSpPr>
+          <p:cNvPr id="5" name="TextBox 4"/>
+          <p:cNvSpPr txBox="1"/>
+          <p:nvPr/>
+        </p:nvSpPr>
+        <p:spPr>
+          <a:xfrm>
+            <a:off x="457200" y="6217920"/>
+            <a:ext cx="11274552" cy="18288"/>
+          </a:xfrm>
+          <a:prstGeom prst="rect">
+            <a:avLst/>
+          </a:prstGeom>
+          <a:solidFill>
+            <a:srgbClr val="8B0000"/>
+          </a:solidFill>
+        </p:spPr>
+        <p:txBody>
+          <a:bodyPr wrap="none">
+            <a:spAutoFit/>
+          </a:bodyPr>
+          <a:lstStyle/>
+          <a:p/>
+        </p:txBody>
+      </p:sp>
+      <p:sp>
+        <p:nvSpPr>
+          <p:cNvPr id="6" name="TextBox 5"/>
+          <p:cNvSpPr txBox="1"/>
+          <p:nvPr/>
+        </p:nvSpPr>
+        <p:spPr>
+          <a:xfrm>
+            <a:off x="457200" y="6400800"/>
+            <a:ext cx="8229600" cy="365760"/>
+          </a:xfrm>
+          <a:prstGeom prst="rect">
+            <a:avLst/>
+          </a:prstGeom>
+          <a:noFill/>
+        </p:spPr>
+        <p:txBody>
+          <a:bodyPr wrap="none" anchor="ctr">
+            <a:spAutoFit/>
+          </a:bodyPr>
+          <a:lstStyle/>
+          <a:p>
+            <a:pPr algn="l"/>
+            <a:r>
+              <a:rPr sz="1000" b="0">
+                <a:solidFill>
+                  <a:srgbClr val="8B0000"/>
+                </a:solidFill>
+                <a:latin typeface="Open Sans"/>
+              </a:rPr>
+              <a:t>Introduction to Neural Networks: Understanding the Building Blocks of AI | TeachFlow</a:t>
+            </a:r>
+          </a:p>
+        </p:txBody>
+      </p:sp>
+      <p:sp>
+        <p:nvSpPr>
+          <p:cNvPr id="7" name="TextBox 6"/>
+          <p:cNvSpPr txBox="1"/>
+          <p:nvPr/>
+        </p:nvSpPr>
+        <p:spPr>
+          <a:xfrm>
+            <a:off x="11091672" y="6400800"/>
+            <a:ext cx="914400" cy="365760"/>
+          </a:xfrm>
+          <a:prstGeom prst="rect">
+            <a:avLst/>
+          </a:prstGeom>
+          <a:noFill/>
+        </p:spPr>
+        <p:txBody>
+          <a:bodyPr wrap="none" anchor="ctr">
+            <a:spAutoFit/>
+          </a:bodyPr>
+          <a:lstStyle/>
+          <a:p>
+            <a:pPr algn="r"/>
+            <a:r>
+              <a:rPr sz="1000" b="1">
+                <a:solidFill>
+                  <a:srgbClr val="8B0000"/>
+                </a:solidFill>
+                <a:latin typeface="Open Sans"/>
+              </a:rPr>
+              <a:t>32</a:t>
+            </a:r>
+          </a:p>
+        </p:txBody>
+      </p:sp>
+    </p:spTree>
+  </p:cSld>
+  <p:clrMapOvr>
+    <a:masterClrMapping/>
+  </p:clrMapOvr>
+</p:sld>
+</file>
+
+<file path=ppt/slides/slide33.xml><?xml version="1.0" encoding="utf-8"?>
+<p:sld xmlns:a="http://schemas.openxmlformats.org/drawingml/2006/main" xmlns:p="http://schemas.openxmlformats.org/presentationml/2006/main" xmlns:r="http://schemas.openxmlformats.org/officeDocument/2006/relationships">
+  <p:cSld>
+    <p:bg>
+      <p:bgPr>
+        <a:solidFill>
+          <a:srgbClr val="FAF7F7"/>
+        </a:solidFill>
+        <a:effectLst/>
+      </p:bgPr>
+    </p:bg>
+    <p:spTree>
+      <p:nvGrpSpPr>
+        <p:cNvPr id="1" name=""/>
+        <p:cNvGrpSpPr/>
+        <p:nvPr/>
+      </p:nvGrpSpPr>
+      <p:grpSpPr/>
+      <p:sp>
+        <p:nvSpPr>
+          <p:cNvPr id="2" name="Title 1"/>
+          <p:cNvSpPr>
+            <a:spLocks noGrp="1"/>
+          </p:cNvSpPr>
+          <p:nvPr>
+            <p:ph type="title"/>
+          </p:nvPr>
+        </p:nvSpPr>
+        <p:spPr/>
+        <p:txBody>
+          <a:bodyPr/>
+          <a:lstStyle/>
+          <a:p/>
+        </p:txBody>
+      </p:sp>
+      <p:sp>
+        <p:nvSpPr>
+          <p:cNvPr id="3" name="TextBox 2"/>
+          <p:cNvSpPr txBox="1"/>
+          <p:nvPr/>
+        </p:nvSpPr>
+        <p:spPr>
+          <a:xfrm>
+            <a:off x="457200" y="274320"/>
+            <a:ext cx="10058400" cy="1371600"/>
+          </a:xfrm>
+          <a:prstGeom prst="rect">
+            <a:avLst/>
+          </a:prstGeom>
+          <a:noFill/>
+        </p:spPr>
+        <p:txBody>
+          <a:bodyPr wrap="square" anchor="t" tIns="91440" bIns="91440">
+            <a:spAutoFit/>
+          </a:bodyPr>
+          <a:lstStyle/>
+          <a:p>
+            <a:pPr algn="l"/>
+            <a:r>
+              <a:rPr sz="2400" b="1">
+                <a:solidFill>
+                  <a:srgbClr val="070000"/>
+                </a:solidFill>
+                <a:latin typeface="Georgia"/>
+              </a:rPr>
+              <a:t>Thank You!</a:t>
+            </a:r>
+          </a:p>
+        </p:txBody>
+      </p:sp>
+      <p:sp>
+        <p:nvSpPr>
+          <p:cNvPr id="4" name="TextBox 3"/>
+          <p:cNvSpPr txBox="1"/>
+          <p:nvPr/>
+        </p:nvSpPr>
+        <p:spPr>
+          <a:xfrm>
+            <a:off x="731520" y="1371600"/>
+            <a:ext cx="9601200" cy="3657600"/>
+          </a:xfrm>
+          <a:prstGeom prst="rect">
+            <a:avLst/>
+          </a:prstGeom>
+          <a:noFill/>
+        </p:spPr>
+        <p:txBody>
+          <a:bodyPr wrap="square" anchor="t" tIns="91440" bIns="91440">
+            <a:spAutoFit/>
+          </a:bodyPr>
+          <a:lstStyle/>
+          <a:p/>
+          <a:p>
+            <a:pPr>
+              <a:spcBef>
+                <a:spcPts val="0"/>
+              </a:spcBef>
+              <a:spcAft>
+                <a:spcPts val="400"/>
+              </a:spcAft>
+            </a:pPr>
+            <a:r>
+              <a:rPr sz="1600" b="1">
+                <a:solidFill>
+                  <a:srgbClr val="010000"/>
+                </a:solidFill>
+                <a:latin typeface="Open Sans"/>
+              </a:rPr>
+              <a:t>Presenter:</a:t>
+            </a:r>
+            <a:r>
+              <a:rPr sz="1600" b="0">
+                <a:solidFill>
+                  <a:srgbClr val="010000"/>
+                </a:solidFill>
+                <a:latin typeface="Open Sans"/>
+              </a:rPr>
+              <a:t> Senior Technical Documentation Architect</a:t>
+            </a:r>
+          </a:p>
+          <a:p>
+            <a:pPr>
+              <a:spcBef>
+                <a:spcPts val="400"/>
+              </a:spcBef>
+              <a:spcAft>
+                <a:spcPts val="400"/>
+              </a:spcAft>
+            </a:pPr>
+            <a:r>
+              <a:rPr sz="1600" b="1">
+                <a:solidFill>
+                  <a:srgbClr val="010000"/>
+                </a:solidFill>
+                <a:latin typeface="Open Sans"/>
+              </a:rPr>
+              <a:t>Contact:</a:t>
+            </a:r>
+            <a:r>
+              <a:rPr sz="1600" b="0">
+                <a:solidFill>
+                  <a:srgbClr val="010000"/>
+                </a:solidFill>
+                <a:latin typeface="Open Sans"/>
+              </a:rPr>
+              <a:t> [Your Email/LinkedIn/Website]</a:t>
+            </a:r>
+          </a:p>
+        </p:txBody>
+      </p:sp>
+      <p:sp>
+        <p:nvSpPr>
+          <p:cNvPr id="5" name="TextBox 4"/>
+          <p:cNvSpPr txBox="1"/>
+          <p:nvPr/>
+        </p:nvSpPr>
+        <p:spPr>
+          <a:xfrm>
+            <a:off x="457200" y="6217920"/>
+            <a:ext cx="11274552" cy="18288"/>
+          </a:xfrm>
+          <a:prstGeom prst="rect">
+            <a:avLst/>
+          </a:prstGeom>
+          <a:solidFill>
+            <a:srgbClr val="8B0000"/>
+          </a:solidFill>
+        </p:spPr>
+        <p:txBody>
+          <a:bodyPr wrap="none">
+            <a:spAutoFit/>
+          </a:bodyPr>
+          <a:lstStyle/>
+          <a:p/>
+        </p:txBody>
+      </p:sp>
+      <p:sp>
+        <p:nvSpPr>
+          <p:cNvPr id="6" name="TextBox 5"/>
+          <p:cNvSpPr txBox="1"/>
+          <p:nvPr/>
+        </p:nvSpPr>
+        <p:spPr>
+          <a:xfrm>
+            <a:off x="457200" y="6400800"/>
+            <a:ext cx="8229600" cy="365760"/>
+          </a:xfrm>
+          <a:prstGeom prst="rect">
+            <a:avLst/>
+          </a:prstGeom>
+          <a:noFill/>
+        </p:spPr>
+        <p:txBody>
+          <a:bodyPr wrap="none" anchor="ctr">
+            <a:spAutoFit/>
+          </a:bodyPr>
+          <a:lstStyle/>
+          <a:p>
+            <a:pPr algn="l"/>
+            <a:r>
+              <a:rPr sz="1000" b="0">
+                <a:solidFill>
+                  <a:srgbClr val="8B0000"/>
+                </a:solidFill>
+                <a:latin typeface="Open Sans"/>
+              </a:rPr>
+              <a:t>Introduction to Neural Networks: Understanding the Building Blocks of AI | TeachFlow</a:t>
+            </a:r>
+          </a:p>
+        </p:txBody>
+      </p:sp>
+      <p:sp>
+        <p:nvSpPr>
+          <p:cNvPr id="7" name="TextBox 6"/>
+          <p:cNvSpPr txBox="1"/>
+          <p:nvPr/>
+        </p:nvSpPr>
+        <p:spPr>
+          <a:xfrm>
+            <a:off x="11091672" y="6400800"/>
+            <a:ext cx="914400" cy="365760"/>
+          </a:xfrm>
+          <a:prstGeom prst="rect">
+            <a:avLst/>
+          </a:prstGeom>
+          <a:noFill/>
+        </p:spPr>
+        <p:txBody>
+          <a:bodyPr wrap="none" anchor="ctr">
+            <a:spAutoFit/>
+          </a:bodyPr>
+          <a:lstStyle/>
+          <a:p>
+            <a:pPr algn="r"/>
+            <a:r>
+              <a:rPr sz="1000" b="1">
+                <a:solidFill>
+                  <a:srgbClr val="8B0000"/>
+                </a:solidFill>
+                <a:latin typeface="Open Sans"/>
+              </a:rPr>
+              <a:t>33</a:t>
             </a:r>
           </a:p>
         </p:txBody>
@@ -7677,7 +11008,7 @@
                 </a:solidFill>
                 <a:latin typeface="Georgia"/>
               </a:rPr>
-              <a:t>What is Linear Regression? - The Big Picture</a:t>
+              <a:t>What are Neural Networks?</a:t>
             </a:r>
           </a:p>
         </p:txBody>
@@ -7714,31 +11045,22 @@
               </a:spcAft>
             </a:pPr>
             <a:r>
+              <a:rPr sz="1600" b="1">
+                <a:solidFill>
+                  <a:srgbClr val="010000"/>
+                </a:solidFill>
+                <a:latin typeface="Open Sans"/>
+              </a:rPr>
+              <a:t>Computational Models:</a:t>
+            </a:r>
+            <a:r>
               <a:rPr sz="1600" b="0">
                 <a:solidFill>
                   <a:srgbClr val="010000"/>
                 </a:solidFill>
                 <a:latin typeface="Open Sans"/>
               </a:rPr>
-              <a:t>A predictive modeling technique for </a:t>
-            </a:r>
-            <a:r>
-              <a:rPr sz="1600" b="1">
-                <a:solidFill>
-                  <a:srgbClr val="010000"/>
-                </a:solidFill>
-                <a:latin typeface="Open Sans"/>
-              </a:rPr>
-              <a:t>continuous outcomes</a:t>
-            </a:r>
-            <a:r>
-              <a:rPr sz="1600" b="0">
-                <a:solidFill>
-                  <a:srgbClr val="010000"/>
-                </a:solidFill>
-                <a:latin typeface="Open Sans"/>
-              </a:rPr>
-              <a:t>.</a:t>
+              <a:t> Inspired by the human brain's structure and function.</a:t>
             </a:r>
           </a:p>
           <a:p>
@@ -7751,31 +11073,22 @@
               </a:spcAft>
             </a:pPr>
             <a:r>
+              <a:rPr sz="1600" b="1">
+                <a:solidFill>
+                  <a:srgbClr val="010000"/>
+                </a:solidFill>
+                <a:latin typeface="Open Sans"/>
+              </a:rPr>
+              <a:t>Purpose:</a:t>
+            </a:r>
+            <a:r>
               <a:rPr sz="1600" b="0">
                 <a:solidFill>
                   <a:srgbClr val="010000"/>
                 </a:solidFill>
                 <a:latin typeface="Open Sans"/>
               </a:rPr>
-              <a:t>Aims to model the </a:t>
-            </a:r>
-            <a:r>
-              <a:rPr sz="1600" b="1">
-                <a:solidFill>
-                  <a:srgbClr val="010000"/>
-                </a:solidFill>
-                <a:latin typeface="Open Sans"/>
-              </a:rPr>
-              <a:t>linear relationship</a:t>
-            </a:r>
-            <a:r>
-              <a:rPr sz="1600" b="0">
-                <a:solidFill>
-                  <a:srgbClr val="010000"/>
-                </a:solidFill>
-                <a:latin typeface="Open Sans"/>
-              </a:rPr>
-              <a:t> between variables.</a:t>
+              <a:t> Designed to learn complex patterns from vast amounts of data.</a:t>
             </a:r>
           </a:p>
           <a:p>
@@ -7788,13 +11101,50 @@
               </a:spcAft>
             </a:pPr>
             <a:r>
+              <a:rPr sz="1600" b="1">
+                <a:solidFill>
+                  <a:srgbClr val="010000"/>
+                </a:solidFill>
+                <a:latin typeface="Open Sans"/>
+              </a:rPr>
+              <a:t>Goal:</a:t>
+            </a:r>
+            <a:r>
               <a:rPr sz="1600" b="0">
                 <a:solidFill>
                   <a:srgbClr val="010000"/>
                 </a:solidFill>
                 <a:latin typeface="Open Sans"/>
               </a:rPr>
-              <a:t>Finds the "line of best fit" to make accurate predictions.</a:t>
+              <a:t> Make predictions, classify information, and solve intricate problems.</a:t>
+            </a:r>
+          </a:p>
+          <a:p>
+            <a:pPr>
+              <a:spcBef>
+                <a:spcPts val="400"/>
+              </a:spcBef>
+              <a:spcAft>
+                <a:spcPts val="400"/>
+              </a:spcAft>
+            </a:pPr>
+            <a:r>
+              <a:rPr sz="1600" b="1">
+                <a:solidFill>
+                  <a:srgbClr val="010000"/>
+                </a:solidFill>
+                <a:latin typeface="Open Sans"/>
+              </a:rPr>
+              <a:t>Applications:</a:t>
+            </a:r>
+            <a:r>
+              <a:rPr sz="1600" b="0">
+                <a:solidFill>
+                  <a:srgbClr val="010000"/>
+                </a:solidFill>
+                <a:latin typeface="Open Sans"/>
+              </a:rPr>
+              <a:t> Powering image recognition, speech processing, medical diagnosis, and more.</a:t>
             </a:r>
           </a:p>
         </p:txBody>
@@ -7855,7 +11205,7 @@
                 </a:solidFill>
                 <a:latin typeface="Open Sans"/>
               </a:rPr>
-              <a:t>Linear Regression: Understanding &amp; Implementation | TeachFlow</a:t>
+              <a:t>Introduction to Neural Networks: Understanding the Building Blocks of AI | TeachFlow</a:t>
             </a:r>
           </a:p>
         </p:txBody>
@@ -7968,7 +11318,7 @@
                 </a:solidFill>
                 <a:latin typeface="Georgia"/>
               </a:rPr>
-              <a:t>Why Linear Regression Matters</a:t>
+              <a:t>Today's Core Concepts</a:t>
             </a:r>
           </a:p>
         </p:txBody>
@@ -8011,7 +11361,7 @@
                 </a:solidFill>
                 <a:latin typeface="Open Sans"/>
               </a:rPr>
-              <a:t>Foundational Algorithm:</a:t>
+              <a:t>Perceptrons:</a:t>
             </a:r>
             <a:r>
               <a:rPr sz="1600" b="0">
@@ -8020,7 +11370,7 @@
                 </a:solidFill>
                 <a:latin typeface="Open Sans"/>
               </a:rPr>
-              <a:t> A cornerstone in statistics and machine learning.</a:t>
+              <a:t> The basic building block of a neural network.</a:t>
             </a:r>
           </a:p>
           <a:p>
@@ -8039,7 +11389,7 @@
                 </a:solidFill>
                 <a:latin typeface="Open Sans"/>
               </a:rPr>
-              <a:t>Baseline Model:</a:t>
+              <a:t>Activation Functions:</a:t>
             </a:r>
             <a:r>
               <a:rPr sz="1600" b="0">
@@ -8048,7 +11398,7 @@
                 </a:solidFill>
                 <a:latin typeface="Open Sans"/>
               </a:rPr>
-              <a:t> Establishes a performance benchmark for more complex models.</a:t>
+              <a:t> Essential for adding complexity and non-linearity.</a:t>
             </a:r>
           </a:p>
           <a:p>
@@ -8067,7 +11417,7 @@
                 </a:solidFill>
                 <a:latin typeface="Open Sans"/>
               </a:rPr>
-              <a:t>Interpretability:</a:t>
+              <a:t>Backpropagation:</a:t>
             </a:r>
             <a:r>
               <a:rPr sz="1600" b="0">
@@ -8076,7 +11426,7 @@
                 </a:solidFill>
                 <a:latin typeface="Open Sans"/>
               </a:rPr>
-              <a:t> Provides clear insights into variable relationships, explaining 'why' something happens.</a:t>
+              <a:t> The algorithm that enables networks to learn from their mistakes.</a:t>
             </a:r>
           </a:p>
         </p:txBody>
@@ -8137,7 +11487,7 @@
                 </a:solidFill>
                 <a:latin typeface="Open Sans"/>
               </a:rPr>
-              <a:t>Linear Regression: Understanding &amp; Implementation | TeachFlow</a:t>
+              <a:t>Introduction to Neural Networks: Understanding the Building Blocks of AI | TeachFlow</a:t>
             </a:r>
           </a:p>
         </p:txBody>
@@ -8250,7 +11600,7 @@
                 </a:solidFill>
                 <a:latin typeface="Georgia"/>
               </a:rPr>
-              <a:t>Key Players: Independent (X) &amp; Dependent (y) Variables</a:t>
+              <a:t>Module 1: Perceptrons</a:t>
             </a:r>
           </a:p>
         </p:txBody>
@@ -8258,130 +11608,6 @@
       <p:sp>
         <p:nvSpPr>
           <p:cNvPr id="4" name="TextBox 3"/>
-          <p:cNvSpPr txBox="1"/>
-          <p:nvPr/>
-        </p:nvSpPr>
-        <p:spPr>
-          <a:xfrm>
-            <a:off x="731520" y="1371600"/>
-            <a:ext cx="9601200" cy="3657600"/>
-          </a:xfrm>
-          <a:prstGeom prst="rect">
-            <a:avLst/>
-          </a:prstGeom>
-          <a:noFill/>
-        </p:spPr>
-        <p:txBody>
-          <a:bodyPr wrap="square" anchor="t" tIns="91440" bIns="91440">
-            <a:spAutoFit/>
-          </a:bodyPr>
-          <a:lstStyle/>
-          <a:p/>
-          <a:p>
-            <a:pPr>
-              <a:spcBef>
-                <a:spcPts val="0"/>
-              </a:spcBef>
-              <a:spcAft>
-                <a:spcPts val="400"/>
-              </a:spcAft>
-            </a:pPr>
-            <a:r>
-              <a:rPr sz="1600" b="1">
-                <a:solidFill>
-                  <a:srgbClr val="010000"/>
-                </a:solidFill>
-                <a:latin typeface="Open Sans"/>
-              </a:rPr>
-              <a:t>Independent Variables (Features / Predictors - typically denoted as 'X'):</a:t>
-            </a:r>
-            <a:r>
-              <a:rPr sz="1600" b="0">
-                <a:solidFill>
-                  <a:srgbClr val="010000"/>
-                </a:solidFill>
-                <a:latin typeface="Open Sans"/>
-              </a:rPr>
-              <a:t> These are the input variables used to make predictions. (e.g., square footage, number of bedrooms, location when predicting house prices).</a:t>
-            </a:r>
-          </a:p>
-          <a:p>
-            <a:pPr>
-              <a:spcBef>
-                <a:spcPts val="400"/>
-              </a:spcBef>
-              <a:spcAft>
-                <a:spcPts val="400"/>
-              </a:spcAft>
-            </a:pPr>
-            <a:r>
-              <a:rPr sz="1600" b="1">
-                <a:solidFill>
-                  <a:srgbClr val="010000"/>
-                </a:solidFill>
-                <a:latin typeface="Open Sans"/>
-              </a:rPr>
-              <a:t>Dependent Variable (Target / Response - typically denoted as 'y'):</a:t>
-            </a:r>
-            <a:r>
-              <a:rPr sz="1600" b="0">
-                <a:solidFill>
-                  <a:srgbClr val="010000"/>
-                </a:solidFill>
-                <a:latin typeface="Open Sans"/>
-              </a:rPr>
-              <a:t> This is the continuous output variable that the model aims to predict. (e.g., the house price itself).</a:t>
-            </a:r>
-          </a:p>
-        </p:txBody>
-      </p:sp>
-      <p:sp>
-        <p:nvSpPr>
-          <p:cNvPr id="5" name="TextBox 4"/>
-          <p:cNvSpPr txBox="1"/>
-          <p:nvPr/>
-        </p:nvSpPr>
-        <p:spPr>
-          <a:xfrm>
-            <a:off x="731520" y="4114800"/>
-            <a:ext cx="9601200" cy="731520"/>
-          </a:xfrm>
-          <a:prstGeom prst="rect">
-            <a:avLst/>
-          </a:prstGeom>
-          <a:noFill/>
-        </p:spPr>
-        <p:txBody>
-          <a:bodyPr wrap="square" anchor="t" tIns="91440" bIns="91440">
-            <a:spAutoFit/>
-          </a:bodyPr>
-          <a:lstStyle/>
-          <a:p>
-            <a:pPr algn="l"/>
-            <a:r>
-              <a:rPr sz="1600" b="0">
-                <a:solidFill>
-                  <a:srgbClr val="010000"/>
-                </a:solidFill>
-                <a:latin typeface="Open Sans"/>
-              </a:rPr>
-              <a:t>Analogy:</a:t>
-            </a:r>
-            <a:r>
-              <a:rPr sz="1600" b="0">
-                <a:solidFill>
-                  <a:srgbClr val="010000"/>
-                </a:solidFill>
-                <a:latin typeface="Open Sans"/>
-              </a:rPr>
-              <a:t> Think of it as: Input (X) → Black Box (Model) → Output (y)</a:t>
-            </a:r>
-          </a:p>
-        </p:txBody>
-      </p:sp>
-      <p:sp>
-        <p:nvSpPr>
-          <p:cNvPr id="6" name="TextBox 5"/>
           <p:cNvSpPr txBox="1"/>
           <p:nvPr/>
         </p:nvSpPr>
@@ -8407,7 +11633,7 @@
       </p:sp>
       <p:sp>
         <p:nvSpPr>
-          <p:cNvPr id="7" name="TextBox 6"/>
+          <p:cNvPr id="5" name="TextBox 4"/>
           <p:cNvSpPr txBox="1"/>
           <p:nvPr/>
         </p:nvSpPr>
@@ -8435,14 +11661,14 @@
                 </a:solidFill>
                 <a:latin typeface="Open Sans"/>
               </a:rPr>
-              <a:t>Linear Regression: Understanding &amp; Implementation | TeachFlow</a:t>
-            </a:r>
-          </a:p>
-        </p:txBody>
-      </p:sp>
-      <p:sp>
-        <p:nvSpPr>
-          <p:cNvPr id="8" name="TextBox 7"/>
+              <a:t>Introduction to Neural Networks: Understanding the Building Blocks of AI | TeachFlow</a:t>
+            </a:r>
+          </a:p>
+        </p:txBody>
+      </p:sp>
+      <p:sp>
+        <p:nvSpPr>
+          <p:cNvPr id="6" name="TextBox 5"/>
           <p:cNvSpPr txBox="1"/>
           <p:nvPr/>
         </p:nvSpPr>
@@ -8548,7 +11774,7 @@
                 </a:solidFill>
                 <a:latin typeface="Georgia"/>
               </a:rPr>
-              <a:t>The "Line of Best Fit" - Visualizing the Relationship</a:t>
+              <a:t>What is a Perceptron?</a:t>
             </a:r>
           </a:p>
         </p:txBody>
@@ -8562,7 +11788,7 @@
         <p:spPr>
           <a:xfrm>
             <a:off x="731520" y="1371600"/>
-            <a:ext cx="9601200" cy="3474720"/>
+            <a:ext cx="9601200" cy="3657600"/>
           </a:xfrm>
           <a:prstGeom prst="rect">
             <a:avLst/>
@@ -8574,8 +11800,25 @@
             <a:spAutoFit/>
           </a:bodyPr>
           <a:lstStyle/>
-          <a:p>
-            <a:pPr algn="l"/>
+          <a:p/>
+          <a:p>
+            <a:pPr>
+              <a:spcBef>
+                <a:spcPts val="0"/>
+              </a:spcBef>
+              <a:spcAft>
+                <a:spcPts val="400"/>
+              </a:spcAft>
+            </a:pPr>
+            <a:r>
+              <a:rPr sz="1600" b="1">
+                <a:solidFill>
+                  <a:srgbClr val="010000"/>
+                </a:solidFill>
+                <a:latin typeface="Open Sans"/>
+              </a:rPr>
+              <a:t>Definition:</a:t>
+            </a:r>
             <a:r>
               <a:rPr sz="1600" b="0">
                 <a:solidFill>
@@ -8583,7 +11826,63 @@
                 </a:solidFill>
                 <a:latin typeface="Open Sans"/>
               </a:rPr>
-              <a:t>The line that best describes the relationship between X and y.</a:t>
+              <a:t> The earliest model of an artificial neuron, proposed by Frank Rosenblatt in 1957.</a:t>
+            </a:r>
+          </a:p>
+          <a:p>
+            <a:pPr>
+              <a:spcBef>
+                <a:spcPts val="400"/>
+              </a:spcBef>
+              <a:spcAft>
+                <a:spcPts val="400"/>
+              </a:spcAft>
+            </a:pPr>
+            <a:r>
+              <a:rPr sz="1600" b="1">
+                <a:solidFill>
+                  <a:srgbClr val="010000"/>
+                </a:solidFill>
+                <a:latin typeface="Open Sans"/>
+              </a:rPr>
+              <a:t>Function:</a:t>
+            </a:r>
+            <a:r>
+              <a:rPr sz="1600" b="0">
+                <a:solidFill>
+                  <a:srgbClr val="010000"/>
+                </a:solidFill>
+                <a:latin typeface="Open Sans"/>
+              </a:rPr>
+              <a:t> Takes multiple numerical inputs and produces a single binary output (0 or 1).</a:t>
+            </a:r>
+          </a:p>
+          <a:p>
+            <a:pPr>
+              <a:spcBef>
+                <a:spcPts val="400"/>
+              </a:spcBef>
+              <a:spcAft>
+                <a:spcPts val="400"/>
+              </a:spcAft>
+            </a:pPr>
+            <a:r>
+              <a:rPr sz="1600" b="1">
+                <a:solidFill>
+                  <a:srgbClr val="010000"/>
+                </a:solidFill>
+                <a:latin typeface="Open Sans"/>
+              </a:rPr>
+              <a:t>Role:</a:t>
+            </a:r>
+            <a:r>
+              <a:rPr sz="1600" b="0">
+                <a:solidFill>
+                  <a:srgbClr val="010000"/>
+                </a:solidFill>
+                <a:latin typeface="Open Sans"/>
+              </a:rPr>
+              <a:t> Used for basic classification tasks, like deciding 'yes' or 'no', or 'spam' vs. 'not spam'.</a:t>
             </a:r>
           </a:p>
         </p:txBody>
@@ -8591,59 +11890,6 @@
       <p:sp>
         <p:nvSpPr>
           <p:cNvPr id="5" name="TextBox 4"/>
-          <p:cNvSpPr txBox="1"/>
-          <p:nvPr/>
-        </p:nvSpPr>
-        <p:spPr>
-          <a:xfrm>
-            <a:off x="731520" y="1737360"/>
-            <a:ext cx="9601200" cy="3108960"/>
-          </a:xfrm>
-          <a:prstGeom prst="rect">
-            <a:avLst/>
-          </a:prstGeom>
-          <a:noFill/>
-        </p:spPr>
-        <p:txBody>
-          <a:bodyPr wrap="square" anchor="t" tIns="91440" bIns="91440">
-            <a:spAutoFit/>
-          </a:bodyPr>
-          <a:lstStyle/>
-          <a:p>
-            <a:pPr algn="l"/>
-            <a:r>
-              <a:rPr sz="1600" b="0">
-                <a:solidFill>
-                  <a:srgbClr val="010000"/>
-                </a:solidFill>
-                <a:latin typeface="Open Sans"/>
-              </a:rPr>
-              <a:t>The goal is to minimize the </a:t>
-            </a:r>
-            <a:r>
-              <a:rPr sz="1600" b="0">
-                <a:solidFill>
-                  <a:srgbClr val="010000"/>
-                </a:solidFill>
-                <a:latin typeface="Open Sans"/>
-              </a:rPr>
-              <a:t>distance/error</a:t>
-            </a:r>
-            <a:r>
-              <a:rPr sz="1600" b="0">
-                <a:solidFill>
-                  <a:srgbClr val="010000"/>
-                </a:solidFill>
-                <a:latin typeface="Open Sans"/>
-              </a:rPr>
-              <a:t> between the line and all data points, allowing for accurate predictions.</a:t>
-            </a:r>
-          </a:p>
-        </p:txBody>
-      </p:sp>
-      <p:sp>
-        <p:nvSpPr>
-          <p:cNvPr id="6" name="TextBox 5"/>
           <p:cNvSpPr txBox="1"/>
           <p:nvPr/>
         </p:nvSpPr>
@@ -8669,7 +11915,7 @@
       </p:sp>
       <p:sp>
         <p:nvSpPr>
-          <p:cNvPr id="7" name="TextBox 6"/>
+          <p:cNvPr id="6" name="TextBox 5"/>
           <p:cNvSpPr txBox="1"/>
           <p:nvPr/>
         </p:nvSpPr>
@@ -8697,14 +11943,14 @@
                 </a:solidFill>
                 <a:latin typeface="Open Sans"/>
               </a:rPr>
-              <a:t>Linear Regression: Understanding &amp; Implementation | TeachFlow</a:t>
-            </a:r>
-          </a:p>
-        </p:txBody>
-      </p:sp>
-      <p:sp>
-        <p:nvSpPr>
-          <p:cNvPr id="8" name="TextBox 7"/>
+              <a:t>Introduction to Neural Networks: Understanding the Building Blocks of AI | TeachFlow</a:t>
+            </a:r>
+          </a:p>
+        </p:txBody>
+      </p:sp>
+      <p:sp>
+        <p:nvSpPr>
+          <p:cNvPr id="7" name="TextBox 6"/>
           <p:cNvSpPr txBox="1"/>
           <p:nvPr/>
         </p:nvSpPr>
@@ -8810,7 +12056,7 @@
                 </a:solidFill>
                 <a:latin typeface="Georgia"/>
               </a:rPr>
-              <a:t>Simple vs. Multiple Linear Regression</a:t>
+              <a:t>Perceptron Components</a:t>
             </a:r>
           </a:p>
         </p:txBody>
@@ -8853,7 +12099,7 @@
                 </a:solidFill>
                 <a:latin typeface="Open Sans"/>
               </a:rPr>
-              <a:t>Simple Linear Regression:</a:t>
+              <a:t>Inputs (x):</a:t>
             </a:r>
             <a:r>
               <a:rPr sz="1600" b="0">
@@ -8862,25 +12108,7 @@
                 </a:solidFill>
                 <a:latin typeface="Open Sans"/>
               </a:rPr>
-              <a:t> Involves </a:t>
-            </a:r>
-            <a:r>
-              <a:rPr sz="1600" b="1">
-                <a:solidFill>
-                  <a:srgbClr val="010000"/>
-                </a:solidFill>
-                <a:latin typeface="Open Sans"/>
-              </a:rPr>
-              <a:t>one</a:t>
-            </a:r>
-            <a:r>
-              <a:rPr sz="1600" b="0">
-                <a:solidFill>
-                  <a:srgbClr val="010000"/>
-                </a:solidFill>
-                <a:latin typeface="Open Sans"/>
-              </a:rPr>
-              <a:t> independent variable (X) to predict one dependent variable (y).</a:t>
+              <a:t> The data points or features fed into the perceptron (e.g., pixel values in an image, numerical measurements).</a:t>
             </a:r>
           </a:p>
           <a:p>
@@ -8899,7 +12127,7 @@
                 </a:solidFill>
                 <a:latin typeface="Open Sans"/>
               </a:rPr>
-              <a:t>Multiple Linear Regression:</a:t>
+              <a:t>Weights (w):</a:t>
             </a:r>
             <a:r>
               <a:rPr sz="1600" b="0">
@@ -8908,25 +12136,7 @@
                 </a:solidFill>
                 <a:latin typeface="Open Sans"/>
               </a:rPr>
-              <a:t> Involves </a:t>
-            </a:r>
-            <a:r>
-              <a:rPr sz="1600" b="1">
-                <a:solidFill>
-                  <a:srgbClr val="010000"/>
-                </a:solidFill>
-                <a:latin typeface="Open Sans"/>
-              </a:rPr>
-              <a:t>two or more</a:t>
-            </a:r>
-            <a:r>
-              <a:rPr sz="1600" b="0">
-                <a:solidFill>
-                  <a:srgbClr val="010000"/>
-                </a:solidFill>
-                <a:latin typeface="Open Sans"/>
-              </a:rPr>
-              <a:t> independent variables (X1, X2, ...) to predict one dependent variable (y).</a:t>
+              <a:t> Numerical values assigned to each input, indicating its relative importance or influence on the output. A higher weight means that input has a stronger impact.</a:t>
             </a:r>
           </a:p>
         </p:txBody>
@@ -8987,7 +12197,7 @@
                 </a:solidFill>
                 <a:latin typeface="Open Sans"/>
               </a:rPr>
-              <a:t>Linear Regression: Understanding &amp; Implementation | TeachFlow</a:t>
+              <a:t>Introduction to Neural Networks: Understanding the Building Blocks of AI | TeachFlow</a:t>
             </a:r>
           </a:p>
         </p:txBody>
@@ -9100,7 +12310,7 @@
                 </a:solidFill>
                 <a:latin typeface="Georgia"/>
               </a:rPr>
-              <a:t>Knowledge Check #1: Core Concepts</a:t>
+              <a:t>Perceptron Components</a:t>
             </a:r>
           </a:p>
         </p:txBody>
@@ -9114,7 +12324,7 @@
         <p:spPr>
           <a:xfrm>
             <a:off x="731520" y="1371600"/>
-            <a:ext cx="9601200" cy="3474720"/>
+            <a:ext cx="9601200" cy="3657600"/>
           </a:xfrm>
           <a:prstGeom prst="rect">
             <a:avLst/>
@@ -9126,8 +12336,25 @@
             <a:spAutoFit/>
           </a:bodyPr>
           <a:lstStyle/>
-          <a:p>
-            <a:pPr algn="l"/>
+          <a:p/>
+          <a:p>
+            <a:pPr>
+              <a:spcBef>
+                <a:spcPts val="0"/>
+              </a:spcBef>
+              <a:spcAft>
+                <a:spcPts val="400"/>
+              </a:spcAft>
+            </a:pPr>
+            <a:r>
+              <a:rPr sz="1600" b="1">
+                <a:solidFill>
+                  <a:srgbClr val="010000"/>
+                </a:solidFill>
+                <a:latin typeface="Open Sans"/>
+              </a:rPr>
+              <a:t>Bias (b):</a:t>
+            </a:r>
             <a:r>
               <a:rPr sz="1600" b="0">
                 <a:solidFill>
@@ -9135,7 +12362,26 @@
                 </a:solidFill>
                 <a:latin typeface="Open Sans"/>
               </a:rPr>
-              <a:t>Question 1:</a:t>
+              <a:t> An independent value that shifts the activation threshold. It allows the perceptron to activate even if all inputs are zero, or to remain inactive despite some positive inputs. (Analogy: A baseline 'eagerness to fire').</a:t>
+            </a:r>
+          </a:p>
+          <a:p>
+            <a:pPr>
+              <a:spcBef>
+                <a:spcPts val="400"/>
+              </a:spcBef>
+              <a:spcAft>
+                <a:spcPts val="400"/>
+              </a:spcAft>
+            </a:pPr>
+            <a:r>
+              <a:rPr sz="1600" b="1">
+                <a:solidFill>
+                  <a:srgbClr val="010000"/>
+                </a:solidFill>
+                <a:latin typeface="Open Sans"/>
+              </a:rPr>
+              <a:t>Weighted Sum:</a:t>
             </a:r>
             <a:r>
               <a:rPr sz="1600" b="0">
@@ -9144,25 +12390,7 @@
                 </a:solidFill>
                 <a:latin typeface="Open Sans"/>
               </a:rPr>
-              <a:t> In the house price prediction example, which variable would be the </a:t>
-            </a:r>
-            <a:r>
-              <a:rPr sz="1600" b="0">
-                <a:solidFill>
-                  <a:srgbClr val="010000"/>
-                </a:solidFill>
-                <a:latin typeface="Open Sans"/>
-              </a:rPr>
-              <a:t>dependent variable (y)</a:t>
-            </a:r>
-            <a:r>
-              <a:rPr sz="1600" b="0">
-                <a:solidFill>
-                  <a:srgbClr val="010000"/>
-                </a:solidFill>
-                <a:latin typeface="Open Sans"/>
-              </a:rPr>
-              <a:t>? (A) Square footage, (B) Number of bedrooms, (C) House price, (D) Location.</a:t>
+              <a:t> The sum of all inputs multiplied by their respective weights, plus the bias. This is the core calculation: Σ(x * w) + b.</a:t>
             </a:r>
           </a:p>
         </p:txBody>
@@ -9170,50 +12398,6 @@
       <p:sp>
         <p:nvSpPr>
           <p:cNvPr id="5" name="TextBox 4"/>
-          <p:cNvSpPr txBox="1"/>
-          <p:nvPr/>
-        </p:nvSpPr>
-        <p:spPr>
-          <a:xfrm>
-            <a:off x="731520" y="2194560"/>
-            <a:ext cx="9601200" cy="2651760"/>
-          </a:xfrm>
-          <a:prstGeom prst="rect">
-            <a:avLst/>
-          </a:prstGeom>
-          <a:noFill/>
-        </p:spPr>
-        <p:txBody>
-          <a:bodyPr wrap="square" anchor="t" tIns="91440" bIns="91440">
-            <a:spAutoFit/>
-          </a:bodyPr>
-          <a:lstStyle/>
-          <a:p>
-            <a:pPr algn="l"/>
-            <a:r>
-              <a:rPr sz="1600" b="0">
-                <a:solidFill>
-                  <a:srgbClr val="010000"/>
-                </a:solidFill>
-                <a:latin typeface="Open Sans"/>
-              </a:rPr>
-              <a:t>Question 2:</a:t>
-            </a:r>
-            <a:r>
-              <a:rPr sz="1600" b="0">
-                <a:solidFill>
-                  <a:srgbClr val="010000"/>
-                </a:solidFill>
-                <a:latin typeface="Open Sans"/>
-              </a:rPr>
-              <a:t> True or False: Linear Regression aims to fit a curved line to data.</a:t>
-            </a:r>
-          </a:p>
-        </p:txBody>
-      </p:sp>
-      <p:sp>
-        <p:nvSpPr>
-          <p:cNvPr id="6" name="TextBox 5"/>
           <p:cNvSpPr txBox="1"/>
           <p:nvPr/>
         </p:nvSpPr>
@@ -9239,7 +12423,7 @@
       </p:sp>
       <p:sp>
         <p:nvSpPr>
-          <p:cNvPr id="7" name="TextBox 6"/>
+          <p:cNvPr id="6" name="TextBox 5"/>
           <p:cNvSpPr txBox="1"/>
           <p:nvPr/>
         </p:nvSpPr>
@@ -9267,14 +12451,14 @@
                 </a:solidFill>
                 <a:latin typeface="Open Sans"/>
               </a:rPr>
-              <a:t>Linear Regression: Understanding &amp; Implementation | TeachFlow</a:t>
-            </a:r>
-          </a:p>
-        </p:txBody>
-      </p:sp>
-      <p:sp>
-        <p:nvSpPr>
-          <p:cNvPr id="8" name="TextBox 7"/>
+              <a:t>Introduction to Neural Networks: Understanding the Building Blocks of AI | TeachFlow</a:t>
+            </a:r>
+          </a:p>
+        </p:txBody>
+      </p:sp>
+      <p:sp>
+        <p:nvSpPr>
+          <p:cNvPr id="7" name="TextBox 6"/>
           <p:cNvSpPr txBox="1"/>
           <p:nvPr/>
         </p:nvSpPr>
